--- a/CKDSurveillance/PPT/Q9.pptx
+++ b/CKDSurveillance/PPT/Q9.pptx
@@ -6,13 +6,17 @@
   </p:sldMasterIdLst>
   <p:sldIdLst>
     <p:sldId id="256" r:id="rId2"/>
-    <p:sldId id="267" r:id="rId3"/>
-    <p:sldId id="268" r:id="rId4"/>
+    <p:sldId id="268" r:id="rId3"/>
+    <p:sldId id="274" r:id="rId4"/>
     <p:sldId id="269" r:id="rId5"/>
     <p:sldId id="270" r:id="rId6"/>
-    <p:sldId id="271" r:id="rId7"/>
-    <p:sldId id="272" r:id="rId8"/>
-    <p:sldId id="273" r:id="rId9"/>
+    <p:sldId id="275" r:id="rId7"/>
+    <p:sldId id="271" r:id="rId8"/>
+    <p:sldId id="276" r:id="rId9"/>
+    <p:sldId id="272" r:id="rId10"/>
+    <p:sldId id="277" r:id="rId11"/>
+    <p:sldId id="273" r:id="rId12"/>
+    <p:sldId id="278" r:id="rId13"/>
   </p:sldIdLst>
   <p:sldSz cx="12192000" cy="6858000"/>
   <p:notesSz cx="6858000" cy="9144000"/>
@@ -156,7 +160,7 @@
           <c:order val="0"/>
           <c:tx>
             <c:strRef>
-              <c:f>'Overall (AS and crude)'!$B$28</c:f>
+              <c:f>Overall!$B$1</c:f>
               <c:strCache>
                 <c:ptCount val="1"/>
                 <c:pt idx="0">
@@ -168,7 +172,7 @@
           <c:spPr>
             <a:ln w="44450" cap="rnd">
               <a:solidFill>
-                <a:srgbClr val="7030A0"/>
+                <a:srgbClr val="800080"/>
               </a:solidFill>
               <a:round/>
             </a:ln>
@@ -179,11 +183,11 @@
             <c:size val="5"/>
             <c:spPr>
               <a:solidFill>
-                <a:srgbClr val="7030A0"/>
+                <a:srgbClr val="800080"/>
               </a:solidFill>
               <a:ln w="44450">
                 <a:solidFill>
-                  <a:srgbClr val="7030A0"/>
+                  <a:srgbClr val="800080"/>
                 </a:solidFill>
               </a:ln>
               <a:effectLst/>
@@ -191,7 +195,7 @@
           </c:marker>
           <c:cat>
             <c:strRef>
-              <c:f>'Overall (AS and crude)'!$A$29:$A$33</c:f>
+              <c:f>Overall!$A$2:$A$6</c:f>
               <c:strCache>
                 <c:ptCount val="5"/>
                 <c:pt idx="0">
@@ -214,9 +218,9 @@
           </c:cat>
           <c:val>
             <c:numRef>
-              <c:f>'Overall (AS and crude)'!$B$29:$B$33</c:f>
+              <c:f>Overall!$B$2:$B$6</c:f>
               <c:numCache>
-                <c:formatCode>General</c:formatCode>
+                <c:formatCode>0.0</c:formatCode>
                 <c:ptCount val="5"/>
                 <c:pt idx="0">
                   <c:v>12.9</c:v>
@@ -239,7 +243,7 @@
           <c:smooth val="0"/>
           <c:extLst>
             <c:ext xmlns:c16="http://schemas.microsoft.com/office/drawing/2014/chart" uri="{C3380CC4-5D6E-409C-BE32-E72D297353CC}">
-              <c16:uniqueId val="{00000000-BDFF-4860-AE1D-9DBF9B358F29}"/>
+              <c16:uniqueId val="{00000000-747D-4B64-86C5-5057438169AA}"/>
             </c:ext>
           </c:extLst>
         </c:ser>
@@ -253,11 +257,11 @@
         </c:dLbls>
         <c:marker val="1"/>
         <c:smooth val="0"/>
-        <c:axId val="10756896"/>
-        <c:axId val="11140496"/>
+        <c:axId val="1602990928"/>
+        <c:axId val="1602996752"/>
       </c:lineChart>
       <c:catAx>
-        <c:axId val="10756896"/>
+        <c:axId val="1602990928"/>
         <c:scaling>
           <c:orientation val="minMax"/>
         </c:scaling>
@@ -287,7 +291,7 @@
             <a:pPr>
               <a:defRPr sz="2400" b="0" i="0" u="none" strike="noStrike" kern="1200" baseline="0">
                 <a:solidFill>
-                  <a:schemeClr val="tx1"/>
+                  <a:sysClr val="windowText" lastClr="000000"/>
                 </a:solidFill>
                 <a:latin typeface="+mn-lt"/>
                 <a:ea typeface="+mn-ea"/>
@@ -297,7 +301,7 @@
             <a:endParaRPr lang="en-US"/>
           </a:p>
         </c:txPr>
-        <c:crossAx val="11140496"/>
+        <c:crossAx val="1602996752"/>
         <c:crosses val="autoZero"/>
         <c:auto val="1"/>
         <c:lblAlgn val="ctr"/>
@@ -305,10 +309,9 @@
         <c:noMultiLvlLbl val="0"/>
       </c:catAx>
       <c:valAx>
-        <c:axId val="11140496"/>
+        <c:axId val="1602996752"/>
         <c:scaling>
           <c:orientation val="minMax"/>
-          <c:max val="16"/>
           <c:min val="0"/>
         </c:scaling>
         <c:delete val="0"/>
@@ -334,9 +337,9 @@
               <a:lstStyle/>
               <a:p>
                 <a:pPr>
-                  <a:defRPr sz="2800" b="0" i="0" u="none" strike="noStrike" kern="1200" baseline="0">
+                  <a:defRPr sz="2400" b="0" i="0" u="none" strike="noStrike" kern="1200" baseline="0">
                     <a:solidFill>
-                      <a:schemeClr val="tx1"/>
+                      <a:sysClr val="windowText" lastClr="000000"/>
                     </a:solidFill>
                     <a:latin typeface="+mn-lt"/>
                     <a:ea typeface="+mn-ea"/>
@@ -344,24 +347,24 @@
                   </a:defRPr>
                 </a:pPr>
                 <a:r>
-                  <a:rPr lang="en-US" sz="2800">
+                  <a:rPr lang="en-US" sz="2400">
                     <a:solidFill>
-                      <a:schemeClr val="tx1"/>
+                      <a:sysClr val="windowText" lastClr="000000"/>
                     </a:solidFill>
                   </a:rPr>
                   <a:t>CKD</a:t>
                 </a:r>
                 <a:r>
-                  <a:rPr lang="en-US" sz="2800" baseline="0">
+                  <a:rPr lang="en-US" sz="2400" baseline="0">
                     <a:solidFill>
-                      <a:schemeClr val="tx1"/>
+                      <a:sysClr val="windowText" lastClr="000000"/>
                     </a:solidFill>
                   </a:rPr>
                   <a:t> (%)</a:t>
                 </a:r>
-                <a:endParaRPr lang="en-US" sz="2800">
+                <a:endParaRPr lang="en-US" sz="2400">
                   <a:solidFill>
-                    <a:schemeClr val="tx1"/>
+                    <a:sysClr val="windowText" lastClr="000000"/>
                   </a:solidFill>
                 </a:endParaRPr>
               </a:p>
@@ -371,8 +374,8 @@
             <c:manualLayout>
               <c:xMode val="edge"/>
               <c:yMode val="edge"/>
-              <c:x val="1.1078998493430677E-3"/>
-              <c:y val="0.30932254349087751"/>
+              <c:x val="5.4512703219709111E-3"/>
+              <c:y val="0.34216177694137584"/>
             </c:manualLayout>
           </c:layout>
           <c:overlay val="0"/>
@@ -388,9 +391,9 @@
             <a:lstStyle/>
             <a:p>
               <a:pPr>
-                <a:defRPr sz="2800" b="0" i="0" u="none" strike="noStrike" kern="1200" baseline="0">
+                <a:defRPr sz="2400" b="0" i="0" u="none" strike="noStrike" kern="1200" baseline="0">
                   <a:solidFill>
-                    <a:schemeClr val="tx1"/>
+                    <a:sysClr val="windowText" lastClr="000000"/>
                   </a:solidFill>
                   <a:latin typeface="+mn-lt"/>
                   <a:ea typeface="+mn-ea"/>
@@ -401,7 +404,7 @@
             </a:p>
           </c:txPr>
         </c:title>
-        <c:numFmt formatCode="General" sourceLinked="1"/>
+        <c:numFmt formatCode="0" sourceLinked="0"/>
         <c:majorTickMark val="none"/>
         <c:minorTickMark val="none"/>
         <c:tickLblPos val="nextTo"/>
@@ -419,7 +422,7 @@
             <a:pPr>
               <a:defRPr sz="2400" b="0" i="0" u="none" strike="noStrike" kern="1200" baseline="0">
                 <a:solidFill>
-                  <a:schemeClr val="tx1"/>
+                  <a:sysClr val="windowText" lastClr="000000"/>
                 </a:solidFill>
                 <a:latin typeface="+mn-lt"/>
                 <a:ea typeface="+mn-ea"/>
@@ -429,7 +432,7 @@
             <a:endParaRPr lang="en-US"/>
           </a:p>
         </c:txPr>
-        <c:crossAx val="10756896"/>
+        <c:crossAx val="1602990928"/>
         <c:crosses val="autoZero"/>
         <c:crossBetween val="between"/>
       </c:valAx>
@@ -453,9 +456,1083 @@
     <c:showDLblsOverMax val="0"/>
   </c:chart>
   <c:spPr>
-    <a:noFill/>
-    <a:ln>
+    <a:solidFill>
+      <a:schemeClr val="bg1"/>
+    </a:solidFill>
+    <a:ln w="9525" cap="flat" cmpd="sng" algn="ctr">
       <a:noFill/>
+      <a:round/>
+    </a:ln>
+    <a:effectLst/>
+  </c:spPr>
+  <c:txPr>
+    <a:bodyPr/>
+    <a:lstStyle/>
+    <a:p>
+      <a:pPr>
+        <a:defRPr/>
+      </a:pPr>
+      <a:endParaRPr lang="en-US"/>
+    </a:p>
+  </c:txPr>
+  <c:externalData r:id="rId3">
+    <c:autoUpdate val="0"/>
+  </c:externalData>
+</c:chartSpace>
+</file>
+
+<file path=ppt/charts/chart10.xml><?xml version="1.0" encoding="utf-8"?>
+<c:chartSpace xmlns:c="http://schemas.openxmlformats.org/drawingml/2006/chart" xmlns:a="http://schemas.openxmlformats.org/drawingml/2006/main" xmlns:r="http://schemas.openxmlformats.org/officeDocument/2006/relationships" xmlns:c16r2="http://schemas.microsoft.com/office/drawing/2015/06/chart">
+  <c:date1904 val="0"/>
+  <c:lang val="en-US"/>
+  <c:roundedCorners val="0"/>
+  <mc:AlternateContent xmlns:mc="http://schemas.openxmlformats.org/markup-compatibility/2006">
+    <mc:Choice xmlns:c14="http://schemas.microsoft.com/office/drawing/2007/8/2/chart" Requires="c14">
+      <c14:style val="102"/>
+    </mc:Choice>
+    <mc:Fallback>
+      <c:style val="2"/>
+    </mc:Fallback>
+  </mc:AlternateContent>
+  <c:chart>
+    <c:autoTitleDeleted val="1"/>
+    <c:plotArea>
+      <c:layout/>
+      <c:lineChart>
+        <c:grouping val="standard"/>
+        <c:varyColors val="0"/>
+        <c:ser>
+          <c:idx val="0"/>
+          <c:order val="0"/>
+          <c:tx>
+            <c:strRef>
+              <c:f>Hypertension!$B$1</c:f>
+              <c:strCache>
+                <c:ptCount val="1"/>
+                <c:pt idx="0">
+                  <c:v>Hypertension</c:v>
+                </c:pt>
+              </c:strCache>
+            </c:strRef>
+          </c:tx>
+          <c:spPr>
+            <a:ln w="44450" cap="rnd">
+              <a:solidFill>
+                <a:schemeClr val="accent1"/>
+              </a:solidFill>
+              <a:round/>
+            </a:ln>
+            <a:effectLst/>
+          </c:spPr>
+          <c:marker>
+            <c:symbol val="circle"/>
+            <c:size val="5"/>
+            <c:spPr>
+              <a:solidFill>
+                <a:schemeClr val="accent1"/>
+              </a:solidFill>
+              <a:ln w="44450">
+                <a:solidFill>
+                  <a:schemeClr val="accent1"/>
+                </a:solidFill>
+              </a:ln>
+              <a:effectLst/>
+            </c:spPr>
+          </c:marker>
+          <c:cat>
+            <c:strRef>
+              <c:f>Hypertension!$A$2:$A$6</c:f>
+              <c:strCache>
+                <c:ptCount val="5"/>
+                <c:pt idx="0">
+                  <c:v>2001–2004</c:v>
+                </c:pt>
+                <c:pt idx="1">
+                  <c:v>2005–2008</c:v>
+                </c:pt>
+                <c:pt idx="2">
+                  <c:v>2009–2012</c:v>
+                </c:pt>
+                <c:pt idx="3">
+                  <c:v>2013–2016</c:v>
+                </c:pt>
+                <c:pt idx="4">
+                  <c:v>2017–2020</c:v>
+                </c:pt>
+              </c:strCache>
+            </c:strRef>
+          </c:cat>
+          <c:val>
+            <c:numRef>
+              <c:f>Hypertension!$B$2:$B$6</c:f>
+              <c:numCache>
+                <c:formatCode>0.0</c:formatCode>
+                <c:ptCount val="5"/>
+                <c:pt idx="0">
+                  <c:v>24.5</c:v>
+                </c:pt>
+                <c:pt idx="1">
+                  <c:v>24.2</c:v>
+                </c:pt>
+                <c:pt idx="2">
+                  <c:v>23.4</c:v>
+                </c:pt>
+                <c:pt idx="3">
+                  <c:v>24.5</c:v>
+                </c:pt>
+                <c:pt idx="4">
+                  <c:v>24.4</c:v>
+                </c:pt>
+              </c:numCache>
+            </c:numRef>
+          </c:val>
+          <c:smooth val="0"/>
+          <c:extLst>
+            <c:ext xmlns:c16="http://schemas.microsoft.com/office/drawing/2014/chart" uri="{C3380CC4-5D6E-409C-BE32-E72D297353CC}">
+              <c16:uniqueId val="{00000000-DBFB-4310-B750-D6858866152E}"/>
+            </c:ext>
+          </c:extLst>
+        </c:ser>
+        <c:ser>
+          <c:idx val="1"/>
+          <c:order val="1"/>
+          <c:tx>
+            <c:strRef>
+              <c:f>Hypertension!$C$1</c:f>
+              <c:strCache>
+                <c:ptCount val="1"/>
+                <c:pt idx="0">
+                  <c:v>No Hypertension</c:v>
+                </c:pt>
+              </c:strCache>
+            </c:strRef>
+          </c:tx>
+          <c:spPr>
+            <a:ln w="44450" cap="rnd">
+              <a:solidFill>
+                <a:schemeClr val="accent2"/>
+              </a:solidFill>
+              <a:round/>
+            </a:ln>
+            <a:effectLst/>
+          </c:spPr>
+          <c:marker>
+            <c:symbol val="circle"/>
+            <c:size val="5"/>
+            <c:spPr>
+              <a:solidFill>
+                <a:schemeClr val="accent2"/>
+              </a:solidFill>
+              <a:ln w="44450">
+                <a:solidFill>
+                  <a:schemeClr val="accent2"/>
+                </a:solidFill>
+              </a:ln>
+              <a:effectLst/>
+            </c:spPr>
+          </c:marker>
+          <c:cat>
+            <c:strRef>
+              <c:f>Hypertension!$A$2:$A$6</c:f>
+              <c:strCache>
+                <c:ptCount val="5"/>
+                <c:pt idx="0">
+                  <c:v>2001–2004</c:v>
+                </c:pt>
+                <c:pt idx="1">
+                  <c:v>2005–2008</c:v>
+                </c:pt>
+                <c:pt idx="2">
+                  <c:v>2009–2012</c:v>
+                </c:pt>
+                <c:pt idx="3">
+                  <c:v>2013–2016</c:v>
+                </c:pt>
+                <c:pt idx="4">
+                  <c:v>2017–2020</c:v>
+                </c:pt>
+              </c:strCache>
+            </c:strRef>
+          </c:cat>
+          <c:val>
+            <c:numRef>
+              <c:f>Hypertension!$C$2:$C$6</c:f>
+              <c:numCache>
+                <c:formatCode>0.0</c:formatCode>
+                <c:ptCount val="5"/>
+                <c:pt idx="0">
+                  <c:v>7.1</c:v>
+                </c:pt>
+                <c:pt idx="1">
+                  <c:v>7.4</c:v>
+                </c:pt>
+                <c:pt idx="2">
+                  <c:v>6.7</c:v>
+                </c:pt>
+                <c:pt idx="3">
+                  <c:v>7.4</c:v>
+                </c:pt>
+                <c:pt idx="4">
+                  <c:v>7.5</c:v>
+                </c:pt>
+              </c:numCache>
+            </c:numRef>
+          </c:val>
+          <c:smooth val="0"/>
+          <c:extLst>
+            <c:ext xmlns:c16="http://schemas.microsoft.com/office/drawing/2014/chart" uri="{C3380CC4-5D6E-409C-BE32-E72D297353CC}">
+              <c16:uniqueId val="{00000001-DBFB-4310-B750-D6858866152E}"/>
+            </c:ext>
+          </c:extLst>
+        </c:ser>
+        <c:ser>
+          <c:idx val="2"/>
+          <c:order val="2"/>
+          <c:tx>
+            <c:strRef>
+              <c:f>Hypertension!$D$1</c:f>
+              <c:strCache>
+                <c:ptCount val="1"/>
+                <c:pt idx="0">
+                  <c:v>Overall</c:v>
+                </c:pt>
+              </c:strCache>
+            </c:strRef>
+          </c:tx>
+          <c:spPr>
+            <a:ln w="44450" cap="rnd">
+              <a:solidFill>
+                <a:schemeClr val="tx1"/>
+              </a:solidFill>
+              <a:prstDash val="sysDash"/>
+              <a:round/>
+            </a:ln>
+            <a:effectLst/>
+          </c:spPr>
+          <c:marker>
+            <c:symbol val="circle"/>
+            <c:size val="5"/>
+            <c:spPr>
+              <a:solidFill>
+                <a:schemeClr val="tx1"/>
+              </a:solidFill>
+              <a:ln w="44450">
+                <a:solidFill>
+                  <a:schemeClr val="tx1"/>
+                </a:solidFill>
+              </a:ln>
+              <a:effectLst/>
+            </c:spPr>
+          </c:marker>
+          <c:val>
+            <c:numRef>
+              <c:f>Hypertension!$D$2:$D$6</c:f>
+              <c:numCache>
+                <c:formatCode>0.0</c:formatCode>
+                <c:ptCount val="5"/>
+                <c:pt idx="0">
+                  <c:v>12.9</c:v>
+                </c:pt>
+                <c:pt idx="1">
+                  <c:v>13.3</c:v>
+                </c:pt>
+                <c:pt idx="2">
+                  <c:v>12.5</c:v>
+                </c:pt>
+                <c:pt idx="3">
+                  <c:v>13.8</c:v>
+                </c:pt>
+                <c:pt idx="4">
+                  <c:v>13.9</c:v>
+                </c:pt>
+              </c:numCache>
+            </c:numRef>
+          </c:val>
+          <c:smooth val="0"/>
+          <c:extLst>
+            <c:ext xmlns:c16="http://schemas.microsoft.com/office/drawing/2014/chart" uri="{C3380CC4-5D6E-409C-BE32-E72D297353CC}">
+              <c16:uniqueId val="{00000002-DBFB-4310-B750-D6858866152E}"/>
+            </c:ext>
+          </c:extLst>
+        </c:ser>
+        <c:dLbls>
+          <c:showLegendKey val="0"/>
+          <c:showVal val="0"/>
+          <c:showCatName val="0"/>
+          <c:showSerName val="0"/>
+          <c:showPercent val="0"/>
+          <c:showBubbleSize val="0"/>
+        </c:dLbls>
+        <c:marker val="1"/>
+        <c:smooth val="0"/>
+        <c:axId val="691937583"/>
+        <c:axId val="691935503"/>
+      </c:lineChart>
+      <c:catAx>
+        <c:axId val="691937583"/>
+        <c:scaling>
+          <c:orientation val="minMax"/>
+        </c:scaling>
+        <c:delete val="0"/>
+        <c:axPos val="b"/>
+        <c:numFmt formatCode="General" sourceLinked="1"/>
+        <c:majorTickMark val="none"/>
+        <c:minorTickMark val="none"/>
+        <c:tickLblPos val="nextTo"/>
+        <c:spPr>
+          <a:noFill/>
+          <a:ln w="9525" cap="flat" cmpd="sng" algn="ctr">
+            <a:solidFill>
+              <a:schemeClr val="tx1">
+                <a:lumMod val="15000"/>
+                <a:lumOff val="85000"/>
+              </a:schemeClr>
+            </a:solidFill>
+            <a:round/>
+          </a:ln>
+          <a:effectLst/>
+        </c:spPr>
+        <c:txPr>
+          <a:bodyPr rot="-60000000" spcFirstLastPara="1" vertOverflow="ellipsis" vert="horz" wrap="square" anchor="ctr" anchorCtr="1"/>
+          <a:lstStyle/>
+          <a:p>
+            <a:pPr>
+              <a:defRPr sz="2400" b="0" i="0" u="none" strike="noStrike" kern="1200" baseline="0">
+                <a:solidFill>
+                  <a:sysClr val="windowText" lastClr="000000"/>
+                </a:solidFill>
+                <a:latin typeface="+mn-lt"/>
+                <a:ea typeface="+mn-ea"/>
+                <a:cs typeface="+mn-cs"/>
+              </a:defRPr>
+            </a:pPr>
+            <a:endParaRPr lang="en-US"/>
+          </a:p>
+        </c:txPr>
+        <c:crossAx val="691935503"/>
+        <c:crosses val="autoZero"/>
+        <c:auto val="1"/>
+        <c:lblAlgn val="ctr"/>
+        <c:lblOffset val="100"/>
+        <c:noMultiLvlLbl val="0"/>
+      </c:catAx>
+      <c:valAx>
+        <c:axId val="691935503"/>
+        <c:scaling>
+          <c:orientation val="minMax"/>
+          <c:max val="25"/>
+        </c:scaling>
+        <c:delete val="0"/>
+        <c:axPos val="l"/>
+        <c:majorGridlines>
+          <c:spPr>
+            <a:ln w="9525" cap="flat" cmpd="sng" algn="ctr">
+              <a:solidFill>
+                <a:schemeClr val="tx1">
+                  <a:lumMod val="15000"/>
+                  <a:lumOff val="85000"/>
+                </a:schemeClr>
+              </a:solidFill>
+              <a:round/>
+            </a:ln>
+            <a:effectLst/>
+          </c:spPr>
+        </c:majorGridlines>
+        <c:title>
+          <c:tx>
+            <c:rich>
+              <a:bodyPr rot="-5400000" spcFirstLastPara="1" vertOverflow="ellipsis" vert="horz" wrap="square" anchor="ctr" anchorCtr="1"/>
+              <a:lstStyle/>
+              <a:p>
+                <a:pPr>
+                  <a:defRPr sz="2400" b="0" i="0" u="none" strike="noStrike" kern="1200" baseline="0">
+                    <a:solidFill>
+                      <a:sysClr val="windowText" lastClr="000000"/>
+                    </a:solidFill>
+                    <a:latin typeface="+mn-lt"/>
+                    <a:ea typeface="+mn-ea"/>
+                    <a:cs typeface="+mn-cs"/>
+                  </a:defRPr>
+                </a:pPr>
+                <a:r>
+                  <a:rPr lang="en-US" sz="2400">
+                    <a:solidFill>
+                      <a:sysClr val="windowText" lastClr="000000"/>
+                    </a:solidFill>
+                  </a:rPr>
+                  <a:t>CKD</a:t>
+                </a:r>
+                <a:r>
+                  <a:rPr lang="en-US" sz="2400" baseline="0">
+                    <a:solidFill>
+                      <a:sysClr val="windowText" lastClr="000000"/>
+                    </a:solidFill>
+                  </a:rPr>
+                  <a:t> (%)</a:t>
+                </a:r>
+                <a:endParaRPr lang="en-US" sz="2400">
+                  <a:solidFill>
+                    <a:sysClr val="windowText" lastClr="000000"/>
+                  </a:solidFill>
+                </a:endParaRPr>
+              </a:p>
+            </c:rich>
+          </c:tx>
+          <c:layout>
+            <c:manualLayout>
+              <c:xMode val="edge"/>
+              <c:yMode val="edge"/>
+              <c:x val="4.2735046330090037E-3"/>
+              <c:y val="0.33935145122888966"/>
+            </c:manualLayout>
+          </c:layout>
+          <c:overlay val="0"/>
+          <c:spPr>
+            <a:noFill/>
+            <a:ln>
+              <a:noFill/>
+            </a:ln>
+            <a:effectLst/>
+          </c:spPr>
+          <c:txPr>
+            <a:bodyPr rot="-5400000" spcFirstLastPara="1" vertOverflow="ellipsis" vert="horz" wrap="square" anchor="ctr" anchorCtr="1"/>
+            <a:lstStyle/>
+            <a:p>
+              <a:pPr>
+                <a:defRPr sz="2400" b="0" i="0" u="none" strike="noStrike" kern="1200" baseline="0">
+                  <a:solidFill>
+                    <a:sysClr val="windowText" lastClr="000000"/>
+                  </a:solidFill>
+                  <a:latin typeface="+mn-lt"/>
+                  <a:ea typeface="+mn-ea"/>
+                  <a:cs typeface="+mn-cs"/>
+                </a:defRPr>
+              </a:pPr>
+              <a:endParaRPr lang="en-US"/>
+            </a:p>
+          </c:txPr>
+        </c:title>
+        <c:numFmt formatCode="0" sourceLinked="0"/>
+        <c:majorTickMark val="none"/>
+        <c:minorTickMark val="none"/>
+        <c:tickLblPos val="nextTo"/>
+        <c:spPr>
+          <a:noFill/>
+          <a:ln>
+            <a:noFill/>
+          </a:ln>
+          <a:effectLst/>
+        </c:spPr>
+        <c:txPr>
+          <a:bodyPr rot="-60000000" spcFirstLastPara="1" vertOverflow="ellipsis" vert="horz" wrap="square" anchor="ctr" anchorCtr="1"/>
+          <a:lstStyle/>
+          <a:p>
+            <a:pPr>
+              <a:defRPr sz="2400" b="0" i="0" u="none" strike="noStrike" kern="1200" baseline="0">
+                <a:solidFill>
+                  <a:sysClr val="windowText" lastClr="000000"/>
+                </a:solidFill>
+                <a:latin typeface="+mn-lt"/>
+                <a:ea typeface="+mn-ea"/>
+                <a:cs typeface="+mn-cs"/>
+              </a:defRPr>
+            </a:pPr>
+            <a:endParaRPr lang="en-US"/>
+          </a:p>
+        </c:txPr>
+        <c:crossAx val="691937583"/>
+        <c:crosses val="autoZero"/>
+        <c:crossBetween val="between"/>
+      </c:valAx>
+      <c:spPr>
+        <a:noFill/>
+        <a:ln>
+          <a:noFill/>
+        </a:ln>
+        <a:effectLst/>
+      </c:spPr>
+    </c:plotArea>
+    <c:legend>
+      <c:legendPos val="b"/>
+      <c:overlay val="0"/>
+      <c:spPr>
+        <a:noFill/>
+        <a:ln>
+          <a:noFill/>
+        </a:ln>
+        <a:effectLst/>
+      </c:spPr>
+      <c:txPr>
+        <a:bodyPr rot="0" spcFirstLastPara="1" vertOverflow="ellipsis" vert="horz" wrap="square" anchor="ctr" anchorCtr="1"/>
+        <a:lstStyle/>
+        <a:p>
+          <a:pPr>
+            <a:defRPr sz="2200" b="0" i="0" u="none" strike="noStrike" kern="1200" baseline="0">
+              <a:solidFill>
+                <a:sysClr val="windowText" lastClr="000000"/>
+              </a:solidFill>
+              <a:latin typeface="+mn-lt"/>
+              <a:ea typeface="+mn-ea"/>
+              <a:cs typeface="+mn-cs"/>
+            </a:defRPr>
+          </a:pPr>
+          <a:endParaRPr lang="en-US"/>
+        </a:p>
+      </c:txPr>
+    </c:legend>
+    <c:plotVisOnly val="1"/>
+    <c:dispBlanksAs val="gap"/>
+    <c:extLst>
+      <c:ext xmlns:c16r3="http://schemas.microsoft.com/office/drawing/2017/03/chart" uri="{56B9EC1D-385E-4148-901F-78D8002777C0}">
+        <c16r3:dataDisplayOptions16>
+          <c16r3:dispNaAsBlank val="1"/>
+        </c16r3:dataDisplayOptions16>
+      </c:ext>
+    </c:extLst>
+    <c:showDLblsOverMax val="0"/>
+  </c:chart>
+  <c:spPr>
+    <a:solidFill>
+      <a:schemeClr val="bg1"/>
+    </a:solidFill>
+    <a:ln w="9525" cap="flat" cmpd="sng" algn="ctr">
+      <a:noFill/>
+      <a:round/>
+    </a:ln>
+    <a:effectLst/>
+  </c:spPr>
+  <c:txPr>
+    <a:bodyPr/>
+    <a:lstStyle/>
+    <a:p>
+      <a:pPr>
+        <a:defRPr/>
+      </a:pPr>
+      <a:endParaRPr lang="en-US"/>
+    </a:p>
+  </c:txPr>
+  <c:externalData r:id="rId3">
+    <c:autoUpdate val="0"/>
+  </c:externalData>
+</c:chartSpace>
+</file>
+
+<file path=ppt/charts/chart11.xml><?xml version="1.0" encoding="utf-8"?>
+<c:chartSpace xmlns:c="http://schemas.openxmlformats.org/drawingml/2006/chart" xmlns:a="http://schemas.openxmlformats.org/drawingml/2006/main" xmlns:r="http://schemas.openxmlformats.org/officeDocument/2006/relationships" xmlns:c16r2="http://schemas.microsoft.com/office/drawing/2015/06/chart">
+  <c:date1904 val="0"/>
+  <c:lang val="en-US"/>
+  <c:roundedCorners val="0"/>
+  <mc:AlternateContent xmlns:mc="http://schemas.openxmlformats.org/markup-compatibility/2006">
+    <mc:Choice xmlns:c14="http://schemas.microsoft.com/office/drawing/2007/8/2/chart" Requires="c14">
+      <c14:style val="102"/>
+    </mc:Choice>
+    <mc:Fallback>
+      <c:style val="2"/>
+    </mc:Fallback>
+  </mc:AlternateContent>
+  <c:chart>
+    <c:autoTitleDeleted val="1"/>
+    <c:plotArea>
+      <c:layout/>
+      <c:lineChart>
+        <c:grouping val="standard"/>
+        <c:varyColors val="0"/>
+        <c:ser>
+          <c:idx val="0"/>
+          <c:order val="0"/>
+          <c:tx>
+            <c:strRef>
+              <c:f>Hypertension!$B$26</c:f>
+              <c:strCache>
+                <c:ptCount val="1"/>
+                <c:pt idx="0">
+                  <c:v>Hypertension</c:v>
+                </c:pt>
+              </c:strCache>
+            </c:strRef>
+          </c:tx>
+          <c:spPr>
+            <a:ln w="44450" cap="rnd">
+              <a:solidFill>
+                <a:schemeClr val="accent1"/>
+              </a:solidFill>
+              <a:round/>
+            </a:ln>
+            <a:effectLst/>
+          </c:spPr>
+          <c:marker>
+            <c:symbol val="circle"/>
+            <c:size val="5"/>
+            <c:spPr>
+              <a:solidFill>
+                <a:schemeClr val="accent1"/>
+              </a:solidFill>
+              <a:ln w="44450">
+                <a:solidFill>
+                  <a:schemeClr val="accent1"/>
+                </a:solidFill>
+              </a:ln>
+              <a:effectLst/>
+            </c:spPr>
+          </c:marker>
+          <c:cat>
+            <c:strRef>
+              <c:f>Hypertension!$A$27:$A$31</c:f>
+              <c:strCache>
+                <c:ptCount val="5"/>
+                <c:pt idx="0">
+                  <c:v>2001–2004</c:v>
+                </c:pt>
+                <c:pt idx="1">
+                  <c:v>2005–2008</c:v>
+                </c:pt>
+                <c:pt idx="2">
+                  <c:v>2009–2012</c:v>
+                </c:pt>
+                <c:pt idx="3">
+                  <c:v>2013–2016</c:v>
+                </c:pt>
+                <c:pt idx="4">
+                  <c:v>2017–2020</c:v>
+                </c:pt>
+              </c:strCache>
+            </c:strRef>
+          </c:cat>
+          <c:val>
+            <c:numRef>
+              <c:f>Hypertension!$B$27:$B$31</c:f>
+              <c:numCache>
+                <c:formatCode>0.0</c:formatCode>
+                <c:ptCount val="5"/>
+                <c:pt idx="0">
+                  <c:v>18.600000000000001</c:v>
+                </c:pt>
+                <c:pt idx="1">
+                  <c:v>19.399999999999999</c:v>
+                </c:pt>
+                <c:pt idx="2">
+                  <c:v>17.100000000000001</c:v>
+                </c:pt>
+                <c:pt idx="3">
+                  <c:v>18.899999999999999</c:v>
+                </c:pt>
+                <c:pt idx="4">
+                  <c:v>17.8</c:v>
+                </c:pt>
+              </c:numCache>
+            </c:numRef>
+          </c:val>
+          <c:smooth val="0"/>
+          <c:extLst>
+            <c:ext xmlns:c16="http://schemas.microsoft.com/office/drawing/2014/chart" uri="{C3380CC4-5D6E-409C-BE32-E72D297353CC}">
+              <c16:uniqueId val="{00000000-7EFB-48D3-8DD1-CB0B7CEC1012}"/>
+            </c:ext>
+          </c:extLst>
+        </c:ser>
+        <c:ser>
+          <c:idx val="1"/>
+          <c:order val="1"/>
+          <c:tx>
+            <c:strRef>
+              <c:f>Hypertension!$C$26</c:f>
+              <c:strCache>
+                <c:ptCount val="1"/>
+                <c:pt idx="0">
+                  <c:v>No Hypertension</c:v>
+                </c:pt>
+              </c:strCache>
+            </c:strRef>
+          </c:tx>
+          <c:spPr>
+            <a:ln w="44450" cap="rnd">
+              <a:solidFill>
+                <a:schemeClr val="accent2"/>
+              </a:solidFill>
+              <a:round/>
+            </a:ln>
+            <a:effectLst/>
+          </c:spPr>
+          <c:marker>
+            <c:symbol val="circle"/>
+            <c:size val="5"/>
+            <c:spPr>
+              <a:solidFill>
+                <a:schemeClr val="accent2"/>
+              </a:solidFill>
+              <a:ln w="44450">
+                <a:solidFill>
+                  <a:schemeClr val="accent2"/>
+                </a:solidFill>
+              </a:ln>
+              <a:effectLst/>
+            </c:spPr>
+          </c:marker>
+          <c:cat>
+            <c:strRef>
+              <c:f>Hypertension!$A$27:$A$31</c:f>
+              <c:strCache>
+                <c:ptCount val="5"/>
+                <c:pt idx="0">
+                  <c:v>2001–2004</c:v>
+                </c:pt>
+                <c:pt idx="1">
+                  <c:v>2005–2008</c:v>
+                </c:pt>
+                <c:pt idx="2">
+                  <c:v>2009–2012</c:v>
+                </c:pt>
+                <c:pt idx="3">
+                  <c:v>2013–2016</c:v>
+                </c:pt>
+                <c:pt idx="4">
+                  <c:v>2017–2020</c:v>
+                </c:pt>
+              </c:strCache>
+            </c:strRef>
+          </c:cat>
+          <c:val>
+            <c:numRef>
+              <c:f>Hypertension!$C$27:$C$31</c:f>
+              <c:numCache>
+                <c:formatCode>0.0</c:formatCode>
+                <c:ptCount val="5"/>
+                <c:pt idx="0">
+                  <c:v>10</c:v>
+                </c:pt>
+                <c:pt idx="1">
+                  <c:v>9.6999999999999993</c:v>
+                </c:pt>
+                <c:pt idx="2">
+                  <c:v>8.8000000000000007</c:v>
+                </c:pt>
+                <c:pt idx="3">
+                  <c:v>9</c:v>
+                </c:pt>
+                <c:pt idx="4">
+                  <c:v>8.6999999999999993</c:v>
+                </c:pt>
+              </c:numCache>
+            </c:numRef>
+          </c:val>
+          <c:smooth val="0"/>
+          <c:extLst>
+            <c:ext xmlns:c16="http://schemas.microsoft.com/office/drawing/2014/chart" uri="{C3380CC4-5D6E-409C-BE32-E72D297353CC}">
+              <c16:uniqueId val="{00000001-7EFB-48D3-8DD1-CB0B7CEC1012}"/>
+            </c:ext>
+          </c:extLst>
+        </c:ser>
+        <c:ser>
+          <c:idx val="2"/>
+          <c:order val="2"/>
+          <c:tx>
+            <c:strRef>
+              <c:f>Hypertension!$D$26</c:f>
+              <c:strCache>
+                <c:ptCount val="1"/>
+                <c:pt idx="0">
+                  <c:v>Overall</c:v>
+                </c:pt>
+              </c:strCache>
+            </c:strRef>
+          </c:tx>
+          <c:spPr>
+            <a:ln w="44450" cap="rnd">
+              <a:solidFill>
+                <a:schemeClr val="tx1"/>
+              </a:solidFill>
+              <a:prstDash val="sysDash"/>
+              <a:round/>
+            </a:ln>
+            <a:effectLst/>
+          </c:spPr>
+          <c:marker>
+            <c:symbol val="circle"/>
+            <c:size val="5"/>
+            <c:spPr>
+              <a:solidFill>
+                <a:schemeClr val="tx1"/>
+              </a:solidFill>
+              <a:ln w="44450">
+                <a:solidFill>
+                  <a:schemeClr val="tx1"/>
+                </a:solidFill>
+              </a:ln>
+              <a:effectLst/>
+            </c:spPr>
+          </c:marker>
+          <c:val>
+            <c:numRef>
+              <c:f>Hypertension!$D$27:$D$31</c:f>
+              <c:numCache>
+                <c:formatCode>0.0</c:formatCode>
+                <c:ptCount val="5"/>
+                <c:pt idx="0">
+                  <c:v>13.9</c:v>
+                </c:pt>
+                <c:pt idx="1">
+                  <c:v>13.7</c:v>
+                </c:pt>
+                <c:pt idx="2">
+                  <c:v>12.7</c:v>
+                </c:pt>
+                <c:pt idx="3">
+                  <c:v>13.7</c:v>
+                </c:pt>
+                <c:pt idx="4">
+                  <c:v>13.3</c:v>
+                </c:pt>
+              </c:numCache>
+            </c:numRef>
+          </c:val>
+          <c:smooth val="0"/>
+          <c:extLst>
+            <c:ext xmlns:c16="http://schemas.microsoft.com/office/drawing/2014/chart" uri="{C3380CC4-5D6E-409C-BE32-E72D297353CC}">
+              <c16:uniqueId val="{00000002-7EFB-48D3-8DD1-CB0B7CEC1012}"/>
+            </c:ext>
+          </c:extLst>
+        </c:ser>
+        <c:dLbls>
+          <c:showLegendKey val="0"/>
+          <c:showVal val="0"/>
+          <c:showCatName val="0"/>
+          <c:showSerName val="0"/>
+          <c:showPercent val="0"/>
+          <c:showBubbleSize val="0"/>
+        </c:dLbls>
+        <c:marker val="1"/>
+        <c:smooth val="0"/>
+        <c:axId val="1062529280"/>
+        <c:axId val="1062538016"/>
+      </c:lineChart>
+      <c:catAx>
+        <c:axId val="1062529280"/>
+        <c:scaling>
+          <c:orientation val="minMax"/>
+        </c:scaling>
+        <c:delete val="0"/>
+        <c:axPos val="b"/>
+        <c:numFmt formatCode="General" sourceLinked="1"/>
+        <c:majorTickMark val="none"/>
+        <c:minorTickMark val="none"/>
+        <c:tickLblPos val="nextTo"/>
+        <c:spPr>
+          <a:noFill/>
+          <a:ln w="9525" cap="flat" cmpd="sng" algn="ctr">
+            <a:solidFill>
+              <a:schemeClr val="tx1">
+                <a:lumMod val="15000"/>
+                <a:lumOff val="85000"/>
+              </a:schemeClr>
+            </a:solidFill>
+            <a:round/>
+          </a:ln>
+          <a:effectLst/>
+        </c:spPr>
+        <c:txPr>
+          <a:bodyPr rot="-60000000" spcFirstLastPara="1" vertOverflow="ellipsis" vert="horz" wrap="square" anchor="ctr" anchorCtr="1"/>
+          <a:lstStyle/>
+          <a:p>
+            <a:pPr>
+              <a:defRPr sz="2400" b="0" i="0" u="none" strike="noStrike" kern="1200" baseline="0">
+                <a:solidFill>
+                  <a:sysClr val="windowText" lastClr="000000"/>
+                </a:solidFill>
+                <a:latin typeface="+mn-lt"/>
+                <a:ea typeface="+mn-ea"/>
+                <a:cs typeface="+mn-cs"/>
+              </a:defRPr>
+            </a:pPr>
+            <a:endParaRPr lang="en-US"/>
+          </a:p>
+        </c:txPr>
+        <c:crossAx val="1062538016"/>
+        <c:crosses val="autoZero"/>
+        <c:auto val="1"/>
+        <c:lblAlgn val="ctr"/>
+        <c:lblOffset val="100"/>
+        <c:noMultiLvlLbl val="0"/>
+      </c:catAx>
+      <c:valAx>
+        <c:axId val="1062538016"/>
+        <c:scaling>
+          <c:orientation val="minMax"/>
+        </c:scaling>
+        <c:delete val="0"/>
+        <c:axPos val="l"/>
+        <c:majorGridlines>
+          <c:spPr>
+            <a:ln w="9525" cap="flat" cmpd="sng" algn="ctr">
+              <a:solidFill>
+                <a:schemeClr val="tx1">
+                  <a:lumMod val="15000"/>
+                  <a:lumOff val="85000"/>
+                </a:schemeClr>
+              </a:solidFill>
+              <a:round/>
+            </a:ln>
+            <a:effectLst/>
+          </c:spPr>
+        </c:majorGridlines>
+        <c:title>
+          <c:tx>
+            <c:rich>
+              <a:bodyPr rot="-5400000" spcFirstLastPara="1" vertOverflow="ellipsis" vert="horz" wrap="square" anchor="ctr" anchorCtr="1"/>
+              <a:lstStyle/>
+              <a:p>
+                <a:pPr>
+                  <a:defRPr sz="2400" b="0" i="0" u="none" strike="noStrike" kern="1200" baseline="0">
+                    <a:solidFill>
+                      <a:sysClr val="windowText" lastClr="000000"/>
+                    </a:solidFill>
+                    <a:latin typeface="+mn-lt"/>
+                    <a:ea typeface="+mn-ea"/>
+                    <a:cs typeface="+mn-cs"/>
+                  </a:defRPr>
+                </a:pPr>
+                <a:r>
+                  <a:rPr lang="en-US" sz="2400">
+                    <a:solidFill>
+                      <a:sysClr val="windowText" lastClr="000000"/>
+                    </a:solidFill>
+                  </a:rPr>
+                  <a:t>CKD</a:t>
+                </a:r>
+                <a:r>
+                  <a:rPr lang="en-US" sz="2400" baseline="0">
+                    <a:solidFill>
+                      <a:sysClr val="windowText" lastClr="000000"/>
+                    </a:solidFill>
+                  </a:rPr>
+                  <a:t> (%)</a:t>
+                </a:r>
+                <a:endParaRPr lang="en-US" sz="2400">
+                  <a:solidFill>
+                    <a:sysClr val="windowText" lastClr="000000"/>
+                  </a:solidFill>
+                </a:endParaRPr>
+              </a:p>
+            </c:rich>
+          </c:tx>
+          <c:layout>
+            <c:manualLayout>
+              <c:xMode val="edge"/>
+              <c:yMode val="edge"/>
+              <c:x val="0"/>
+              <c:y val="0.34117830096796414"/>
+            </c:manualLayout>
+          </c:layout>
+          <c:overlay val="0"/>
+          <c:spPr>
+            <a:noFill/>
+            <a:ln>
+              <a:noFill/>
+            </a:ln>
+            <a:effectLst/>
+          </c:spPr>
+          <c:txPr>
+            <a:bodyPr rot="-5400000" spcFirstLastPara="1" vertOverflow="ellipsis" vert="horz" wrap="square" anchor="ctr" anchorCtr="1"/>
+            <a:lstStyle/>
+            <a:p>
+              <a:pPr>
+                <a:defRPr sz="2400" b="0" i="0" u="none" strike="noStrike" kern="1200" baseline="0">
+                  <a:solidFill>
+                    <a:sysClr val="windowText" lastClr="000000"/>
+                  </a:solidFill>
+                  <a:latin typeface="+mn-lt"/>
+                  <a:ea typeface="+mn-ea"/>
+                  <a:cs typeface="+mn-cs"/>
+                </a:defRPr>
+              </a:pPr>
+              <a:endParaRPr lang="en-US"/>
+            </a:p>
+          </c:txPr>
+        </c:title>
+        <c:numFmt formatCode="0" sourceLinked="0"/>
+        <c:majorTickMark val="none"/>
+        <c:minorTickMark val="none"/>
+        <c:tickLblPos val="nextTo"/>
+        <c:spPr>
+          <a:noFill/>
+          <a:ln>
+            <a:noFill/>
+          </a:ln>
+          <a:effectLst/>
+        </c:spPr>
+        <c:txPr>
+          <a:bodyPr rot="-60000000" spcFirstLastPara="1" vertOverflow="ellipsis" vert="horz" wrap="square" anchor="ctr" anchorCtr="1"/>
+          <a:lstStyle/>
+          <a:p>
+            <a:pPr>
+              <a:defRPr sz="2400" b="0" i="0" u="none" strike="noStrike" kern="1200" baseline="0">
+                <a:solidFill>
+                  <a:sysClr val="windowText" lastClr="000000"/>
+                </a:solidFill>
+                <a:latin typeface="+mn-lt"/>
+                <a:ea typeface="+mn-ea"/>
+                <a:cs typeface="+mn-cs"/>
+              </a:defRPr>
+            </a:pPr>
+            <a:endParaRPr lang="en-US"/>
+          </a:p>
+        </c:txPr>
+        <c:crossAx val="1062529280"/>
+        <c:crosses val="autoZero"/>
+        <c:crossBetween val="between"/>
+      </c:valAx>
+      <c:spPr>
+        <a:noFill/>
+        <a:ln>
+          <a:noFill/>
+        </a:ln>
+        <a:effectLst/>
+      </c:spPr>
+    </c:plotArea>
+    <c:legend>
+      <c:legendPos val="b"/>
+      <c:overlay val="0"/>
+      <c:spPr>
+        <a:noFill/>
+        <a:ln>
+          <a:noFill/>
+        </a:ln>
+        <a:effectLst/>
+      </c:spPr>
+      <c:txPr>
+        <a:bodyPr rot="0" spcFirstLastPara="1" vertOverflow="ellipsis" vert="horz" wrap="square" anchor="ctr" anchorCtr="1"/>
+        <a:lstStyle/>
+        <a:p>
+          <a:pPr>
+            <a:defRPr sz="2200" b="0" i="0" u="none" strike="noStrike" kern="1200" baseline="0">
+              <a:solidFill>
+                <a:sysClr val="windowText" lastClr="000000"/>
+              </a:solidFill>
+              <a:latin typeface="+mn-lt"/>
+              <a:ea typeface="+mn-ea"/>
+              <a:cs typeface="+mn-cs"/>
+            </a:defRPr>
+          </a:pPr>
+          <a:endParaRPr lang="en-US"/>
+        </a:p>
+      </c:txPr>
+    </c:legend>
+    <c:plotVisOnly val="1"/>
+    <c:dispBlanksAs val="gap"/>
+    <c:extLst>
+      <c:ext xmlns:c16r3="http://schemas.microsoft.com/office/drawing/2017/03/chart" uri="{56B9EC1D-385E-4148-901F-78D8002777C0}">
+        <c16r3:dataDisplayOptions16>
+          <c16r3:dispNaAsBlank val="1"/>
+        </c16r3:dataDisplayOptions16>
+      </c:ext>
+    </c:extLst>
+    <c:showDLblsOverMax val="0"/>
+  </c:chart>
+  <c:spPr>
+    <a:solidFill>
+      <a:schemeClr val="bg1"/>
+    </a:solidFill>
+    <a:ln w="9525" cap="flat" cmpd="sng" algn="ctr">
+      <a:noFill/>
+      <a:round/>
     </a:ln>
     <a:effectLst/>
   </c:spPr>
@@ -500,11 +1577,11 @@
           <c:order val="0"/>
           <c:tx>
             <c:strRef>
-              <c:f>'Overall (AS and crude)'!$B$1</c:f>
+              <c:f>Overall!$B$10</c:f>
               <c:strCache>
                 <c:ptCount val="1"/>
                 <c:pt idx="0">
-                  <c:v>Crude Overall</c:v>
+                  <c:v>Overall</c:v>
                 </c:pt>
               </c:strCache>
             </c:strRef>
@@ -512,100 +1589,7 @@
           <c:spPr>
             <a:ln w="44450" cap="rnd">
               <a:solidFill>
-                <a:schemeClr val="tx1"/>
-              </a:solidFill>
-              <a:prstDash val="sysDash"/>
-              <a:round/>
-            </a:ln>
-            <a:effectLst/>
-          </c:spPr>
-          <c:marker>
-            <c:symbol val="circle"/>
-            <c:size val="5"/>
-            <c:spPr>
-              <a:solidFill>
-                <a:schemeClr val="tx1"/>
-              </a:solidFill>
-              <a:ln w="44450">
-                <a:solidFill>
-                  <a:schemeClr val="tx1"/>
-                </a:solidFill>
-              </a:ln>
-              <a:effectLst/>
-            </c:spPr>
-          </c:marker>
-          <c:cat>
-            <c:strRef>
-              <c:f>'Overall (AS and crude)'!$A$2:$A$6</c:f>
-              <c:strCache>
-                <c:ptCount val="5"/>
-                <c:pt idx="0">
-                  <c:v>2001–2004</c:v>
-                </c:pt>
-                <c:pt idx="1">
-                  <c:v>2005–2008</c:v>
-                </c:pt>
-                <c:pt idx="2">
-                  <c:v>2009–2012</c:v>
-                </c:pt>
-                <c:pt idx="3">
-                  <c:v>2013–2016</c:v>
-                </c:pt>
-                <c:pt idx="4">
-                  <c:v>2017–2020</c:v>
-                </c:pt>
-              </c:strCache>
-            </c:strRef>
-          </c:cat>
-          <c:val>
-            <c:numRef>
-              <c:f>'Overall (AS and crude)'!$B$2:$B$6</c:f>
-              <c:numCache>
-                <c:formatCode>General</c:formatCode>
-                <c:ptCount val="5"/>
-                <c:pt idx="0">
-                  <c:v>12.9</c:v>
-                </c:pt>
-                <c:pt idx="1">
-                  <c:v>13.3</c:v>
-                </c:pt>
-                <c:pt idx="2">
-                  <c:v>12.5</c:v>
-                </c:pt>
-                <c:pt idx="3">
-                  <c:v>13.8</c:v>
-                </c:pt>
-                <c:pt idx="4">
-                  <c:v>13.9</c:v>
-                </c:pt>
-              </c:numCache>
-            </c:numRef>
-          </c:val>
-          <c:smooth val="0"/>
-          <c:extLst>
-            <c:ext xmlns:c16="http://schemas.microsoft.com/office/drawing/2014/chart" uri="{C3380CC4-5D6E-409C-BE32-E72D297353CC}">
-              <c16:uniqueId val="{00000000-04AD-40F0-8836-94A73AD00B24}"/>
-            </c:ext>
-          </c:extLst>
-        </c:ser>
-        <c:ser>
-          <c:idx val="1"/>
-          <c:order val="1"/>
-          <c:tx>
-            <c:strRef>
-              <c:f>'Overall (AS and crude)'!$C$1</c:f>
-              <c:strCache>
-                <c:ptCount val="1"/>
-                <c:pt idx="0">
-                  <c:v>Age-Standardized Overall</c:v>
-                </c:pt>
-              </c:strCache>
-            </c:strRef>
-          </c:tx>
-          <c:spPr>
-            <a:ln w="44450" cap="rnd">
-              <a:solidFill>
-                <a:srgbClr val="009999"/>
+                <a:srgbClr val="800080"/>
               </a:solidFill>
               <a:round/>
             </a:ln>
@@ -616,11 +1600,11 @@
             <c:size val="5"/>
             <c:spPr>
               <a:solidFill>
-                <a:srgbClr val="009999"/>
+                <a:srgbClr val="800080"/>
               </a:solidFill>
               <a:ln w="44450">
                 <a:solidFill>
-                  <a:srgbClr val="009999"/>
+                  <a:srgbClr val="800080"/>
                 </a:solidFill>
               </a:ln>
               <a:effectLst/>
@@ -628,7 +1612,7 @@
           </c:marker>
           <c:cat>
             <c:strRef>
-              <c:f>'Overall (AS and crude)'!$A$2:$A$6</c:f>
+              <c:f>Overall!$A$11:$A$15</c:f>
               <c:strCache>
                 <c:ptCount val="5"/>
                 <c:pt idx="0">
@@ -651,7 +1635,7 @@
           </c:cat>
           <c:val>
             <c:numRef>
-              <c:f>'Overall (AS and crude)'!$C$2:$C$6</c:f>
+              <c:f>Overall!$B$11:$B$15</c:f>
               <c:numCache>
                 <c:formatCode>0.0</c:formatCode>
                 <c:ptCount val="5"/>
@@ -668,7 +1652,7 @@
                   <c:v>13.7</c:v>
                 </c:pt>
                 <c:pt idx="4">
-                  <c:v>13.4</c:v>
+                  <c:v>13.3</c:v>
                 </c:pt>
               </c:numCache>
             </c:numRef>
@@ -676,7 +1660,7 @@
           <c:smooth val="0"/>
           <c:extLst>
             <c:ext xmlns:c16="http://schemas.microsoft.com/office/drawing/2014/chart" uri="{C3380CC4-5D6E-409C-BE32-E72D297353CC}">
-              <c16:uniqueId val="{00000001-04AD-40F0-8836-94A73AD00B24}"/>
+              <c16:uniqueId val="{00000000-0F8D-4BBC-926D-B69A242F263F}"/>
             </c:ext>
           </c:extLst>
         </c:ser>
@@ -690,11 +1674,11 @@
         </c:dLbls>
         <c:marker val="1"/>
         <c:smooth val="0"/>
-        <c:axId val="1783854719"/>
-        <c:axId val="1783855967"/>
+        <c:axId val="1612017568"/>
+        <c:axId val="1612017984"/>
       </c:lineChart>
       <c:catAx>
-        <c:axId val="1783854719"/>
+        <c:axId val="1612017568"/>
         <c:scaling>
           <c:orientation val="minMax"/>
         </c:scaling>
@@ -724,7 +1708,7 @@
             <a:pPr>
               <a:defRPr sz="2400" b="0" i="0" u="none" strike="noStrike" kern="1200" baseline="0">
                 <a:solidFill>
-                  <a:schemeClr val="tx1"/>
+                  <a:sysClr val="windowText" lastClr="000000"/>
                 </a:solidFill>
                 <a:latin typeface="+mn-lt"/>
                 <a:ea typeface="+mn-ea"/>
@@ -734,7 +1718,7 @@
             <a:endParaRPr lang="en-US"/>
           </a:p>
         </c:txPr>
-        <c:crossAx val="1783855967"/>
+        <c:crossAx val="1612017984"/>
         <c:crosses val="autoZero"/>
         <c:auto val="1"/>
         <c:lblAlgn val="ctr"/>
@@ -742,7 +1726,7 @@
         <c:noMultiLvlLbl val="0"/>
       </c:catAx>
       <c:valAx>
-        <c:axId val="1783855967"/>
+        <c:axId val="1612017984"/>
         <c:scaling>
           <c:orientation val="minMax"/>
           <c:min val="0"/>
@@ -770,9 +1754,9 @@
               <a:lstStyle/>
               <a:p>
                 <a:pPr>
-                  <a:defRPr sz="2800" b="0" i="0" u="none" strike="noStrike" kern="1200" baseline="0">
+                  <a:defRPr sz="2400" b="0" i="0" u="none" strike="noStrike" kern="1200" baseline="0">
                     <a:solidFill>
-                      <a:schemeClr val="tx1"/>
+                      <a:sysClr val="windowText" lastClr="000000"/>
                     </a:solidFill>
                     <a:latin typeface="+mn-lt"/>
                     <a:ea typeface="+mn-ea"/>
@@ -780,26 +1764,13 @@
                   </a:defRPr>
                 </a:pPr>
                 <a:r>
-                  <a:rPr lang="en-US" sz="2800" dirty="0">
+                  <a:rPr lang="en-US" sz="2400">
                     <a:solidFill>
-                      <a:schemeClr val="tx1"/>
+                      <a:sysClr val="windowText" lastClr="000000"/>
                     </a:solidFill>
                   </a:rPr>
-                  <a:t>CKD</a:t>
+                  <a:t>CKD (%)</a:t>
                 </a:r>
-                <a:r>
-                  <a:rPr lang="en-US" sz="2800" baseline="0" dirty="0">
-                    <a:solidFill>
-                      <a:schemeClr val="tx1"/>
-                    </a:solidFill>
-                  </a:rPr>
-                  <a:t> (%)</a:t>
-                </a:r>
-                <a:endParaRPr lang="en-US" sz="2800" dirty="0">
-                  <a:solidFill>
-                    <a:schemeClr val="tx1"/>
-                  </a:solidFill>
-                </a:endParaRPr>
               </a:p>
             </c:rich>
           </c:tx>
@@ -807,8 +1778,8 @@
             <c:manualLayout>
               <c:xMode val="edge"/>
               <c:yMode val="edge"/>
-              <c:x val="1.084087457005689E-3"/>
-              <c:y val="0.27555577262108494"/>
+              <c:x val="3.1944448520179712E-3"/>
+              <c:y val="0.3417064122946476"/>
             </c:manualLayout>
           </c:layout>
           <c:overlay val="0"/>
@@ -824,9 +1795,9 @@
             <a:lstStyle/>
             <a:p>
               <a:pPr>
-                <a:defRPr sz="2800" b="0" i="0" u="none" strike="noStrike" kern="1200" baseline="0">
+                <a:defRPr sz="2400" b="0" i="0" u="none" strike="noStrike" kern="1200" baseline="0">
                   <a:solidFill>
-                    <a:schemeClr val="tx1"/>
+                    <a:sysClr val="windowText" lastClr="000000"/>
                   </a:solidFill>
                   <a:latin typeface="+mn-lt"/>
                   <a:ea typeface="+mn-ea"/>
@@ -837,7 +1808,7 @@
             </a:p>
           </c:txPr>
         </c:title>
-        <c:numFmt formatCode="General" sourceLinked="1"/>
+        <c:numFmt formatCode="0" sourceLinked="0"/>
         <c:majorTickMark val="none"/>
         <c:minorTickMark val="none"/>
         <c:tickLblPos val="nextTo"/>
@@ -855,7 +1826,7 @@
             <a:pPr>
               <a:defRPr sz="2400" b="0" i="0" u="none" strike="noStrike" kern="1200" baseline="0">
                 <a:solidFill>
-                  <a:schemeClr val="tx1"/>
+                  <a:sysClr val="windowText" lastClr="000000"/>
                 </a:solidFill>
                 <a:latin typeface="+mn-lt"/>
                 <a:ea typeface="+mn-ea"/>
@@ -865,7 +1836,7 @@
             <a:endParaRPr lang="en-US"/>
           </a:p>
         </c:txPr>
-        <c:crossAx val="1783854719"/>
+        <c:crossAx val="1612017568"/>
         <c:crosses val="autoZero"/>
         <c:crossBetween val="between"/>
       </c:valAx>
@@ -877,44 +1848,6 @@
         <a:effectLst/>
       </c:spPr>
     </c:plotArea>
-    <c:legend>
-      <c:legendPos val="b"/>
-      <c:layout>
-        <c:manualLayout>
-          <c:xMode val="edge"/>
-          <c:yMode val="edge"/>
-          <c:x val="0.21150443852720488"/>
-          <c:y val="0.89342909652497693"/>
-          <c:w val="0.5769910375843732"/>
-          <c:h val="9.5641128142149048E-2"/>
-        </c:manualLayout>
-      </c:layout>
-      <c:overlay val="0"/>
-      <c:spPr>
-        <a:noFill/>
-        <a:ln>
-          <a:noFill/>
-        </a:ln>
-        <a:effectLst/>
-      </c:spPr>
-      <c:txPr>
-        <a:bodyPr rot="0" spcFirstLastPara="1" vertOverflow="ellipsis" vert="horz" wrap="square" anchor="ctr" anchorCtr="1"/>
-        <a:lstStyle/>
-        <a:p>
-          <a:pPr>
-            <a:defRPr sz="2400" b="0" i="0" u="none" strike="noStrike" kern="1200" baseline="0">
-              <a:solidFill>
-                <a:schemeClr val="tx1"/>
-              </a:solidFill>
-              <a:latin typeface="+mn-lt"/>
-              <a:ea typeface="+mn-ea"/>
-              <a:cs typeface="+mn-cs"/>
-            </a:defRPr>
-          </a:pPr>
-          <a:endParaRPr lang="en-US"/>
-        </a:p>
-      </c:txPr>
-    </c:legend>
     <c:plotVisOnly val="1"/>
     <c:dispBlanksAs val="gap"/>
     <c:extLst>
@@ -927,9 +1860,12 @@
     <c:showDLblsOverMax val="0"/>
   </c:chart>
   <c:spPr>
-    <a:noFill/>
-    <a:ln>
+    <a:solidFill>
+      <a:schemeClr val="bg1"/>
+    </a:solidFill>
+    <a:ln w="9525" cap="flat" cmpd="sng" algn="ctr">
       <a:noFill/>
+      <a:round/>
     </a:ln>
     <a:effectLst/>
   </c:spPr>
@@ -986,7 +1922,7 @@
           <c:spPr>
             <a:ln w="44450" cap="rnd">
               <a:solidFill>
-                <a:srgbClr val="7030A0"/>
+                <a:schemeClr val="accent1"/>
               </a:solidFill>
               <a:round/>
             </a:ln>
@@ -997,11 +1933,11 @@
             <c:size val="5"/>
             <c:spPr>
               <a:solidFill>
-                <a:srgbClr val="7030A0"/>
+                <a:schemeClr val="accent1"/>
               </a:solidFill>
               <a:ln w="44450">
                 <a:solidFill>
-                  <a:srgbClr val="7030A0"/>
+                  <a:schemeClr val="accent1"/>
                 </a:solidFill>
               </a:ln>
               <a:effectLst/>
@@ -1057,7 +1993,7 @@
           <c:smooth val="0"/>
           <c:extLst>
             <c:ext xmlns:c16="http://schemas.microsoft.com/office/drawing/2014/chart" uri="{C3380CC4-5D6E-409C-BE32-E72D297353CC}">
-              <c16:uniqueId val="{00000000-E4F9-49B8-B47E-60292EFD4AE9}"/>
+              <c16:uniqueId val="{00000000-C541-4C5C-9F6C-A30A4D0A7F5F}"/>
             </c:ext>
           </c:extLst>
         </c:ser>
@@ -1071,190 +2007,6 @@
                 <c:ptCount val="1"/>
                 <c:pt idx="0">
                   <c:v>40–59 years</c:v>
-                </c:pt>
-              </c:strCache>
-            </c:strRef>
-          </c:tx>
-          <c:spPr>
-            <a:ln w="44450" cap="rnd">
-              <a:solidFill>
-                <a:srgbClr val="008080"/>
-              </a:solidFill>
-              <a:round/>
-            </a:ln>
-            <a:effectLst/>
-          </c:spPr>
-          <c:marker>
-            <c:symbol val="circle"/>
-            <c:size val="5"/>
-            <c:spPr>
-              <a:solidFill>
-                <a:srgbClr val="008080"/>
-              </a:solidFill>
-              <a:ln w="44450">
-                <a:solidFill>
-                  <a:srgbClr val="008080"/>
-                </a:solidFill>
-              </a:ln>
-              <a:effectLst/>
-            </c:spPr>
-          </c:marker>
-          <c:cat>
-            <c:strRef>
-              <c:f>Age!$A$2:$A$6</c:f>
-              <c:strCache>
-                <c:ptCount val="5"/>
-                <c:pt idx="0">
-                  <c:v>2001–2004</c:v>
-                </c:pt>
-                <c:pt idx="1">
-                  <c:v>2005–2008</c:v>
-                </c:pt>
-                <c:pt idx="2">
-                  <c:v>2009–2012</c:v>
-                </c:pt>
-                <c:pt idx="3">
-                  <c:v>2013–2016</c:v>
-                </c:pt>
-                <c:pt idx="4">
-                  <c:v>2017–2020</c:v>
-                </c:pt>
-              </c:strCache>
-            </c:strRef>
-          </c:cat>
-          <c:val>
-            <c:numRef>
-              <c:f>Age!$C$2:$C$6</c:f>
-              <c:numCache>
-                <c:formatCode>0.0</c:formatCode>
-                <c:ptCount val="5"/>
-                <c:pt idx="0">
-                  <c:v>9.6</c:v>
-                </c:pt>
-                <c:pt idx="1">
-                  <c:v>9.5</c:v>
-                </c:pt>
-                <c:pt idx="2">
-                  <c:v>8</c:v>
-                </c:pt>
-                <c:pt idx="3">
-                  <c:v>10.199999999999999</c:v>
-                </c:pt>
-                <c:pt idx="4">
-                  <c:v>10.9</c:v>
-                </c:pt>
-              </c:numCache>
-            </c:numRef>
-          </c:val>
-          <c:smooth val="0"/>
-          <c:extLst>
-            <c:ext xmlns:c16="http://schemas.microsoft.com/office/drawing/2014/chart" uri="{C3380CC4-5D6E-409C-BE32-E72D297353CC}">
-              <c16:uniqueId val="{00000001-E4F9-49B8-B47E-60292EFD4AE9}"/>
-            </c:ext>
-          </c:extLst>
-        </c:ser>
-        <c:ser>
-          <c:idx val="2"/>
-          <c:order val="2"/>
-          <c:tx>
-            <c:strRef>
-              <c:f>Age!$D$1</c:f>
-              <c:strCache>
-                <c:ptCount val="1"/>
-                <c:pt idx="0">
-                  <c:v>60–69 years</c:v>
-                </c:pt>
-              </c:strCache>
-            </c:strRef>
-          </c:tx>
-          <c:spPr>
-            <a:ln w="44450" cap="rnd">
-              <a:solidFill>
-                <a:schemeClr val="accent3"/>
-              </a:solidFill>
-              <a:round/>
-            </a:ln>
-            <a:effectLst/>
-          </c:spPr>
-          <c:marker>
-            <c:symbol val="circle"/>
-            <c:size val="5"/>
-            <c:spPr>
-              <a:solidFill>
-                <a:schemeClr val="accent3"/>
-              </a:solidFill>
-              <a:ln w="41275">
-                <a:solidFill>
-                  <a:schemeClr val="accent3"/>
-                </a:solidFill>
-              </a:ln>
-              <a:effectLst/>
-            </c:spPr>
-          </c:marker>
-          <c:cat>
-            <c:strRef>
-              <c:f>Age!$A$2:$A$6</c:f>
-              <c:strCache>
-                <c:ptCount val="5"/>
-                <c:pt idx="0">
-                  <c:v>2001–2004</c:v>
-                </c:pt>
-                <c:pt idx="1">
-                  <c:v>2005–2008</c:v>
-                </c:pt>
-                <c:pt idx="2">
-                  <c:v>2009–2012</c:v>
-                </c:pt>
-                <c:pt idx="3">
-                  <c:v>2013–2016</c:v>
-                </c:pt>
-                <c:pt idx="4">
-                  <c:v>2017–2020</c:v>
-                </c:pt>
-              </c:strCache>
-            </c:strRef>
-          </c:cat>
-          <c:val>
-            <c:numRef>
-              <c:f>Age!$D$2:$D$6</c:f>
-              <c:numCache>
-                <c:formatCode>0.0</c:formatCode>
-                <c:ptCount val="5"/>
-                <c:pt idx="0">
-                  <c:v>20.3</c:v>
-                </c:pt>
-                <c:pt idx="1">
-                  <c:v>18.100000000000001</c:v>
-                </c:pt>
-                <c:pt idx="2">
-                  <c:v>17.7</c:v>
-                </c:pt>
-                <c:pt idx="3">
-                  <c:v>19.100000000000001</c:v>
-                </c:pt>
-                <c:pt idx="4">
-                  <c:v>18.5</c:v>
-                </c:pt>
-              </c:numCache>
-            </c:numRef>
-          </c:val>
-          <c:smooth val="0"/>
-          <c:extLst>
-            <c:ext xmlns:c16="http://schemas.microsoft.com/office/drawing/2014/chart" uri="{C3380CC4-5D6E-409C-BE32-E72D297353CC}">
-              <c16:uniqueId val="{00000002-E4F9-49B8-B47E-60292EFD4AE9}"/>
-            </c:ext>
-          </c:extLst>
-        </c:ser>
-        <c:ser>
-          <c:idx val="3"/>
-          <c:order val="3"/>
-          <c:tx>
-            <c:strRef>
-              <c:f>Age!$E$1</c:f>
-              <c:strCache>
-                <c:ptCount val="1"/>
-                <c:pt idx="0">
-                  <c:v>70+ years</c:v>
                 </c:pt>
               </c:strCache>
             </c:strRef>
@@ -1308,6 +2060,190 @@
           </c:cat>
           <c:val>
             <c:numRef>
+              <c:f>Age!$C$2:$C$6</c:f>
+              <c:numCache>
+                <c:formatCode>0.0</c:formatCode>
+                <c:ptCount val="5"/>
+                <c:pt idx="0">
+                  <c:v>9.6</c:v>
+                </c:pt>
+                <c:pt idx="1">
+                  <c:v>9.5</c:v>
+                </c:pt>
+                <c:pt idx="2">
+                  <c:v>8</c:v>
+                </c:pt>
+                <c:pt idx="3">
+                  <c:v>10.199999999999999</c:v>
+                </c:pt>
+                <c:pt idx="4">
+                  <c:v>10.8</c:v>
+                </c:pt>
+              </c:numCache>
+            </c:numRef>
+          </c:val>
+          <c:smooth val="0"/>
+          <c:extLst>
+            <c:ext xmlns:c16="http://schemas.microsoft.com/office/drawing/2014/chart" uri="{C3380CC4-5D6E-409C-BE32-E72D297353CC}">
+              <c16:uniqueId val="{00000001-C541-4C5C-9F6C-A30A4D0A7F5F}"/>
+            </c:ext>
+          </c:extLst>
+        </c:ser>
+        <c:ser>
+          <c:idx val="2"/>
+          <c:order val="2"/>
+          <c:tx>
+            <c:strRef>
+              <c:f>Age!$D$1</c:f>
+              <c:strCache>
+                <c:ptCount val="1"/>
+                <c:pt idx="0">
+                  <c:v>60–69 years</c:v>
+                </c:pt>
+              </c:strCache>
+            </c:strRef>
+          </c:tx>
+          <c:spPr>
+            <a:ln w="44450" cap="rnd">
+              <a:solidFill>
+                <a:schemeClr val="accent3"/>
+              </a:solidFill>
+              <a:round/>
+            </a:ln>
+            <a:effectLst/>
+          </c:spPr>
+          <c:marker>
+            <c:symbol val="circle"/>
+            <c:size val="5"/>
+            <c:spPr>
+              <a:solidFill>
+                <a:schemeClr val="accent3"/>
+              </a:solidFill>
+              <a:ln w="44450">
+                <a:solidFill>
+                  <a:schemeClr val="accent3"/>
+                </a:solidFill>
+              </a:ln>
+              <a:effectLst/>
+            </c:spPr>
+          </c:marker>
+          <c:cat>
+            <c:strRef>
+              <c:f>Age!$A$2:$A$6</c:f>
+              <c:strCache>
+                <c:ptCount val="5"/>
+                <c:pt idx="0">
+                  <c:v>2001–2004</c:v>
+                </c:pt>
+                <c:pt idx="1">
+                  <c:v>2005–2008</c:v>
+                </c:pt>
+                <c:pt idx="2">
+                  <c:v>2009–2012</c:v>
+                </c:pt>
+                <c:pt idx="3">
+                  <c:v>2013–2016</c:v>
+                </c:pt>
+                <c:pt idx="4">
+                  <c:v>2017–2020</c:v>
+                </c:pt>
+              </c:strCache>
+            </c:strRef>
+          </c:cat>
+          <c:val>
+            <c:numRef>
+              <c:f>Age!$D$2:$D$6</c:f>
+              <c:numCache>
+                <c:formatCode>0.0</c:formatCode>
+                <c:ptCount val="5"/>
+                <c:pt idx="0">
+                  <c:v>20.3</c:v>
+                </c:pt>
+                <c:pt idx="1">
+                  <c:v>18.100000000000001</c:v>
+                </c:pt>
+                <c:pt idx="2">
+                  <c:v>17.7</c:v>
+                </c:pt>
+                <c:pt idx="3">
+                  <c:v>19.100000000000001</c:v>
+                </c:pt>
+                <c:pt idx="4">
+                  <c:v>18.600000000000001</c:v>
+                </c:pt>
+              </c:numCache>
+            </c:numRef>
+          </c:val>
+          <c:smooth val="0"/>
+          <c:extLst>
+            <c:ext xmlns:c16="http://schemas.microsoft.com/office/drawing/2014/chart" uri="{C3380CC4-5D6E-409C-BE32-E72D297353CC}">
+              <c16:uniqueId val="{00000002-C541-4C5C-9F6C-A30A4D0A7F5F}"/>
+            </c:ext>
+          </c:extLst>
+        </c:ser>
+        <c:ser>
+          <c:idx val="3"/>
+          <c:order val="3"/>
+          <c:tx>
+            <c:strRef>
+              <c:f>Age!$E$1</c:f>
+              <c:strCache>
+                <c:ptCount val="1"/>
+                <c:pt idx="0">
+                  <c:v>70+ years</c:v>
+                </c:pt>
+              </c:strCache>
+            </c:strRef>
+          </c:tx>
+          <c:spPr>
+            <a:ln w="44450" cap="rnd">
+              <a:solidFill>
+                <a:schemeClr val="accent4"/>
+              </a:solidFill>
+              <a:round/>
+            </a:ln>
+            <a:effectLst/>
+          </c:spPr>
+          <c:marker>
+            <c:symbol val="circle"/>
+            <c:size val="5"/>
+            <c:spPr>
+              <a:solidFill>
+                <a:schemeClr val="accent4"/>
+              </a:solidFill>
+              <a:ln w="44450">
+                <a:solidFill>
+                  <a:schemeClr val="accent4"/>
+                </a:solidFill>
+              </a:ln>
+              <a:effectLst/>
+            </c:spPr>
+          </c:marker>
+          <c:cat>
+            <c:strRef>
+              <c:f>Age!$A$2:$A$6</c:f>
+              <c:strCache>
+                <c:ptCount val="5"/>
+                <c:pt idx="0">
+                  <c:v>2001–2004</c:v>
+                </c:pt>
+                <c:pt idx="1">
+                  <c:v>2005–2008</c:v>
+                </c:pt>
+                <c:pt idx="2">
+                  <c:v>2009–2012</c:v>
+                </c:pt>
+                <c:pt idx="3">
+                  <c:v>2013–2016</c:v>
+                </c:pt>
+                <c:pt idx="4">
+                  <c:v>2017–2020</c:v>
+                </c:pt>
+              </c:strCache>
+            </c:strRef>
+          </c:cat>
+          <c:val>
+            <c:numRef>
               <c:f>Age!$E$2:$E$6</c:f>
               <c:numCache>
                 <c:formatCode>0.0</c:formatCode>
@@ -1325,7 +2261,7 @@
                   <c:v>41.2</c:v>
                 </c:pt>
                 <c:pt idx="4">
-                  <c:v>38.4</c:v>
+                  <c:v>38</c:v>
                 </c:pt>
               </c:numCache>
             </c:numRef>
@@ -1333,7 +2269,7 @@
           <c:smooth val="0"/>
           <c:extLst>
             <c:ext xmlns:c16="http://schemas.microsoft.com/office/drawing/2014/chart" uri="{C3380CC4-5D6E-409C-BE32-E72D297353CC}">
-              <c16:uniqueId val="{00000003-E4F9-49B8-B47E-60292EFD4AE9}"/>
+              <c16:uniqueId val="{00000003-C541-4C5C-9F6C-A30A4D0A7F5F}"/>
             </c:ext>
           </c:extLst>
         </c:ser>
@@ -1376,34 +2312,11 @@
               <a:effectLst/>
             </c:spPr>
           </c:marker>
-          <c:cat>
-            <c:strRef>
-              <c:f>Age!$A$2:$A$6</c:f>
-              <c:strCache>
-                <c:ptCount val="5"/>
-                <c:pt idx="0">
-                  <c:v>2001–2004</c:v>
-                </c:pt>
-                <c:pt idx="1">
-                  <c:v>2005–2008</c:v>
-                </c:pt>
-                <c:pt idx="2">
-                  <c:v>2009–2012</c:v>
-                </c:pt>
-                <c:pt idx="3">
-                  <c:v>2013–2016</c:v>
-                </c:pt>
-                <c:pt idx="4">
-                  <c:v>2017–2020</c:v>
-                </c:pt>
-              </c:strCache>
-            </c:strRef>
-          </c:cat>
           <c:val>
             <c:numRef>
               <c:f>Age!$F$2:$F$6</c:f>
               <c:numCache>
-                <c:formatCode>General</c:formatCode>
+                <c:formatCode>0.0</c:formatCode>
                 <c:ptCount val="5"/>
                 <c:pt idx="0">
                   <c:v>12.9</c:v>
@@ -1426,7 +2339,7 @@
           <c:smooth val="0"/>
           <c:extLst>
             <c:ext xmlns:c16="http://schemas.microsoft.com/office/drawing/2014/chart" uri="{C3380CC4-5D6E-409C-BE32-E72D297353CC}">
-              <c16:uniqueId val="{00000004-E4F9-49B8-B47E-60292EFD4AE9}"/>
+              <c16:uniqueId val="{00000004-C541-4C5C-9F6C-A30A4D0A7F5F}"/>
             </c:ext>
           </c:extLst>
         </c:ser>
@@ -1474,7 +2387,7 @@
             <a:pPr>
               <a:defRPr sz="2400" b="0" i="0" u="none" strike="noStrike" kern="1200" baseline="0">
                 <a:solidFill>
-                  <a:schemeClr val="tx1"/>
+                  <a:sysClr val="windowText" lastClr="000000"/>
                 </a:solidFill>
                 <a:latin typeface="+mn-lt"/>
                 <a:ea typeface="+mn-ea"/>
@@ -1519,9 +2432,9 @@
               <a:lstStyle/>
               <a:p>
                 <a:pPr>
-                  <a:defRPr sz="2800" b="0" i="0" u="none" strike="noStrike" kern="1200" baseline="0">
+                  <a:defRPr sz="2400" b="0" i="0" u="none" strike="noStrike" kern="1200" baseline="0">
                     <a:solidFill>
-                      <a:schemeClr val="tx1"/>
+                      <a:sysClr val="windowText" lastClr="000000"/>
                     </a:solidFill>
                     <a:latin typeface="+mn-lt"/>
                     <a:ea typeface="+mn-ea"/>
@@ -1529,24 +2442,24 @@
                   </a:defRPr>
                 </a:pPr>
                 <a:r>
-                  <a:rPr lang="en-US" sz="2800">
+                  <a:rPr lang="en-US" sz="2400">
                     <a:solidFill>
-                      <a:schemeClr val="tx1"/>
+                      <a:sysClr val="windowText" lastClr="000000"/>
                     </a:solidFill>
                   </a:rPr>
                   <a:t>CKD</a:t>
                 </a:r>
                 <a:r>
-                  <a:rPr lang="en-US" sz="2800" baseline="0">
+                  <a:rPr lang="en-US" sz="2400" baseline="0">
                     <a:solidFill>
-                      <a:schemeClr val="tx1"/>
+                      <a:sysClr val="windowText" lastClr="000000"/>
                     </a:solidFill>
                   </a:rPr>
                   <a:t> (%)</a:t>
                 </a:r>
-                <a:endParaRPr lang="en-US" sz="2800">
+                <a:endParaRPr lang="en-US" sz="2400">
                   <a:solidFill>
-                    <a:schemeClr val="tx1"/>
+                    <a:sysClr val="windowText" lastClr="000000"/>
                   </a:solidFill>
                 </a:endParaRPr>
               </a:p>
@@ -1557,7 +2470,7 @@
               <c:xMode val="edge"/>
               <c:yMode val="edge"/>
               <c:x val="0"/>
-              <c:y val="0.27388039170298889"/>
+              <c:y val="0.29607056392475167"/>
             </c:manualLayout>
           </c:layout>
           <c:overlay val="0"/>
@@ -1573,9 +2486,9 @@
             <a:lstStyle/>
             <a:p>
               <a:pPr>
-                <a:defRPr sz="2800" b="0" i="0" u="none" strike="noStrike" kern="1200" baseline="0">
+                <a:defRPr sz="2400" b="0" i="0" u="none" strike="noStrike" kern="1200" baseline="0">
                   <a:solidFill>
-                    <a:schemeClr val="tx1"/>
+                    <a:sysClr val="windowText" lastClr="000000"/>
                   </a:solidFill>
                   <a:latin typeface="+mn-lt"/>
                   <a:ea typeface="+mn-ea"/>
@@ -1604,7 +2517,7 @@
             <a:pPr>
               <a:defRPr sz="2400" b="0" i="0" u="none" strike="noStrike" kern="1200" baseline="0">
                 <a:solidFill>
-                  <a:schemeClr val="tx1"/>
+                  <a:sysClr val="windowText" lastClr="000000"/>
                 </a:solidFill>
                 <a:latin typeface="+mn-lt"/>
                 <a:ea typeface="+mn-ea"/>
@@ -1633,10 +2546,10 @@
         <c:manualLayout>
           <c:xMode val="edge"/>
           <c:yMode val="edge"/>
-          <c:x val="0.1018448943221506"/>
-          <c:y val="0.88588251049662858"/>
-          <c:w val="0.88144679744390597"/>
-          <c:h val="9.5098834963004544E-2"/>
+          <c:x val="0.10789873459604189"/>
+          <c:y val="0.90269419526567651"/>
+          <c:w val="0.86567159391875481"/>
+          <c:h val="9.7305804734323625E-2"/>
         </c:manualLayout>
       </c:layout>
       <c:overlay val="0"/>
@@ -1652,9 +2565,9 @@
         <a:lstStyle/>
         <a:p>
           <a:pPr>
-            <a:defRPr sz="2400" b="0" i="0" u="none" strike="noStrike" kern="1200" baseline="0">
+            <a:defRPr sz="2000" b="0" i="0" u="none" strike="noStrike" kern="1200" baseline="0">
               <a:solidFill>
-                <a:schemeClr val="tx1"/>
+                <a:sysClr val="windowText" lastClr="000000"/>
               </a:solidFill>
               <a:latin typeface="+mn-lt"/>
               <a:ea typeface="+mn-ea"/>
@@ -1677,9 +2590,12 @@
     <c:showDLblsOverMax val="0"/>
   </c:chart>
   <c:spPr>
-    <a:noFill/>
-    <a:ln>
+    <a:solidFill>
+      <a:schemeClr val="bg1"/>
+    </a:solidFill>
+    <a:ln w="9525" cap="flat" cmpd="sng" algn="ctr">
       <a:noFill/>
+      <a:round/>
     </a:ln>
     <a:effectLst/>
   </c:spPr>
@@ -1736,7 +2652,9 @@
           <c:spPr>
             <a:ln w="44450" cap="rnd">
               <a:solidFill>
-                <a:srgbClr val="7030A0"/>
+                <a:schemeClr val="accent1">
+                  <a:alpha val="91000"/>
+                </a:schemeClr>
               </a:solidFill>
               <a:round/>
             </a:ln>
@@ -1747,11 +2665,11 @@
             <c:size val="5"/>
             <c:spPr>
               <a:solidFill>
-                <a:srgbClr val="7030A0"/>
+                <a:schemeClr val="accent1"/>
               </a:solidFill>
               <a:ln w="44450">
                 <a:solidFill>
-                  <a:srgbClr val="7030A0"/>
+                  <a:schemeClr val="accent1"/>
                 </a:solidFill>
               </a:ln>
               <a:effectLst/>
@@ -1799,7 +2717,7 @@
                   <c:v>11.7</c:v>
                 </c:pt>
                 <c:pt idx="4">
-                  <c:v>12.4</c:v>
+                  <c:v>12.3</c:v>
                 </c:pt>
               </c:numCache>
             </c:numRef>
@@ -1807,7 +2725,7 @@
           <c:smooth val="0"/>
           <c:extLst>
             <c:ext xmlns:c16="http://schemas.microsoft.com/office/drawing/2014/chart" uri="{C3380CC4-5D6E-409C-BE32-E72D297353CC}">
-              <c16:uniqueId val="{00000000-67A6-4790-8051-C83719259F2B}"/>
+              <c16:uniqueId val="{00000000-E2A4-40AF-8225-655F25B75AEF}"/>
             </c:ext>
           </c:extLst>
         </c:ser>
@@ -1828,7 +2746,7 @@
           <c:spPr>
             <a:ln w="44450" cap="rnd">
               <a:solidFill>
-                <a:srgbClr val="008080"/>
+                <a:schemeClr val="accent2"/>
               </a:solidFill>
               <a:round/>
             </a:ln>
@@ -1839,11 +2757,11 @@
             <c:size val="5"/>
             <c:spPr>
               <a:solidFill>
-                <a:srgbClr val="008080"/>
+                <a:schemeClr val="accent2"/>
               </a:solidFill>
               <a:ln w="44450">
                 <a:solidFill>
-                  <a:srgbClr val="008080"/>
+                  <a:schemeClr val="accent2"/>
                 </a:solidFill>
               </a:ln>
               <a:effectLst/>
@@ -1891,7 +2809,7 @@
                   <c:v>15.8</c:v>
                 </c:pt>
                 <c:pt idx="4">
-                  <c:v>15.3</c:v>
+                  <c:v>15.4</c:v>
                 </c:pt>
               </c:numCache>
             </c:numRef>
@@ -1899,7 +2817,7 @@
           <c:smooth val="0"/>
           <c:extLst>
             <c:ext xmlns:c16="http://schemas.microsoft.com/office/drawing/2014/chart" uri="{C3380CC4-5D6E-409C-BE32-E72D297353CC}">
-              <c16:uniqueId val="{00000001-67A6-4790-8051-C83719259F2B}"/>
+              <c16:uniqueId val="{00000001-E2A4-40AF-8225-655F25B75AEF}"/>
             </c:ext>
           </c:extLst>
         </c:ser>
@@ -1942,34 +2860,11 @@
               <a:effectLst/>
             </c:spPr>
           </c:marker>
-          <c:cat>
-            <c:strRef>
-              <c:f>Sex!$A$2:$A$6</c:f>
-              <c:strCache>
-                <c:ptCount val="5"/>
-                <c:pt idx="0">
-                  <c:v>2001–2004</c:v>
-                </c:pt>
-                <c:pt idx="1">
-                  <c:v>2005–2008</c:v>
-                </c:pt>
-                <c:pt idx="2">
-                  <c:v>2009–2012</c:v>
-                </c:pt>
-                <c:pt idx="3">
-                  <c:v>2013–2016</c:v>
-                </c:pt>
-                <c:pt idx="4">
-                  <c:v>2017–2020</c:v>
-                </c:pt>
-              </c:strCache>
-            </c:strRef>
-          </c:cat>
           <c:val>
             <c:numRef>
               <c:f>Sex!$D$2:$D$6</c:f>
               <c:numCache>
-                <c:formatCode>General</c:formatCode>
+                <c:formatCode>0.0</c:formatCode>
                 <c:ptCount val="5"/>
                 <c:pt idx="0">
                   <c:v>12.9</c:v>
@@ -1992,7 +2887,7 @@
           <c:smooth val="0"/>
           <c:extLst>
             <c:ext xmlns:c16="http://schemas.microsoft.com/office/drawing/2014/chart" uri="{C3380CC4-5D6E-409C-BE32-E72D297353CC}">
-              <c16:uniqueId val="{00000002-67A6-4790-8051-C83719259F2B}"/>
+              <c16:uniqueId val="{00000002-E2A4-40AF-8225-655F25B75AEF}"/>
             </c:ext>
           </c:extLst>
         </c:ser>
@@ -2040,7 +2935,7 @@
             <a:pPr>
               <a:defRPr sz="2400" b="0" i="0" u="none" strike="noStrike" kern="1200" baseline="0">
                 <a:solidFill>
-                  <a:schemeClr val="tx1"/>
+                  <a:sysClr val="windowText" lastClr="000000"/>
                 </a:solidFill>
                 <a:latin typeface="+mn-lt"/>
                 <a:ea typeface="+mn-ea"/>
@@ -2085,9 +2980,9 @@
               <a:lstStyle/>
               <a:p>
                 <a:pPr>
-                  <a:defRPr sz="2800" b="0" i="0" u="none" strike="noStrike" kern="1200" baseline="0">
+                  <a:defRPr sz="2400" b="0" i="0" u="none" strike="noStrike" kern="1200" baseline="0">
                     <a:solidFill>
-                      <a:schemeClr val="tx1"/>
+                      <a:sysClr val="windowText" lastClr="000000"/>
                     </a:solidFill>
                     <a:latin typeface="+mn-lt"/>
                     <a:ea typeface="+mn-ea"/>
@@ -2095,24 +2990,24 @@
                   </a:defRPr>
                 </a:pPr>
                 <a:r>
-                  <a:rPr lang="en-US" sz="2800" dirty="0">
+                  <a:rPr lang="en-US" sz="2400">
                     <a:solidFill>
-                      <a:schemeClr val="tx1"/>
+                      <a:sysClr val="windowText" lastClr="000000"/>
                     </a:solidFill>
                   </a:rPr>
                   <a:t>CKD</a:t>
                 </a:r>
                 <a:r>
-                  <a:rPr lang="en-US" sz="2800" baseline="0" dirty="0">
+                  <a:rPr lang="en-US" sz="2400" baseline="0">
                     <a:solidFill>
-                      <a:schemeClr val="tx1"/>
+                      <a:sysClr val="windowText" lastClr="000000"/>
                     </a:solidFill>
                   </a:rPr>
                   <a:t> (%)</a:t>
                 </a:r>
-                <a:endParaRPr lang="en-US" sz="2800" dirty="0">
+                <a:endParaRPr lang="en-US" sz="2400">
                   <a:solidFill>
-                    <a:schemeClr val="tx1"/>
+                    <a:sysClr val="windowText" lastClr="000000"/>
                   </a:solidFill>
                 </a:endParaRPr>
               </a:p>
@@ -2122,8 +3017,8 @@
             <c:manualLayout>
               <c:xMode val="edge"/>
               <c:yMode val="edge"/>
-              <c:x val="6.5714286699876815E-3"/>
-              <c:y val="0.27532362247179026"/>
+              <c:x val="0"/>
+              <c:y val="0.34404750959867259"/>
             </c:manualLayout>
           </c:layout>
           <c:overlay val="0"/>
@@ -2139,9 +3034,9 @@
             <a:lstStyle/>
             <a:p>
               <a:pPr>
-                <a:defRPr sz="2800" b="0" i="0" u="none" strike="noStrike" kern="1200" baseline="0">
+                <a:defRPr sz="2400" b="0" i="0" u="none" strike="noStrike" kern="1200" baseline="0">
                   <a:solidFill>
-                    <a:schemeClr val="tx1"/>
+                    <a:sysClr val="windowText" lastClr="000000"/>
                   </a:solidFill>
                   <a:latin typeface="+mn-lt"/>
                   <a:ea typeface="+mn-ea"/>
@@ -2168,9 +3063,9 @@
           <a:lstStyle/>
           <a:p>
             <a:pPr>
-              <a:defRPr sz="2400" b="0" i="0" u="none" strike="noStrike" kern="1200" baseline="0">
+              <a:defRPr sz="2250" b="0" i="0" u="none" strike="noStrike" kern="1200" baseline="0">
                 <a:solidFill>
-                  <a:schemeClr val="tx1"/>
+                  <a:sysClr val="windowText" lastClr="000000"/>
                 </a:solidFill>
                 <a:latin typeface="+mn-lt"/>
                 <a:ea typeface="+mn-ea"/>
@@ -2207,9 +3102,9 @@
         <a:lstStyle/>
         <a:p>
           <a:pPr>
-            <a:defRPr sz="2400" b="0" i="0" u="none" strike="noStrike" kern="1200" baseline="0">
+            <a:defRPr sz="2200" b="0" i="0" u="none" strike="noStrike" kern="1200" baseline="0">
               <a:solidFill>
-                <a:schemeClr val="tx1"/>
+                <a:sysClr val="windowText" lastClr="000000"/>
               </a:solidFill>
               <a:latin typeface="+mn-lt"/>
               <a:ea typeface="+mn-ea"/>
@@ -2232,9 +3127,12 @@
     <c:showDLblsOverMax val="0"/>
   </c:chart>
   <c:spPr>
-    <a:noFill/>
-    <a:ln>
+    <a:solidFill>
+      <a:schemeClr val="bg1"/>
+    </a:solidFill>
+    <a:ln w="9525" cap="flat" cmpd="sng" algn="ctr">
       <a:noFill/>
+      <a:round/>
     </a:ln>
     <a:effectLst/>
   </c:spPr>
@@ -2279,11 +3177,11 @@
           <c:order val="0"/>
           <c:tx>
             <c:strRef>
-              <c:f>Race!$B$1</c:f>
+              <c:f>Sex!$B$25</c:f>
               <c:strCache>
                 <c:ptCount val="1"/>
                 <c:pt idx="0">
-                  <c:v>Hispanic</c:v>
+                  <c:v>Male</c:v>
                 </c:pt>
               </c:strCache>
             </c:strRef>
@@ -2291,9 +3189,7 @@
           <c:spPr>
             <a:ln w="44450" cap="rnd">
               <a:solidFill>
-                <a:schemeClr val="bg2">
-                  <a:lumMod val="75000"/>
-                </a:schemeClr>
+                <a:schemeClr val="accent1"/>
               </a:solidFill>
               <a:round/>
             </a:ln>
@@ -2304,15 +3200,546 @@
             <c:size val="5"/>
             <c:spPr>
               <a:solidFill>
-                <a:schemeClr val="bg2">
-                  <a:lumMod val="75000"/>
-                </a:schemeClr>
+                <a:schemeClr val="accent1"/>
               </a:solidFill>
               <a:ln w="44450">
                 <a:solidFill>
-                  <a:schemeClr val="bg2">
-                    <a:lumMod val="75000"/>
-                  </a:schemeClr>
+                  <a:schemeClr val="accent1"/>
+                </a:solidFill>
+              </a:ln>
+              <a:effectLst/>
+            </c:spPr>
+          </c:marker>
+          <c:cat>
+            <c:strRef>
+              <c:f>Sex!$A$26:$A$30</c:f>
+              <c:strCache>
+                <c:ptCount val="5"/>
+                <c:pt idx="0">
+                  <c:v>2001–2004</c:v>
+                </c:pt>
+                <c:pt idx="1">
+                  <c:v>2005–2008</c:v>
+                </c:pt>
+                <c:pt idx="2">
+                  <c:v>2009–2012</c:v>
+                </c:pt>
+                <c:pt idx="3">
+                  <c:v>2013–2016</c:v>
+                </c:pt>
+                <c:pt idx="4">
+                  <c:v>2017–2020</c:v>
+                </c:pt>
+              </c:strCache>
+            </c:strRef>
+          </c:cat>
+          <c:val>
+            <c:numRef>
+              <c:f>Sex!$B$26:$B$30</c:f>
+              <c:numCache>
+                <c:formatCode>0.0</c:formatCode>
+                <c:ptCount val="5"/>
+                <c:pt idx="0">
+                  <c:v>13.2</c:v>
+                </c:pt>
+                <c:pt idx="1">
+                  <c:v>12</c:v>
+                </c:pt>
+                <c:pt idx="2">
+                  <c:v>12.1</c:v>
+                </c:pt>
+                <c:pt idx="3">
+                  <c:v>12.1</c:v>
+                </c:pt>
+                <c:pt idx="4">
+                  <c:v>12.2</c:v>
+                </c:pt>
+              </c:numCache>
+            </c:numRef>
+          </c:val>
+          <c:smooth val="0"/>
+          <c:extLst>
+            <c:ext xmlns:c16="http://schemas.microsoft.com/office/drawing/2014/chart" uri="{C3380CC4-5D6E-409C-BE32-E72D297353CC}">
+              <c16:uniqueId val="{00000000-8729-400F-B8D2-506B5473ABC6}"/>
+            </c:ext>
+          </c:extLst>
+        </c:ser>
+        <c:ser>
+          <c:idx val="1"/>
+          <c:order val="1"/>
+          <c:tx>
+            <c:strRef>
+              <c:f>Sex!$C$25</c:f>
+              <c:strCache>
+                <c:ptCount val="1"/>
+                <c:pt idx="0">
+                  <c:v>Female</c:v>
+                </c:pt>
+              </c:strCache>
+            </c:strRef>
+          </c:tx>
+          <c:spPr>
+            <a:ln w="44450" cap="rnd">
+              <a:solidFill>
+                <a:schemeClr val="accent2"/>
+              </a:solidFill>
+              <a:round/>
+            </a:ln>
+            <a:effectLst/>
+          </c:spPr>
+          <c:marker>
+            <c:symbol val="circle"/>
+            <c:size val="5"/>
+            <c:spPr>
+              <a:solidFill>
+                <a:schemeClr val="accent2"/>
+              </a:solidFill>
+              <a:ln w="44450">
+                <a:solidFill>
+                  <a:schemeClr val="accent2"/>
+                </a:solidFill>
+              </a:ln>
+              <a:effectLst/>
+            </c:spPr>
+          </c:marker>
+          <c:cat>
+            <c:strRef>
+              <c:f>Sex!$A$26:$A$30</c:f>
+              <c:strCache>
+                <c:ptCount val="5"/>
+                <c:pt idx="0">
+                  <c:v>2001–2004</c:v>
+                </c:pt>
+                <c:pt idx="1">
+                  <c:v>2005–2008</c:v>
+                </c:pt>
+                <c:pt idx="2">
+                  <c:v>2009–2012</c:v>
+                </c:pt>
+                <c:pt idx="3">
+                  <c:v>2013–2016</c:v>
+                </c:pt>
+                <c:pt idx="4">
+                  <c:v>2017–2020</c:v>
+                </c:pt>
+              </c:strCache>
+            </c:strRef>
+          </c:cat>
+          <c:val>
+            <c:numRef>
+              <c:f>Sex!$C$26:$C$30</c:f>
+              <c:numCache>
+                <c:formatCode>General</c:formatCode>
+                <c:ptCount val="5"/>
+                <c:pt idx="0">
+                  <c:v>14.6</c:v>
+                </c:pt>
+                <c:pt idx="1">
+                  <c:v>15.3</c:v>
+                </c:pt>
+                <c:pt idx="2">
+                  <c:v>13.4</c:v>
+                </c:pt>
+                <c:pt idx="3">
+                  <c:v>15.2</c:v>
+                </c:pt>
+                <c:pt idx="4">
+                  <c:v>14.5</c:v>
+                </c:pt>
+              </c:numCache>
+            </c:numRef>
+          </c:val>
+          <c:smooth val="0"/>
+          <c:extLst>
+            <c:ext xmlns:c16="http://schemas.microsoft.com/office/drawing/2014/chart" uri="{C3380CC4-5D6E-409C-BE32-E72D297353CC}">
+              <c16:uniqueId val="{00000001-8729-400F-B8D2-506B5473ABC6}"/>
+            </c:ext>
+          </c:extLst>
+        </c:ser>
+        <c:ser>
+          <c:idx val="2"/>
+          <c:order val="2"/>
+          <c:tx>
+            <c:strRef>
+              <c:f>Sex!$D$25</c:f>
+              <c:strCache>
+                <c:ptCount val="1"/>
+                <c:pt idx="0">
+                  <c:v>Overall</c:v>
+                </c:pt>
+              </c:strCache>
+            </c:strRef>
+          </c:tx>
+          <c:spPr>
+            <a:ln w="44450" cap="rnd">
+              <a:solidFill>
+                <a:schemeClr val="tx1"/>
+              </a:solidFill>
+              <a:prstDash val="sysDash"/>
+              <a:round/>
+            </a:ln>
+            <a:effectLst/>
+          </c:spPr>
+          <c:marker>
+            <c:symbol val="circle"/>
+            <c:size val="5"/>
+            <c:spPr>
+              <a:solidFill>
+                <a:schemeClr val="tx1"/>
+              </a:solidFill>
+              <a:ln w="44450">
+                <a:solidFill>
+                  <a:schemeClr val="tx1"/>
+                </a:solidFill>
+              </a:ln>
+              <a:effectLst/>
+            </c:spPr>
+          </c:marker>
+          <c:val>
+            <c:numRef>
+              <c:f>Sex!$D$26:$D$30</c:f>
+              <c:numCache>
+                <c:formatCode>0.0</c:formatCode>
+                <c:ptCount val="5"/>
+                <c:pt idx="0">
+                  <c:v>13.9</c:v>
+                </c:pt>
+                <c:pt idx="1">
+                  <c:v>13.7</c:v>
+                </c:pt>
+                <c:pt idx="2">
+                  <c:v>12.7</c:v>
+                </c:pt>
+                <c:pt idx="3">
+                  <c:v>13.7</c:v>
+                </c:pt>
+                <c:pt idx="4">
+                  <c:v>13.3</c:v>
+                </c:pt>
+              </c:numCache>
+            </c:numRef>
+          </c:val>
+          <c:smooth val="0"/>
+          <c:extLst>
+            <c:ext xmlns:c16="http://schemas.microsoft.com/office/drawing/2014/chart" uri="{C3380CC4-5D6E-409C-BE32-E72D297353CC}">
+              <c16:uniqueId val="{00000002-8729-400F-B8D2-506B5473ABC6}"/>
+            </c:ext>
+          </c:extLst>
+        </c:ser>
+        <c:dLbls>
+          <c:showLegendKey val="0"/>
+          <c:showVal val="0"/>
+          <c:showCatName val="0"/>
+          <c:showSerName val="0"/>
+          <c:showPercent val="0"/>
+          <c:showBubbleSize val="0"/>
+        </c:dLbls>
+        <c:marker val="1"/>
+        <c:smooth val="0"/>
+        <c:axId val="1443374480"/>
+        <c:axId val="1443376560"/>
+      </c:lineChart>
+      <c:catAx>
+        <c:axId val="1443374480"/>
+        <c:scaling>
+          <c:orientation val="minMax"/>
+        </c:scaling>
+        <c:delete val="0"/>
+        <c:axPos val="b"/>
+        <c:numFmt formatCode="General" sourceLinked="1"/>
+        <c:majorTickMark val="none"/>
+        <c:minorTickMark val="none"/>
+        <c:tickLblPos val="nextTo"/>
+        <c:spPr>
+          <a:noFill/>
+          <a:ln w="9525" cap="flat" cmpd="sng" algn="ctr">
+            <a:solidFill>
+              <a:schemeClr val="tx1">
+                <a:lumMod val="15000"/>
+                <a:lumOff val="85000"/>
+              </a:schemeClr>
+            </a:solidFill>
+            <a:round/>
+          </a:ln>
+          <a:effectLst/>
+        </c:spPr>
+        <c:txPr>
+          <a:bodyPr rot="-60000000" spcFirstLastPara="1" vertOverflow="ellipsis" vert="horz" wrap="square" anchor="ctr" anchorCtr="1"/>
+          <a:lstStyle/>
+          <a:p>
+            <a:pPr>
+              <a:defRPr sz="2400" b="0" i="0" u="none" strike="noStrike" kern="1200" baseline="0">
+                <a:solidFill>
+                  <a:sysClr val="windowText" lastClr="000000"/>
+                </a:solidFill>
+                <a:latin typeface="+mn-lt"/>
+                <a:ea typeface="+mn-ea"/>
+                <a:cs typeface="+mn-cs"/>
+              </a:defRPr>
+            </a:pPr>
+            <a:endParaRPr lang="en-US"/>
+          </a:p>
+        </c:txPr>
+        <c:crossAx val="1443376560"/>
+        <c:crosses val="autoZero"/>
+        <c:auto val="1"/>
+        <c:lblAlgn val="ctr"/>
+        <c:lblOffset val="100"/>
+        <c:noMultiLvlLbl val="0"/>
+      </c:catAx>
+      <c:valAx>
+        <c:axId val="1443376560"/>
+        <c:scaling>
+          <c:orientation val="minMax"/>
+        </c:scaling>
+        <c:delete val="0"/>
+        <c:axPos val="l"/>
+        <c:majorGridlines>
+          <c:spPr>
+            <a:ln w="9525" cap="flat" cmpd="sng" algn="ctr">
+              <a:solidFill>
+                <a:schemeClr val="tx1">
+                  <a:lumMod val="15000"/>
+                  <a:lumOff val="85000"/>
+                </a:schemeClr>
+              </a:solidFill>
+              <a:round/>
+            </a:ln>
+            <a:effectLst/>
+          </c:spPr>
+        </c:majorGridlines>
+        <c:title>
+          <c:tx>
+            <c:rich>
+              <a:bodyPr rot="-5400000" spcFirstLastPara="1" vertOverflow="ellipsis" vert="horz" wrap="square" anchor="ctr" anchorCtr="1"/>
+              <a:lstStyle/>
+              <a:p>
+                <a:pPr>
+                  <a:defRPr sz="2400" b="0" i="0" u="none" strike="noStrike" kern="1200" baseline="0">
+                    <a:solidFill>
+                      <a:sysClr val="windowText" lastClr="000000"/>
+                    </a:solidFill>
+                    <a:latin typeface="+mn-lt"/>
+                    <a:ea typeface="+mn-ea"/>
+                    <a:cs typeface="+mn-cs"/>
+                  </a:defRPr>
+                </a:pPr>
+                <a:r>
+                  <a:rPr lang="en-US" sz="2400">
+                    <a:solidFill>
+                      <a:sysClr val="windowText" lastClr="000000"/>
+                    </a:solidFill>
+                  </a:rPr>
+                  <a:t>CKD</a:t>
+                </a:r>
+                <a:r>
+                  <a:rPr lang="en-US" sz="2400" baseline="0">
+                    <a:solidFill>
+                      <a:sysClr val="windowText" lastClr="000000"/>
+                    </a:solidFill>
+                  </a:rPr>
+                  <a:t> (%)</a:t>
+                </a:r>
+                <a:endParaRPr lang="en-US" sz="2400">
+                  <a:solidFill>
+                    <a:sysClr val="windowText" lastClr="000000"/>
+                  </a:solidFill>
+                </a:endParaRPr>
+              </a:p>
+            </c:rich>
+          </c:tx>
+          <c:layout>
+            <c:manualLayout>
+              <c:xMode val="edge"/>
+              <c:yMode val="edge"/>
+              <c:x val="3.2158835272823403E-3"/>
+              <c:y val="0.33810141196345667"/>
+            </c:manualLayout>
+          </c:layout>
+          <c:overlay val="0"/>
+          <c:spPr>
+            <a:noFill/>
+            <a:ln>
+              <a:noFill/>
+            </a:ln>
+            <a:effectLst/>
+          </c:spPr>
+          <c:txPr>
+            <a:bodyPr rot="-5400000" spcFirstLastPara="1" vertOverflow="ellipsis" vert="horz" wrap="square" anchor="ctr" anchorCtr="1"/>
+            <a:lstStyle/>
+            <a:p>
+              <a:pPr>
+                <a:defRPr sz="2400" b="0" i="0" u="none" strike="noStrike" kern="1200" baseline="0">
+                  <a:solidFill>
+                    <a:sysClr val="windowText" lastClr="000000"/>
+                  </a:solidFill>
+                  <a:latin typeface="+mn-lt"/>
+                  <a:ea typeface="+mn-ea"/>
+                  <a:cs typeface="+mn-cs"/>
+                </a:defRPr>
+              </a:pPr>
+              <a:endParaRPr lang="en-US"/>
+            </a:p>
+          </c:txPr>
+        </c:title>
+        <c:numFmt formatCode="0" sourceLinked="0"/>
+        <c:majorTickMark val="none"/>
+        <c:minorTickMark val="none"/>
+        <c:tickLblPos val="nextTo"/>
+        <c:spPr>
+          <a:noFill/>
+          <a:ln>
+            <a:noFill/>
+          </a:ln>
+          <a:effectLst/>
+        </c:spPr>
+        <c:txPr>
+          <a:bodyPr rot="-60000000" spcFirstLastPara="1" vertOverflow="ellipsis" vert="horz" wrap="square" anchor="ctr" anchorCtr="1"/>
+          <a:lstStyle/>
+          <a:p>
+            <a:pPr>
+              <a:defRPr sz="2250" b="0" i="0" u="none" strike="noStrike" kern="1200" baseline="0">
+                <a:solidFill>
+                  <a:sysClr val="windowText" lastClr="000000"/>
+                </a:solidFill>
+                <a:latin typeface="+mn-lt"/>
+                <a:ea typeface="+mn-ea"/>
+                <a:cs typeface="+mn-cs"/>
+              </a:defRPr>
+            </a:pPr>
+            <a:endParaRPr lang="en-US"/>
+          </a:p>
+        </c:txPr>
+        <c:crossAx val="1443374480"/>
+        <c:crosses val="autoZero"/>
+        <c:crossBetween val="between"/>
+      </c:valAx>
+      <c:spPr>
+        <a:noFill/>
+        <a:ln>
+          <a:noFill/>
+        </a:ln>
+        <a:effectLst/>
+      </c:spPr>
+    </c:plotArea>
+    <c:legend>
+      <c:legendPos val="b"/>
+      <c:overlay val="0"/>
+      <c:spPr>
+        <a:noFill/>
+        <a:ln>
+          <a:noFill/>
+        </a:ln>
+        <a:effectLst/>
+      </c:spPr>
+      <c:txPr>
+        <a:bodyPr rot="0" spcFirstLastPara="1" vertOverflow="ellipsis" vert="horz" wrap="square" anchor="ctr" anchorCtr="1"/>
+        <a:lstStyle/>
+        <a:p>
+          <a:pPr>
+            <a:defRPr sz="2200" b="0" i="0" u="none" strike="noStrike" kern="1200" baseline="0">
+              <a:solidFill>
+                <a:sysClr val="windowText" lastClr="000000"/>
+              </a:solidFill>
+              <a:latin typeface="+mn-lt"/>
+              <a:ea typeface="+mn-ea"/>
+              <a:cs typeface="+mn-cs"/>
+            </a:defRPr>
+          </a:pPr>
+          <a:endParaRPr lang="en-US"/>
+        </a:p>
+      </c:txPr>
+    </c:legend>
+    <c:plotVisOnly val="1"/>
+    <c:dispBlanksAs val="gap"/>
+    <c:extLst>
+      <c:ext xmlns:c16r3="http://schemas.microsoft.com/office/drawing/2017/03/chart" uri="{56B9EC1D-385E-4148-901F-78D8002777C0}">
+        <c16r3:dataDisplayOptions16>
+          <c16r3:dispNaAsBlank val="1"/>
+        </c16r3:dataDisplayOptions16>
+      </c:ext>
+    </c:extLst>
+    <c:showDLblsOverMax val="0"/>
+  </c:chart>
+  <c:spPr>
+    <a:solidFill>
+      <a:schemeClr val="bg1"/>
+    </a:solidFill>
+    <a:ln w="9525" cap="flat" cmpd="sng" algn="ctr">
+      <a:noFill/>
+      <a:round/>
+    </a:ln>
+    <a:effectLst/>
+  </c:spPr>
+  <c:txPr>
+    <a:bodyPr/>
+    <a:lstStyle/>
+    <a:p>
+      <a:pPr>
+        <a:defRPr/>
+      </a:pPr>
+      <a:endParaRPr lang="en-US"/>
+    </a:p>
+  </c:txPr>
+  <c:externalData r:id="rId3">
+    <c:autoUpdate val="0"/>
+  </c:externalData>
+</c:chartSpace>
+</file>
+
+<file path=ppt/charts/chart6.xml><?xml version="1.0" encoding="utf-8"?>
+<c:chartSpace xmlns:c="http://schemas.openxmlformats.org/drawingml/2006/chart" xmlns:a="http://schemas.openxmlformats.org/drawingml/2006/main" xmlns:r="http://schemas.openxmlformats.org/officeDocument/2006/relationships" xmlns:c16r2="http://schemas.microsoft.com/office/drawing/2015/06/chart">
+  <c:date1904 val="0"/>
+  <c:lang val="en-US"/>
+  <c:roundedCorners val="0"/>
+  <mc:AlternateContent xmlns:mc="http://schemas.openxmlformats.org/markup-compatibility/2006">
+    <mc:Choice xmlns:c14="http://schemas.microsoft.com/office/drawing/2007/8/2/chart" Requires="c14">
+      <c14:style val="102"/>
+    </mc:Choice>
+    <mc:Fallback>
+      <c:style val="2"/>
+    </mc:Fallback>
+  </mc:AlternateContent>
+  <c:chart>
+    <c:autoTitleDeleted val="1"/>
+    <c:plotArea>
+      <c:layout/>
+      <c:lineChart>
+        <c:grouping val="standard"/>
+        <c:varyColors val="0"/>
+        <c:ser>
+          <c:idx val="0"/>
+          <c:order val="0"/>
+          <c:tx>
+            <c:strRef>
+              <c:f>Race!$B$1</c:f>
+              <c:strCache>
+                <c:ptCount val="1"/>
+                <c:pt idx="0">
+                  <c:v>Hispanic</c:v>
+                </c:pt>
+              </c:strCache>
+            </c:strRef>
+          </c:tx>
+          <c:spPr>
+            <a:ln w="44450" cap="rnd">
+              <a:solidFill>
+                <a:schemeClr val="accent1"/>
+              </a:solidFill>
+              <a:round/>
+            </a:ln>
+            <a:effectLst/>
+          </c:spPr>
+          <c:marker>
+            <c:symbol val="circle"/>
+            <c:size val="5"/>
+            <c:spPr>
+              <a:solidFill>
+                <a:schemeClr val="accent1"/>
+              </a:solidFill>
+              <a:ln w="44450">
+                <a:solidFill>
+                  <a:schemeClr val="accent1"/>
                 </a:solidFill>
               </a:ln>
               <a:effectLst/>
@@ -2368,7 +3795,7 @@
           <c:smooth val="0"/>
           <c:extLst>
             <c:ext xmlns:c16="http://schemas.microsoft.com/office/drawing/2014/chart" uri="{C3380CC4-5D6E-409C-BE32-E72D297353CC}">
-              <c16:uniqueId val="{00000000-BB2D-4E8A-B080-151F5FBA2E90}"/>
+              <c16:uniqueId val="{00000000-C7C0-4C7A-9E83-8938C0289929}"/>
             </c:ext>
           </c:extLst>
         </c:ser>
@@ -2382,190 +3809,6 @@
                 <c:ptCount val="1"/>
                 <c:pt idx="0">
                   <c:v>Non-Hispanic White</c:v>
-                </c:pt>
-              </c:strCache>
-            </c:strRef>
-          </c:tx>
-          <c:spPr>
-            <a:ln w="44450" cap="rnd">
-              <a:solidFill>
-                <a:srgbClr val="7030A0"/>
-              </a:solidFill>
-              <a:round/>
-            </a:ln>
-            <a:effectLst/>
-          </c:spPr>
-          <c:marker>
-            <c:symbol val="circle"/>
-            <c:size val="5"/>
-            <c:spPr>
-              <a:solidFill>
-                <a:srgbClr val="7030A0"/>
-              </a:solidFill>
-              <a:ln w="44450">
-                <a:solidFill>
-                  <a:srgbClr val="7030A0"/>
-                </a:solidFill>
-              </a:ln>
-              <a:effectLst/>
-            </c:spPr>
-          </c:marker>
-          <c:cat>
-            <c:strRef>
-              <c:f>Race!$A$2:$A$6</c:f>
-              <c:strCache>
-                <c:ptCount val="5"/>
-                <c:pt idx="0">
-                  <c:v>2001–2004</c:v>
-                </c:pt>
-                <c:pt idx="1">
-                  <c:v>2005–2008</c:v>
-                </c:pt>
-                <c:pt idx="2">
-                  <c:v>2009–2012</c:v>
-                </c:pt>
-                <c:pt idx="3">
-                  <c:v>2013–2016</c:v>
-                </c:pt>
-                <c:pt idx="4">
-                  <c:v>2017–2020</c:v>
-                </c:pt>
-              </c:strCache>
-            </c:strRef>
-          </c:cat>
-          <c:val>
-            <c:numRef>
-              <c:f>Race!$C$2:$C$6</c:f>
-              <c:numCache>
-                <c:formatCode>0.0</c:formatCode>
-                <c:ptCount val="5"/>
-                <c:pt idx="0">
-                  <c:v>12.5</c:v>
-                </c:pt>
-                <c:pt idx="1">
-                  <c:v>12.9</c:v>
-                </c:pt>
-                <c:pt idx="2">
-                  <c:v>12</c:v>
-                </c:pt>
-                <c:pt idx="3">
-                  <c:v>14</c:v>
-                </c:pt>
-                <c:pt idx="4">
-                  <c:v>13.7</c:v>
-                </c:pt>
-              </c:numCache>
-            </c:numRef>
-          </c:val>
-          <c:smooth val="0"/>
-          <c:extLst>
-            <c:ext xmlns:c16="http://schemas.microsoft.com/office/drawing/2014/chart" uri="{C3380CC4-5D6E-409C-BE32-E72D297353CC}">
-              <c16:uniqueId val="{00000001-BB2D-4E8A-B080-151F5FBA2E90}"/>
-            </c:ext>
-          </c:extLst>
-        </c:ser>
-        <c:ser>
-          <c:idx val="2"/>
-          <c:order val="2"/>
-          <c:tx>
-            <c:strRef>
-              <c:f>Race!$D$1</c:f>
-              <c:strCache>
-                <c:ptCount val="1"/>
-                <c:pt idx="0">
-                  <c:v>Non-Hispanic Black</c:v>
-                </c:pt>
-              </c:strCache>
-            </c:strRef>
-          </c:tx>
-          <c:spPr>
-            <a:ln w="44450" cap="rnd">
-              <a:solidFill>
-                <a:srgbClr val="008080"/>
-              </a:solidFill>
-              <a:round/>
-            </a:ln>
-            <a:effectLst/>
-          </c:spPr>
-          <c:marker>
-            <c:symbol val="circle"/>
-            <c:size val="5"/>
-            <c:spPr>
-              <a:solidFill>
-                <a:srgbClr val="008080"/>
-              </a:solidFill>
-              <a:ln w="44450">
-                <a:solidFill>
-                  <a:srgbClr val="008080"/>
-                </a:solidFill>
-              </a:ln>
-              <a:effectLst/>
-            </c:spPr>
-          </c:marker>
-          <c:cat>
-            <c:strRef>
-              <c:f>Race!$A$2:$A$6</c:f>
-              <c:strCache>
-                <c:ptCount val="5"/>
-                <c:pt idx="0">
-                  <c:v>2001–2004</c:v>
-                </c:pt>
-                <c:pt idx="1">
-                  <c:v>2005–2008</c:v>
-                </c:pt>
-                <c:pt idx="2">
-                  <c:v>2009–2012</c:v>
-                </c:pt>
-                <c:pt idx="3">
-                  <c:v>2013–2016</c:v>
-                </c:pt>
-                <c:pt idx="4">
-                  <c:v>2017–2020</c:v>
-                </c:pt>
-              </c:strCache>
-            </c:strRef>
-          </c:cat>
-          <c:val>
-            <c:numRef>
-              <c:f>Race!$D$2:$D$6</c:f>
-              <c:numCache>
-                <c:formatCode>0.0</c:formatCode>
-                <c:ptCount val="5"/>
-                <c:pt idx="0">
-                  <c:v>16.5</c:v>
-                </c:pt>
-                <c:pt idx="1">
-                  <c:v>17.7</c:v>
-                </c:pt>
-                <c:pt idx="2">
-                  <c:v>17.2</c:v>
-                </c:pt>
-                <c:pt idx="3">
-                  <c:v>17.5</c:v>
-                </c:pt>
-                <c:pt idx="4">
-                  <c:v>18.600000000000001</c:v>
-                </c:pt>
-              </c:numCache>
-            </c:numRef>
-          </c:val>
-          <c:smooth val="0"/>
-          <c:extLst>
-            <c:ext xmlns:c16="http://schemas.microsoft.com/office/drawing/2014/chart" uri="{C3380CC4-5D6E-409C-BE32-E72D297353CC}">
-              <c16:uniqueId val="{00000002-BB2D-4E8A-B080-151F5FBA2E90}"/>
-            </c:ext>
-          </c:extLst>
-        </c:ser>
-        <c:ser>
-          <c:idx val="3"/>
-          <c:order val="3"/>
-          <c:tx>
-            <c:strRef>
-              <c:f>Race!$E$1</c:f>
-              <c:strCache>
-                <c:ptCount val="1"/>
-                <c:pt idx="0">
-                  <c:v>Other</c:v>
                 </c:pt>
               </c:strCache>
             </c:strRef>
@@ -2619,6 +3862,190 @@
           </c:cat>
           <c:val>
             <c:numRef>
+              <c:f>Race!$C$2:$C$6</c:f>
+              <c:numCache>
+                <c:formatCode>0.0</c:formatCode>
+                <c:ptCount val="5"/>
+                <c:pt idx="0">
+                  <c:v>12.5</c:v>
+                </c:pt>
+                <c:pt idx="1">
+                  <c:v>12.9</c:v>
+                </c:pt>
+                <c:pt idx="2">
+                  <c:v>12</c:v>
+                </c:pt>
+                <c:pt idx="3">
+                  <c:v>14</c:v>
+                </c:pt>
+                <c:pt idx="4">
+                  <c:v>13.6</c:v>
+                </c:pt>
+              </c:numCache>
+            </c:numRef>
+          </c:val>
+          <c:smooth val="0"/>
+          <c:extLst>
+            <c:ext xmlns:c16="http://schemas.microsoft.com/office/drawing/2014/chart" uri="{C3380CC4-5D6E-409C-BE32-E72D297353CC}">
+              <c16:uniqueId val="{00000001-C7C0-4C7A-9E83-8938C0289929}"/>
+            </c:ext>
+          </c:extLst>
+        </c:ser>
+        <c:ser>
+          <c:idx val="2"/>
+          <c:order val="2"/>
+          <c:tx>
+            <c:strRef>
+              <c:f>Race!$D$1</c:f>
+              <c:strCache>
+                <c:ptCount val="1"/>
+                <c:pt idx="0">
+                  <c:v>Non-Hispanic Black</c:v>
+                </c:pt>
+              </c:strCache>
+            </c:strRef>
+          </c:tx>
+          <c:spPr>
+            <a:ln w="44450" cap="rnd">
+              <a:solidFill>
+                <a:schemeClr val="accent3"/>
+              </a:solidFill>
+              <a:round/>
+            </a:ln>
+            <a:effectLst/>
+          </c:spPr>
+          <c:marker>
+            <c:symbol val="circle"/>
+            <c:size val="5"/>
+            <c:spPr>
+              <a:solidFill>
+                <a:schemeClr val="accent3"/>
+              </a:solidFill>
+              <a:ln w="44450">
+                <a:solidFill>
+                  <a:schemeClr val="accent3"/>
+                </a:solidFill>
+              </a:ln>
+              <a:effectLst/>
+            </c:spPr>
+          </c:marker>
+          <c:cat>
+            <c:strRef>
+              <c:f>Race!$A$2:$A$6</c:f>
+              <c:strCache>
+                <c:ptCount val="5"/>
+                <c:pt idx="0">
+                  <c:v>2001–2004</c:v>
+                </c:pt>
+                <c:pt idx="1">
+                  <c:v>2005–2008</c:v>
+                </c:pt>
+                <c:pt idx="2">
+                  <c:v>2009–2012</c:v>
+                </c:pt>
+                <c:pt idx="3">
+                  <c:v>2013–2016</c:v>
+                </c:pt>
+                <c:pt idx="4">
+                  <c:v>2017–2020</c:v>
+                </c:pt>
+              </c:strCache>
+            </c:strRef>
+          </c:cat>
+          <c:val>
+            <c:numRef>
+              <c:f>Race!$D$2:$D$6</c:f>
+              <c:numCache>
+                <c:formatCode>0.0</c:formatCode>
+                <c:ptCount val="5"/>
+                <c:pt idx="0">
+                  <c:v>16.5</c:v>
+                </c:pt>
+                <c:pt idx="1">
+                  <c:v>17.7</c:v>
+                </c:pt>
+                <c:pt idx="2">
+                  <c:v>17.2</c:v>
+                </c:pt>
+                <c:pt idx="3">
+                  <c:v>17.5</c:v>
+                </c:pt>
+                <c:pt idx="4">
+                  <c:v>18.7</c:v>
+                </c:pt>
+              </c:numCache>
+            </c:numRef>
+          </c:val>
+          <c:smooth val="0"/>
+          <c:extLst>
+            <c:ext xmlns:c16="http://schemas.microsoft.com/office/drawing/2014/chart" uri="{C3380CC4-5D6E-409C-BE32-E72D297353CC}">
+              <c16:uniqueId val="{00000002-C7C0-4C7A-9E83-8938C0289929}"/>
+            </c:ext>
+          </c:extLst>
+        </c:ser>
+        <c:ser>
+          <c:idx val="3"/>
+          <c:order val="3"/>
+          <c:tx>
+            <c:strRef>
+              <c:f>Race!$E$1</c:f>
+              <c:strCache>
+                <c:ptCount val="1"/>
+                <c:pt idx="0">
+                  <c:v>Other</c:v>
+                </c:pt>
+              </c:strCache>
+            </c:strRef>
+          </c:tx>
+          <c:spPr>
+            <a:ln w="44450" cap="rnd">
+              <a:solidFill>
+                <a:schemeClr val="accent4"/>
+              </a:solidFill>
+              <a:round/>
+            </a:ln>
+            <a:effectLst/>
+          </c:spPr>
+          <c:marker>
+            <c:symbol val="circle"/>
+            <c:size val="5"/>
+            <c:spPr>
+              <a:solidFill>
+                <a:schemeClr val="accent4"/>
+              </a:solidFill>
+              <a:ln w="44450">
+                <a:solidFill>
+                  <a:schemeClr val="accent4"/>
+                </a:solidFill>
+              </a:ln>
+              <a:effectLst/>
+            </c:spPr>
+          </c:marker>
+          <c:cat>
+            <c:strRef>
+              <c:f>Race!$A$2:$A$6</c:f>
+              <c:strCache>
+                <c:ptCount val="5"/>
+                <c:pt idx="0">
+                  <c:v>2001–2004</c:v>
+                </c:pt>
+                <c:pt idx="1">
+                  <c:v>2005–2008</c:v>
+                </c:pt>
+                <c:pt idx="2">
+                  <c:v>2009–2012</c:v>
+                </c:pt>
+                <c:pt idx="3">
+                  <c:v>2013–2016</c:v>
+                </c:pt>
+                <c:pt idx="4">
+                  <c:v>2017–2020</c:v>
+                </c:pt>
+              </c:strCache>
+            </c:strRef>
+          </c:cat>
+          <c:val>
+            <c:numRef>
               <c:f>Race!$E$2:$E$6</c:f>
               <c:numCache>
                 <c:formatCode>0.0</c:formatCode>
@@ -2644,7 +4071,7 @@
           <c:smooth val="0"/>
           <c:extLst>
             <c:ext xmlns:c16="http://schemas.microsoft.com/office/drawing/2014/chart" uri="{C3380CC4-5D6E-409C-BE32-E72D297353CC}">
-              <c16:uniqueId val="{00000003-BB2D-4E8A-B080-151F5FBA2E90}"/>
+              <c16:uniqueId val="{00000003-C7C0-4C7A-9E83-8938C0289929}"/>
             </c:ext>
           </c:extLst>
         </c:ser>
@@ -2687,34 +4114,11 @@
               <a:effectLst/>
             </c:spPr>
           </c:marker>
-          <c:cat>
-            <c:strRef>
-              <c:f>Race!$A$2:$A$6</c:f>
-              <c:strCache>
-                <c:ptCount val="5"/>
-                <c:pt idx="0">
-                  <c:v>2001–2004</c:v>
-                </c:pt>
-                <c:pt idx="1">
-                  <c:v>2005–2008</c:v>
-                </c:pt>
-                <c:pt idx="2">
-                  <c:v>2009–2012</c:v>
-                </c:pt>
-                <c:pt idx="3">
-                  <c:v>2013–2016</c:v>
-                </c:pt>
-                <c:pt idx="4">
-                  <c:v>2017–2020</c:v>
-                </c:pt>
-              </c:strCache>
-            </c:strRef>
-          </c:cat>
           <c:val>
             <c:numRef>
               <c:f>Race!$F$2:$F$6</c:f>
               <c:numCache>
-                <c:formatCode>General</c:formatCode>
+                <c:formatCode>0.0</c:formatCode>
                 <c:ptCount val="5"/>
                 <c:pt idx="0">
                   <c:v>12.9</c:v>
@@ -2737,7 +4141,7 @@
           <c:smooth val="0"/>
           <c:extLst>
             <c:ext xmlns:c16="http://schemas.microsoft.com/office/drawing/2014/chart" uri="{C3380CC4-5D6E-409C-BE32-E72D297353CC}">
-              <c16:uniqueId val="{00000004-BB2D-4E8A-B080-151F5FBA2E90}"/>
+              <c16:uniqueId val="{00000004-C7C0-4C7A-9E83-8938C0289929}"/>
             </c:ext>
           </c:extLst>
         </c:ser>
@@ -2785,7 +4189,7 @@
             <a:pPr>
               <a:defRPr sz="2400" b="0" i="0" u="none" strike="noStrike" kern="1200" baseline="0">
                 <a:solidFill>
-                  <a:schemeClr val="tx1"/>
+                  <a:sysClr val="windowText" lastClr="000000"/>
                 </a:solidFill>
                 <a:latin typeface="+mn-lt"/>
                 <a:ea typeface="+mn-ea"/>
@@ -2806,6 +4210,7 @@
         <c:axId val="1467350624"/>
         <c:scaling>
           <c:orientation val="minMax"/>
+          <c:max val="25"/>
         </c:scaling>
         <c:delete val="0"/>
         <c:axPos val="l"/>
@@ -2830,9 +4235,9 @@
               <a:lstStyle/>
               <a:p>
                 <a:pPr>
-                  <a:defRPr sz="2800" b="0" i="0" u="none" strike="noStrike" kern="1200" baseline="0">
+                  <a:defRPr sz="2400" b="0" i="0" u="none" strike="noStrike" kern="1200" baseline="0">
                     <a:solidFill>
-                      <a:schemeClr val="tx1"/>
+                      <a:sysClr val="windowText" lastClr="000000"/>
                     </a:solidFill>
                     <a:latin typeface="+mn-lt"/>
                     <a:ea typeface="+mn-ea"/>
@@ -2840,24 +4245,24 @@
                   </a:defRPr>
                 </a:pPr>
                 <a:r>
-                  <a:rPr lang="en-US" sz="2800">
+                  <a:rPr lang="en-US" sz="2400">
                     <a:solidFill>
-                      <a:schemeClr val="tx1"/>
+                      <a:sysClr val="windowText" lastClr="000000"/>
                     </a:solidFill>
                   </a:rPr>
                   <a:t>CKD</a:t>
                 </a:r>
                 <a:r>
-                  <a:rPr lang="en-US" sz="2800" baseline="0">
+                  <a:rPr lang="en-US" sz="2400" baseline="0">
                     <a:solidFill>
-                      <a:schemeClr val="tx1"/>
+                      <a:sysClr val="windowText" lastClr="000000"/>
                     </a:solidFill>
                   </a:rPr>
                   <a:t> (%)</a:t>
                 </a:r>
-                <a:endParaRPr lang="en-US" sz="2800">
+                <a:endParaRPr lang="en-US" sz="2400">
                   <a:solidFill>
-                    <a:schemeClr val="tx1"/>
+                    <a:sysClr val="windowText" lastClr="000000"/>
                   </a:solidFill>
                 </a:endParaRPr>
               </a:p>
@@ -2867,8 +4272,8 @@
             <c:manualLayout>
               <c:xMode val="edge"/>
               <c:yMode val="edge"/>
-              <c:x val="3.3122119690474224E-3"/>
-              <c:y val="0.27678297467190321"/>
+              <c:x val="0"/>
+              <c:y val="0.33889209904108269"/>
             </c:manualLayout>
           </c:layout>
           <c:overlay val="0"/>
@@ -2884,9 +4289,9 @@
             <a:lstStyle/>
             <a:p>
               <a:pPr>
-                <a:defRPr sz="2800" b="0" i="0" u="none" strike="noStrike" kern="1200" baseline="0">
+                <a:defRPr sz="2400" b="0" i="0" u="none" strike="noStrike" kern="1200" baseline="0">
                   <a:solidFill>
-                    <a:schemeClr val="tx1"/>
+                    <a:sysClr val="windowText" lastClr="000000"/>
                   </a:solidFill>
                   <a:latin typeface="+mn-lt"/>
                   <a:ea typeface="+mn-ea"/>
@@ -2915,7 +4320,7 @@
             <a:pPr>
               <a:defRPr sz="2400" b="0" i="0" u="none" strike="noStrike" kern="1200" baseline="0">
                 <a:solidFill>
-                  <a:schemeClr val="tx1"/>
+                  <a:sysClr val="windowText" lastClr="000000"/>
                 </a:solidFill>
                 <a:latin typeface="+mn-lt"/>
                 <a:ea typeface="+mn-ea"/>
@@ -2944,10 +4349,10 @@
         <c:manualLayout>
           <c:xMode val="edge"/>
           <c:yMode val="edge"/>
-          <c:x val="8.3122089263330146E-2"/>
-          <c:y val="0.89281789953152202"/>
-          <c:w val="0.89999997391959075"/>
-          <c:h val="9.6189641554956878E-2"/>
+          <c:x val="9.6185758322457002E-2"/>
+          <c:y val="0.89974371046316393"/>
+          <c:w val="0.89513776451516291"/>
+          <c:h val="8.9295262031130182E-2"/>
         </c:manualLayout>
       </c:layout>
       <c:overlay val="0"/>
@@ -2963,9 +4368,9 @@
         <a:lstStyle/>
         <a:p>
           <a:pPr>
-            <a:defRPr sz="2400" b="0" i="0" u="none" strike="noStrike" kern="1200" baseline="0">
+            <a:defRPr sz="2200" b="0" i="0" u="none" strike="noStrike" kern="1200" baseline="0">
               <a:solidFill>
-                <a:schemeClr val="tx1"/>
+                <a:sysClr val="windowText" lastClr="000000"/>
               </a:solidFill>
               <a:latin typeface="+mn-lt"/>
               <a:ea typeface="+mn-ea"/>
@@ -2988,9 +4393,12 @@
     <c:showDLblsOverMax val="0"/>
   </c:chart>
   <c:spPr>
-    <a:noFill/>
-    <a:ln>
+    <a:solidFill>
+      <a:schemeClr val="bg1"/>
+    </a:solidFill>
+    <a:ln w="9525" cap="flat" cmpd="sng" algn="ctr">
       <a:noFill/>
+      <a:round/>
     </a:ln>
     <a:effectLst/>
   </c:spPr>
@@ -3010,7 +4418,736 @@
 </c:chartSpace>
 </file>
 
-<file path=ppt/charts/chart6.xml><?xml version="1.0" encoding="utf-8"?>
+<file path=ppt/charts/chart7.xml><?xml version="1.0" encoding="utf-8"?>
+<c:chartSpace xmlns:c="http://schemas.openxmlformats.org/drawingml/2006/chart" xmlns:a="http://schemas.openxmlformats.org/drawingml/2006/main" xmlns:r="http://schemas.openxmlformats.org/officeDocument/2006/relationships" xmlns:c16r2="http://schemas.microsoft.com/office/drawing/2015/06/chart">
+  <c:date1904 val="0"/>
+  <c:lang val="en-US"/>
+  <c:roundedCorners val="0"/>
+  <mc:AlternateContent xmlns:mc="http://schemas.openxmlformats.org/markup-compatibility/2006">
+    <mc:Choice xmlns:c14="http://schemas.microsoft.com/office/drawing/2007/8/2/chart" Requires="c14">
+      <c14:style val="102"/>
+    </mc:Choice>
+    <mc:Fallback>
+      <c:style val="2"/>
+    </mc:Fallback>
+  </mc:AlternateContent>
+  <c:chart>
+    <c:autoTitleDeleted val="1"/>
+    <c:plotArea>
+      <c:layout/>
+      <c:lineChart>
+        <c:grouping val="standard"/>
+        <c:varyColors val="0"/>
+        <c:ser>
+          <c:idx val="0"/>
+          <c:order val="0"/>
+          <c:tx>
+            <c:strRef>
+              <c:f>Race!$B$26</c:f>
+              <c:strCache>
+                <c:ptCount val="1"/>
+                <c:pt idx="0">
+                  <c:v>Hispanic</c:v>
+                </c:pt>
+              </c:strCache>
+            </c:strRef>
+          </c:tx>
+          <c:spPr>
+            <a:ln w="44450" cap="rnd">
+              <a:solidFill>
+                <a:schemeClr val="accent1"/>
+              </a:solidFill>
+              <a:round/>
+            </a:ln>
+            <a:effectLst/>
+          </c:spPr>
+          <c:marker>
+            <c:symbol val="circle"/>
+            <c:size val="5"/>
+            <c:spPr>
+              <a:solidFill>
+                <a:schemeClr val="accent1"/>
+              </a:solidFill>
+              <a:ln w="44450">
+                <a:solidFill>
+                  <a:schemeClr val="accent1"/>
+                </a:solidFill>
+              </a:ln>
+              <a:effectLst/>
+            </c:spPr>
+          </c:marker>
+          <c:cat>
+            <c:strRef>
+              <c:f>Race!$A$27:$A$31</c:f>
+              <c:strCache>
+                <c:ptCount val="5"/>
+                <c:pt idx="0">
+                  <c:v>2001–2004</c:v>
+                </c:pt>
+                <c:pt idx="1">
+                  <c:v>2005–2008</c:v>
+                </c:pt>
+                <c:pt idx="2">
+                  <c:v>2009–2012</c:v>
+                </c:pt>
+                <c:pt idx="3">
+                  <c:v>2013–2016</c:v>
+                </c:pt>
+                <c:pt idx="4">
+                  <c:v>2017–2020</c:v>
+                </c:pt>
+              </c:strCache>
+            </c:strRef>
+          </c:cat>
+          <c:val>
+            <c:numRef>
+              <c:f>Race!$B$27:$B$31</c:f>
+              <c:numCache>
+                <c:formatCode>0.0</c:formatCode>
+                <c:ptCount val="5"/>
+                <c:pt idx="0">
+                  <c:v>15.3</c:v>
+                </c:pt>
+                <c:pt idx="1">
+                  <c:v>15.8</c:v>
+                </c:pt>
+                <c:pt idx="2">
+                  <c:v>15.1</c:v>
+                </c:pt>
+                <c:pt idx="3">
+                  <c:v>14.3</c:v>
+                </c:pt>
+                <c:pt idx="4">
+                  <c:v>14</c:v>
+                </c:pt>
+              </c:numCache>
+            </c:numRef>
+          </c:val>
+          <c:smooth val="0"/>
+          <c:extLst>
+            <c:ext xmlns:c16="http://schemas.microsoft.com/office/drawing/2014/chart" uri="{C3380CC4-5D6E-409C-BE32-E72D297353CC}">
+              <c16:uniqueId val="{00000000-CD30-4CAE-B3B5-ECBFFB242DB1}"/>
+            </c:ext>
+          </c:extLst>
+        </c:ser>
+        <c:ser>
+          <c:idx val="1"/>
+          <c:order val="1"/>
+          <c:tx>
+            <c:strRef>
+              <c:f>Race!$C$26</c:f>
+              <c:strCache>
+                <c:ptCount val="1"/>
+                <c:pt idx="0">
+                  <c:v>Non-Hispanic White</c:v>
+                </c:pt>
+              </c:strCache>
+            </c:strRef>
+          </c:tx>
+          <c:spPr>
+            <a:ln w="44450" cap="rnd">
+              <a:solidFill>
+                <a:schemeClr val="accent2"/>
+              </a:solidFill>
+              <a:round/>
+            </a:ln>
+            <a:effectLst/>
+          </c:spPr>
+          <c:marker>
+            <c:symbol val="circle"/>
+            <c:size val="5"/>
+            <c:spPr>
+              <a:solidFill>
+                <a:schemeClr val="accent2"/>
+              </a:solidFill>
+              <a:ln w="44450">
+                <a:solidFill>
+                  <a:schemeClr val="accent2"/>
+                </a:solidFill>
+              </a:ln>
+              <a:effectLst/>
+            </c:spPr>
+          </c:marker>
+          <c:cat>
+            <c:strRef>
+              <c:f>Race!$A$27:$A$31</c:f>
+              <c:strCache>
+                <c:ptCount val="5"/>
+                <c:pt idx="0">
+                  <c:v>2001–2004</c:v>
+                </c:pt>
+                <c:pt idx="1">
+                  <c:v>2005–2008</c:v>
+                </c:pt>
+                <c:pt idx="2">
+                  <c:v>2009–2012</c:v>
+                </c:pt>
+                <c:pt idx="3">
+                  <c:v>2013–2016</c:v>
+                </c:pt>
+                <c:pt idx="4">
+                  <c:v>2017–2020</c:v>
+                </c:pt>
+              </c:strCache>
+            </c:strRef>
+          </c:cat>
+          <c:val>
+            <c:numRef>
+              <c:f>Race!$C$27:$C$31</c:f>
+              <c:numCache>
+                <c:formatCode>0.0</c:formatCode>
+                <c:ptCount val="5"/>
+                <c:pt idx="0">
+                  <c:v>12.5</c:v>
+                </c:pt>
+                <c:pt idx="1">
+                  <c:v>12.4</c:v>
+                </c:pt>
+                <c:pt idx="2">
+                  <c:v>11.2</c:v>
+                </c:pt>
+                <c:pt idx="3">
+                  <c:v>12.7</c:v>
+                </c:pt>
+                <c:pt idx="4">
+                  <c:v>11.9</c:v>
+                </c:pt>
+              </c:numCache>
+            </c:numRef>
+          </c:val>
+          <c:smooth val="0"/>
+          <c:extLst>
+            <c:ext xmlns:c16="http://schemas.microsoft.com/office/drawing/2014/chart" uri="{C3380CC4-5D6E-409C-BE32-E72D297353CC}">
+              <c16:uniqueId val="{00000001-CD30-4CAE-B3B5-ECBFFB242DB1}"/>
+            </c:ext>
+          </c:extLst>
+        </c:ser>
+        <c:ser>
+          <c:idx val="2"/>
+          <c:order val="2"/>
+          <c:tx>
+            <c:strRef>
+              <c:f>Race!$D$26</c:f>
+              <c:strCache>
+                <c:ptCount val="1"/>
+                <c:pt idx="0">
+                  <c:v>Non-Hispanic Black</c:v>
+                </c:pt>
+              </c:strCache>
+            </c:strRef>
+          </c:tx>
+          <c:spPr>
+            <a:ln w="44450" cap="rnd">
+              <a:solidFill>
+                <a:schemeClr val="accent3"/>
+              </a:solidFill>
+              <a:round/>
+            </a:ln>
+            <a:effectLst/>
+          </c:spPr>
+          <c:marker>
+            <c:symbol val="circle"/>
+            <c:size val="5"/>
+            <c:spPr>
+              <a:solidFill>
+                <a:schemeClr val="accent3"/>
+              </a:solidFill>
+              <a:ln w="44450">
+                <a:solidFill>
+                  <a:schemeClr val="accent3"/>
+                </a:solidFill>
+              </a:ln>
+              <a:effectLst/>
+            </c:spPr>
+          </c:marker>
+          <c:cat>
+            <c:strRef>
+              <c:f>Race!$A$27:$A$31</c:f>
+              <c:strCache>
+                <c:ptCount val="5"/>
+                <c:pt idx="0">
+                  <c:v>2001–2004</c:v>
+                </c:pt>
+                <c:pt idx="1">
+                  <c:v>2005–2008</c:v>
+                </c:pt>
+                <c:pt idx="2">
+                  <c:v>2009–2012</c:v>
+                </c:pt>
+                <c:pt idx="3">
+                  <c:v>2013–2016</c:v>
+                </c:pt>
+                <c:pt idx="4">
+                  <c:v>2017–2020</c:v>
+                </c:pt>
+              </c:strCache>
+            </c:strRef>
+          </c:cat>
+          <c:val>
+            <c:numRef>
+              <c:f>Race!$D$27:$D$31</c:f>
+              <c:numCache>
+                <c:formatCode>0.0</c:formatCode>
+                <c:ptCount val="5"/>
+                <c:pt idx="0">
+                  <c:v>20.7</c:v>
+                </c:pt>
+                <c:pt idx="1">
+                  <c:v>21.2</c:v>
+                </c:pt>
+                <c:pt idx="2">
+                  <c:v>20.2</c:v>
+                </c:pt>
+                <c:pt idx="3">
+                  <c:v>19.399999999999999</c:v>
+                </c:pt>
+                <c:pt idx="4">
+                  <c:v>19.899999999999999</c:v>
+                </c:pt>
+              </c:numCache>
+            </c:numRef>
+          </c:val>
+          <c:smooth val="0"/>
+          <c:extLst>
+            <c:ext xmlns:c16="http://schemas.microsoft.com/office/drawing/2014/chart" uri="{C3380CC4-5D6E-409C-BE32-E72D297353CC}">
+              <c16:uniqueId val="{00000002-CD30-4CAE-B3B5-ECBFFB242DB1}"/>
+            </c:ext>
+          </c:extLst>
+        </c:ser>
+        <c:ser>
+          <c:idx val="3"/>
+          <c:order val="3"/>
+          <c:tx>
+            <c:strRef>
+              <c:f>Race!$E$26</c:f>
+              <c:strCache>
+                <c:ptCount val="1"/>
+                <c:pt idx="0">
+                  <c:v>Other</c:v>
+                </c:pt>
+              </c:strCache>
+            </c:strRef>
+          </c:tx>
+          <c:spPr>
+            <a:ln w="44450" cap="rnd">
+              <a:solidFill>
+                <a:schemeClr val="accent4"/>
+              </a:solidFill>
+              <a:round/>
+            </a:ln>
+            <a:effectLst/>
+          </c:spPr>
+          <c:marker>
+            <c:symbol val="circle"/>
+            <c:size val="5"/>
+            <c:spPr>
+              <a:solidFill>
+                <a:schemeClr val="accent4"/>
+              </a:solidFill>
+              <a:ln w="44450">
+                <a:solidFill>
+                  <a:schemeClr val="accent4"/>
+                </a:solidFill>
+              </a:ln>
+              <a:effectLst/>
+            </c:spPr>
+          </c:marker>
+          <c:cat>
+            <c:strRef>
+              <c:f>Race!$A$27:$A$31</c:f>
+              <c:strCache>
+                <c:ptCount val="5"/>
+                <c:pt idx="0">
+                  <c:v>2001–2004</c:v>
+                </c:pt>
+                <c:pt idx="1">
+                  <c:v>2005–2008</c:v>
+                </c:pt>
+                <c:pt idx="2">
+                  <c:v>2009–2012</c:v>
+                </c:pt>
+                <c:pt idx="3">
+                  <c:v>2013–2016</c:v>
+                </c:pt>
+                <c:pt idx="4">
+                  <c:v>2017–2020</c:v>
+                </c:pt>
+              </c:strCache>
+            </c:strRef>
+          </c:cat>
+          <c:val>
+            <c:numRef>
+              <c:f>Race!$E$27:$E$31</c:f>
+              <c:numCache>
+                <c:formatCode>0.0</c:formatCode>
+                <c:ptCount val="5"/>
+                <c:pt idx="0">
+                  <c:v>17.8</c:v>
+                </c:pt>
+                <c:pt idx="1">
+                  <c:v>14.6</c:v>
+                </c:pt>
+                <c:pt idx="2">
+                  <c:v>14.1</c:v>
+                </c:pt>
+                <c:pt idx="3">
+                  <c:v>13</c:v>
+                </c:pt>
+                <c:pt idx="4">
+                  <c:v>14.3</c:v>
+                </c:pt>
+              </c:numCache>
+            </c:numRef>
+          </c:val>
+          <c:smooth val="0"/>
+          <c:extLst>
+            <c:ext xmlns:c16="http://schemas.microsoft.com/office/drawing/2014/chart" uri="{C3380CC4-5D6E-409C-BE32-E72D297353CC}">
+              <c16:uniqueId val="{00000003-CD30-4CAE-B3B5-ECBFFB242DB1}"/>
+            </c:ext>
+          </c:extLst>
+        </c:ser>
+        <c:ser>
+          <c:idx val="4"/>
+          <c:order val="4"/>
+          <c:tx>
+            <c:strRef>
+              <c:f>Race!$F$26</c:f>
+              <c:strCache>
+                <c:ptCount val="1"/>
+                <c:pt idx="0">
+                  <c:v>Overall</c:v>
+                </c:pt>
+              </c:strCache>
+            </c:strRef>
+          </c:tx>
+          <c:spPr>
+            <a:ln w="44450" cap="rnd">
+              <a:solidFill>
+                <a:schemeClr val="tx1"/>
+              </a:solidFill>
+              <a:prstDash val="sysDash"/>
+              <a:round/>
+            </a:ln>
+            <a:effectLst/>
+          </c:spPr>
+          <c:marker>
+            <c:symbol val="circle"/>
+            <c:size val="5"/>
+            <c:spPr>
+              <a:solidFill>
+                <a:schemeClr val="tx1"/>
+              </a:solidFill>
+              <a:ln w="44450">
+                <a:solidFill>
+                  <a:schemeClr val="tx1"/>
+                </a:solidFill>
+              </a:ln>
+              <a:effectLst/>
+            </c:spPr>
+          </c:marker>
+          <c:val>
+            <c:numRef>
+              <c:f>Race!$F$27:$F$31</c:f>
+              <c:numCache>
+                <c:formatCode>0.0</c:formatCode>
+                <c:ptCount val="5"/>
+                <c:pt idx="0">
+                  <c:v>13.9</c:v>
+                </c:pt>
+                <c:pt idx="1">
+                  <c:v>13.7</c:v>
+                </c:pt>
+                <c:pt idx="2">
+                  <c:v>12.7</c:v>
+                </c:pt>
+                <c:pt idx="3">
+                  <c:v>13.7</c:v>
+                </c:pt>
+                <c:pt idx="4">
+                  <c:v>13.3</c:v>
+                </c:pt>
+              </c:numCache>
+            </c:numRef>
+          </c:val>
+          <c:smooth val="0"/>
+          <c:extLst>
+            <c:ext xmlns:c16="http://schemas.microsoft.com/office/drawing/2014/chart" uri="{C3380CC4-5D6E-409C-BE32-E72D297353CC}">
+              <c16:uniqueId val="{00000004-CD30-4CAE-B3B5-ECBFFB242DB1}"/>
+            </c:ext>
+          </c:extLst>
+        </c:ser>
+        <c:dLbls>
+          <c:showLegendKey val="0"/>
+          <c:showVal val="0"/>
+          <c:showCatName val="0"/>
+          <c:showSerName val="0"/>
+          <c:showPercent val="0"/>
+          <c:showBubbleSize val="0"/>
+        </c:dLbls>
+        <c:marker val="1"/>
+        <c:smooth val="0"/>
+        <c:axId val="1257259696"/>
+        <c:axId val="1257260528"/>
+      </c:lineChart>
+      <c:catAx>
+        <c:axId val="1257259696"/>
+        <c:scaling>
+          <c:orientation val="minMax"/>
+        </c:scaling>
+        <c:delete val="0"/>
+        <c:axPos val="b"/>
+        <c:numFmt formatCode="General" sourceLinked="1"/>
+        <c:majorTickMark val="none"/>
+        <c:minorTickMark val="none"/>
+        <c:tickLblPos val="nextTo"/>
+        <c:spPr>
+          <a:noFill/>
+          <a:ln w="9525" cap="flat" cmpd="sng" algn="ctr">
+            <a:solidFill>
+              <a:schemeClr val="tx1">
+                <a:lumMod val="15000"/>
+                <a:lumOff val="85000"/>
+              </a:schemeClr>
+            </a:solidFill>
+            <a:round/>
+          </a:ln>
+          <a:effectLst/>
+        </c:spPr>
+        <c:txPr>
+          <a:bodyPr rot="-60000000" spcFirstLastPara="1" vertOverflow="ellipsis" vert="horz" wrap="square" anchor="ctr" anchorCtr="1"/>
+          <a:lstStyle/>
+          <a:p>
+            <a:pPr>
+              <a:defRPr sz="2400" b="0" i="0" u="none" strike="noStrike" kern="1200" baseline="0">
+                <a:solidFill>
+                  <a:sysClr val="windowText" lastClr="000000"/>
+                </a:solidFill>
+                <a:latin typeface="+mn-lt"/>
+                <a:ea typeface="+mn-ea"/>
+                <a:cs typeface="+mn-cs"/>
+              </a:defRPr>
+            </a:pPr>
+            <a:endParaRPr lang="en-US"/>
+          </a:p>
+        </c:txPr>
+        <c:crossAx val="1257260528"/>
+        <c:crosses val="autoZero"/>
+        <c:auto val="1"/>
+        <c:lblAlgn val="ctr"/>
+        <c:lblOffset val="100"/>
+        <c:noMultiLvlLbl val="0"/>
+      </c:catAx>
+      <c:valAx>
+        <c:axId val="1257260528"/>
+        <c:scaling>
+          <c:orientation val="minMax"/>
+        </c:scaling>
+        <c:delete val="0"/>
+        <c:axPos val="l"/>
+        <c:majorGridlines>
+          <c:spPr>
+            <a:ln w="9525" cap="flat" cmpd="sng" algn="ctr">
+              <a:solidFill>
+                <a:schemeClr val="tx1">
+                  <a:lumMod val="15000"/>
+                  <a:lumOff val="85000"/>
+                </a:schemeClr>
+              </a:solidFill>
+              <a:round/>
+            </a:ln>
+            <a:effectLst/>
+          </c:spPr>
+        </c:majorGridlines>
+        <c:title>
+          <c:tx>
+            <c:rich>
+              <a:bodyPr rot="-5400000" spcFirstLastPara="1" vertOverflow="ellipsis" vert="horz" wrap="square" anchor="ctr" anchorCtr="1"/>
+              <a:lstStyle/>
+              <a:p>
+                <a:pPr>
+                  <a:defRPr sz="2400" b="0" i="0" u="none" strike="noStrike" kern="1200" baseline="0">
+                    <a:solidFill>
+                      <a:sysClr val="windowText" lastClr="000000"/>
+                    </a:solidFill>
+                    <a:latin typeface="+mn-lt"/>
+                    <a:ea typeface="+mn-ea"/>
+                    <a:cs typeface="+mn-cs"/>
+                  </a:defRPr>
+                </a:pPr>
+                <a:r>
+                  <a:rPr lang="en-US" sz="2400">
+                    <a:solidFill>
+                      <a:sysClr val="windowText" lastClr="000000"/>
+                    </a:solidFill>
+                  </a:rPr>
+                  <a:t>CKD</a:t>
+                </a:r>
+                <a:r>
+                  <a:rPr lang="en-US" sz="2400" baseline="0">
+                    <a:solidFill>
+                      <a:sysClr val="windowText" lastClr="000000"/>
+                    </a:solidFill>
+                  </a:rPr>
+                  <a:t> (%)</a:t>
+                </a:r>
+                <a:endParaRPr lang="en-US" sz="2400">
+                  <a:solidFill>
+                    <a:sysClr val="windowText" lastClr="000000"/>
+                  </a:solidFill>
+                </a:endParaRPr>
+              </a:p>
+            </c:rich>
+          </c:tx>
+          <c:layout>
+            <c:manualLayout>
+              <c:xMode val="edge"/>
+              <c:yMode val="edge"/>
+              <c:x val="0"/>
+              <c:y val="0.33889209904108269"/>
+            </c:manualLayout>
+          </c:layout>
+          <c:overlay val="0"/>
+          <c:spPr>
+            <a:noFill/>
+            <a:ln>
+              <a:noFill/>
+            </a:ln>
+            <a:effectLst/>
+          </c:spPr>
+          <c:txPr>
+            <a:bodyPr rot="-5400000" spcFirstLastPara="1" vertOverflow="ellipsis" vert="horz" wrap="square" anchor="ctr" anchorCtr="1"/>
+            <a:lstStyle/>
+            <a:p>
+              <a:pPr>
+                <a:defRPr sz="2400" b="0" i="0" u="none" strike="noStrike" kern="1200" baseline="0">
+                  <a:solidFill>
+                    <a:sysClr val="windowText" lastClr="000000"/>
+                  </a:solidFill>
+                  <a:latin typeface="+mn-lt"/>
+                  <a:ea typeface="+mn-ea"/>
+                  <a:cs typeface="+mn-cs"/>
+                </a:defRPr>
+              </a:pPr>
+              <a:endParaRPr lang="en-US"/>
+            </a:p>
+          </c:txPr>
+        </c:title>
+        <c:numFmt formatCode="0" sourceLinked="0"/>
+        <c:majorTickMark val="none"/>
+        <c:minorTickMark val="none"/>
+        <c:tickLblPos val="nextTo"/>
+        <c:spPr>
+          <a:noFill/>
+          <a:ln>
+            <a:noFill/>
+          </a:ln>
+          <a:effectLst/>
+        </c:spPr>
+        <c:txPr>
+          <a:bodyPr rot="-60000000" spcFirstLastPara="1" vertOverflow="ellipsis" vert="horz" wrap="square" anchor="ctr" anchorCtr="1"/>
+          <a:lstStyle/>
+          <a:p>
+            <a:pPr>
+              <a:defRPr sz="2400" b="0" i="0" u="none" strike="noStrike" kern="1200" baseline="0">
+                <a:solidFill>
+                  <a:sysClr val="windowText" lastClr="000000"/>
+                </a:solidFill>
+                <a:latin typeface="+mn-lt"/>
+                <a:ea typeface="+mn-ea"/>
+                <a:cs typeface="+mn-cs"/>
+              </a:defRPr>
+            </a:pPr>
+            <a:endParaRPr lang="en-US"/>
+          </a:p>
+        </c:txPr>
+        <c:crossAx val="1257259696"/>
+        <c:crosses val="autoZero"/>
+        <c:crossBetween val="between"/>
+      </c:valAx>
+      <c:spPr>
+        <a:noFill/>
+        <a:ln>
+          <a:noFill/>
+        </a:ln>
+        <a:effectLst/>
+      </c:spPr>
+    </c:plotArea>
+    <c:legend>
+      <c:legendPos val="b"/>
+      <c:layout>
+        <c:manualLayout>
+          <c:xMode val="edge"/>
+          <c:yMode val="edge"/>
+          <c:x val="9.4832208834962128E-2"/>
+          <c:y val="0.90248396733959035"/>
+          <c:w val="0.89813818683153168"/>
+          <c:h val="8.9295262031130182E-2"/>
+        </c:manualLayout>
+      </c:layout>
+      <c:overlay val="0"/>
+      <c:spPr>
+        <a:noFill/>
+        <a:ln>
+          <a:noFill/>
+        </a:ln>
+        <a:effectLst/>
+      </c:spPr>
+      <c:txPr>
+        <a:bodyPr rot="0" spcFirstLastPara="1" vertOverflow="ellipsis" vert="horz" wrap="square" anchor="ctr" anchorCtr="1"/>
+        <a:lstStyle/>
+        <a:p>
+          <a:pPr>
+            <a:defRPr sz="2200" b="0" i="0" u="none" strike="noStrike" kern="1200" baseline="0">
+              <a:solidFill>
+                <a:sysClr val="windowText" lastClr="000000"/>
+              </a:solidFill>
+              <a:latin typeface="+mn-lt"/>
+              <a:ea typeface="+mn-ea"/>
+              <a:cs typeface="+mn-cs"/>
+            </a:defRPr>
+          </a:pPr>
+          <a:endParaRPr lang="en-US"/>
+        </a:p>
+      </c:txPr>
+    </c:legend>
+    <c:plotVisOnly val="1"/>
+    <c:dispBlanksAs val="gap"/>
+    <c:extLst>
+      <c:ext xmlns:c16r3="http://schemas.microsoft.com/office/drawing/2017/03/chart" uri="{56B9EC1D-385E-4148-901F-78D8002777C0}">
+        <c16r3:dataDisplayOptions16>
+          <c16r3:dispNaAsBlank val="1"/>
+        </c16r3:dataDisplayOptions16>
+      </c:ext>
+    </c:extLst>
+    <c:showDLblsOverMax val="0"/>
+  </c:chart>
+  <c:spPr>
+    <a:solidFill>
+      <a:schemeClr val="bg1"/>
+    </a:solidFill>
+    <a:ln w="9525" cap="flat" cmpd="sng" algn="ctr">
+      <a:noFill/>
+      <a:round/>
+    </a:ln>
+    <a:effectLst/>
+  </c:spPr>
+  <c:txPr>
+    <a:bodyPr/>
+    <a:lstStyle/>
+    <a:p>
+      <a:pPr>
+        <a:defRPr/>
+      </a:pPr>
+      <a:endParaRPr lang="en-US"/>
+    </a:p>
+  </c:txPr>
+  <c:externalData r:id="rId3">
+    <c:autoUpdate val="0"/>
+  </c:externalData>
+</c:chartSpace>
+</file>
+
+<file path=ppt/charts/chart8.xml><?xml version="1.0" encoding="utf-8"?>
 <c:chartSpace xmlns:c="http://schemas.openxmlformats.org/drawingml/2006/chart" xmlns:a="http://schemas.openxmlformats.org/drawingml/2006/main" xmlns:r="http://schemas.openxmlformats.org/officeDocument/2006/relationships" xmlns:c16r2="http://schemas.microsoft.com/office/drawing/2015/06/chart">
   <c:date1904 val="0"/>
   <c:lang val="en-US"/>
@@ -3047,7 +5184,7 @@
           <c:spPr>
             <a:ln w="44450" cap="rnd">
               <a:solidFill>
-                <a:srgbClr val="7030A0"/>
+                <a:schemeClr val="accent1"/>
               </a:solidFill>
               <a:round/>
             </a:ln>
@@ -3058,11 +5195,11 @@
             <c:size val="5"/>
             <c:spPr>
               <a:solidFill>
-                <a:srgbClr val="7030A0"/>
+                <a:schemeClr val="accent1"/>
               </a:solidFill>
               <a:ln w="44450">
                 <a:solidFill>
-                  <a:srgbClr val="7030A0"/>
+                  <a:schemeClr val="accent1"/>
                 </a:solidFill>
               </a:ln>
               <a:effectLst/>
@@ -3110,7 +5247,7 @@
                   <c:v>33.4</c:v>
                 </c:pt>
                 <c:pt idx="4">
-                  <c:v>37.1</c:v>
+                  <c:v>37</c:v>
                 </c:pt>
               </c:numCache>
             </c:numRef>
@@ -3118,7 +5255,7 @@
           <c:smooth val="0"/>
           <c:extLst>
             <c:ext xmlns:c16="http://schemas.microsoft.com/office/drawing/2014/chart" uri="{C3380CC4-5D6E-409C-BE32-E72D297353CC}">
-              <c16:uniqueId val="{00000000-AE87-4283-AD1A-3D067C5F2029}"/>
+              <c16:uniqueId val="{00000000-3DC4-4F2B-AB6A-DEC0CC646E94}"/>
             </c:ext>
           </c:extLst>
         </c:ser>
@@ -3139,7 +5276,7 @@
           <c:spPr>
             <a:ln w="44450" cap="rnd">
               <a:solidFill>
-                <a:srgbClr val="008080"/>
+                <a:schemeClr val="accent2"/>
               </a:solidFill>
               <a:round/>
             </a:ln>
@@ -3150,11 +5287,11 @@
             <c:size val="5"/>
             <c:spPr>
               <a:solidFill>
-                <a:srgbClr val="008080"/>
+                <a:schemeClr val="accent2"/>
               </a:solidFill>
               <a:ln w="44450">
                 <a:solidFill>
-                  <a:srgbClr val="008080"/>
+                  <a:schemeClr val="accent2"/>
                 </a:solidFill>
               </a:ln>
               <a:effectLst/>
@@ -3210,7 +5347,7 @@
           <c:smooth val="0"/>
           <c:extLst>
             <c:ext xmlns:c16="http://schemas.microsoft.com/office/drawing/2014/chart" uri="{C3380CC4-5D6E-409C-BE32-E72D297353CC}">
-              <c16:uniqueId val="{00000001-AE87-4283-AD1A-3D067C5F2029}"/>
+              <c16:uniqueId val="{00000001-3DC4-4F2B-AB6A-DEC0CC646E94}"/>
             </c:ext>
           </c:extLst>
         </c:ser>
@@ -3253,34 +5390,11 @@
               <a:effectLst/>
             </c:spPr>
           </c:marker>
-          <c:cat>
-            <c:strRef>
-              <c:f>Diabetes!$A$2:$A$6</c:f>
-              <c:strCache>
-                <c:ptCount val="5"/>
-                <c:pt idx="0">
-                  <c:v>2001–2004</c:v>
-                </c:pt>
-                <c:pt idx="1">
-                  <c:v>2005–2008</c:v>
-                </c:pt>
-                <c:pt idx="2">
-                  <c:v>2009–2012</c:v>
-                </c:pt>
-                <c:pt idx="3">
-                  <c:v>2013–2016</c:v>
-                </c:pt>
-                <c:pt idx="4">
-                  <c:v>2017–2020</c:v>
-                </c:pt>
-              </c:strCache>
-            </c:strRef>
-          </c:cat>
           <c:val>
             <c:numRef>
               <c:f>Diabetes!$D$2:$D$6</c:f>
               <c:numCache>
-                <c:formatCode>General</c:formatCode>
+                <c:formatCode>0.0</c:formatCode>
                 <c:ptCount val="5"/>
                 <c:pt idx="0">
                   <c:v>12.9</c:v>
@@ -3303,7 +5417,7 @@
           <c:smooth val="0"/>
           <c:extLst>
             <c:ext xmlns:c16="http://schemas.microsoft.com/office/drawing/2014/chart" uri="{C3380CC4-5D6E-409C-BE32-E72D297353CC}">
-              <c16:uniqueId val="{00000002-AE87-4283-AD1A-3D067C5F2029}"/>
+              <c16:uniqueId val="{00000002-3DC4-4F2B-AB6A-DEC0CC646E94}"/>
             </c:ext>
           </c:extLst>
         </c:ser>
@@ -3351,7 +5465,7 @@
             <a:pPr>
               <a:defRPr sz="2400" b="0" i="0" u="none" strike="noStrike" kern="1200" baseline="0">
                 <a:solidFill>
-                  <a:schemeClr val="tx1"/>
+                  <a:sysClr val="windowText" lastClr="000000"/>
                 </a:solidFill>
                 <a:latin typeface="+mn-lt"/>
                 <a:ea typeface="+mn-ea"/>
@@ -3396,9 +5510,9 @@
               <a:lstStyle/>
               <a:p>
                 <a:pPr>
-                  <a:defRPr sz="2800" b="0" i="0" u="none" strike="noStrike" kern="1200" baseline="0">
+                  <a:defRPr sz="2400" b="0" i="0" u="none" strike="noStrike" kern="1200" baseline="0">
                     <a:solidFill>
-                      <a:schemeClr val="tx1"/>
+                      <a:sysClr val="windowText" lastClr="000000"/>
                     </a:solidFill>
                     <a:latin typeface="+mn-lt"/>
                     <a:ea typeface="+mn-ea"/>
@@ -3406,24 +5520,24 @@
                   </a:defRPr>
                 </a:pPr>
                 <a:r>
-                  <a:rPr lang="en-US" sz="2800">
+                  <a:rPr lang="en-US" sz="2400">
                     <a:solidFill>
-                      <a:schemeClr val="tx1"/>
+                      <a:sysClr val="windowText" lastClr="000000"/>
                     </a:solidFill>
                   </a:rPr>
                   <a:t>CKD</a:t>
                 </a:r>
                 <a:r>
-                  <a:rPr lang="en-US" sz="2800" baseline="0">
+                  <a:rPr lang="en-US" sz="2400" baseline="0">
                     <a:solidFill>
-                      <a:schemeClr val="tx1"/>
+                      <a:sysClr val="windowText" lastClr="000000"/>
                     </a:solidFill>
                   </a:rPr>
                   <a:t> (%)</a:t>
                 </a:r>
-                <a:endParaRPr lang="en-US" sz="2800">
+                <a:endParaRPr lang="en-US" sz="2400">
                   <a:solidFill>
-                    <a:schemeClr val="tx1"/>
+                    <a:sysClr val="windowText" lastClr="000000"/>
                   </a:solidFill>
                 </a:endParaRPr>
               </a:p>
@@ -3433,8 +5547,8 @@
             <c:manualLayout>
               <c:xMode val="edge"/>
               <c:yMode val="edge"/>
-              <c:x val="4.3909888610639261E-3"/>
-              <c:y val="0.27889728039638045"/>
+              <c:x val="0"/>
+              <c:y val="0.33583703095359774"/>
             </c:manualLayout>
           </c:layout>
           <c:overlay val="0"/>
@@ -3450,9 +5564,9 @@
             <a:lstStyle/>
             <a:p>
               <a:pPr>
-                <a:defRPr sz="2800" b="0" i="0" u="none" strike="noStrike" kern="1200" baseline="0">
+                <a:defRPr sz="2400" b="0" i="0" u="none" strike="noStrike" kern="1200" baseline="0">
                   <a:solidFill>
-                    <a:schemeClr val="tx1"/>
+                    <a:sysClr val="windowText" lastClr="000000"/>
                   </a:solidFill>
                   <a:latin typeface="+mn-lt"/>
                   <a:ea typeface="+mn-ea"/>
@@ -3479,9 +5593,9 @@
           <a:lstStyle/>
           <a:p>
             <a:pPr>
-              <a:defRPr sz="2400" b="0" i="0" u="none" strike="noStrike" kern="1200" baseline="0">
+              <a:defRPr sz="2250" b="0" i="0" u="none" strike="noStrike" kern="1200" baseline="0">
                 <a:solidFill>
-                  <a:schemeClr val="tx1"/>
+                  <a:sysClr val="windowText" lastClr="000000"/>
                 </a:solidFill>
                 <a:latin typeface="+mn-lt"/>
                 <a:ea typeface="+mn-ea"/>
@@ -3505,16 +5619,6 @@
     </c:plotArea>
     <c:legend>
       <c:legendPos val="b"/>
-      <c:layout>
-        <c:manualLayout>
-          <c:xMode val="edge"/>
-          <c:yMode val="edge"/>
-          <c:x val="0.25696507642567973"/>
-          <c:y val="0.89250966450800318"/>
-          <c:w val="0.48606976071185193"/>
-          <c:h val="9.6466264389342415E-2"/>
-        </c:manualLayout>
-      </c:layout>
       <c:overlay val="0"/>
       <c:spPr>
         <a:noFill/>
@@ -3528,9 +5632,9 @@
         <a:lstStyle/>
         <a:p>
           <a:pPr>
-            <a:defRPr sz="2400" b="0" i="0" u="none" strike="noStrike" kern="1200" baseline="0">
+            <a:defRPr sz="2200" b="0" i="0" u="none" strike="noStrike" kern="1200" baseline="0">
               <a:solidFill>
-                <a:schemeClr val="tx1"/>
+                <a:sysClr val="windowText" lastClr="000000"/>
               </a:solidFill>
               <a:latin typeface="+mn-lt"/>
               <a:ea typeface="+mn-ea"/>
@@ -3553,9 +5657,12 @@
     <c:showDLblsOverMax val="0"/>
   </c:chart>
   <c:spPr>
-    <a:noFill/>
-    <a:ln>
+    <a:solidFill>
+      <a:schemeClr val="bg1"/>
+    </a:solidFill>
+    <a:ln w="9525" cap="flat" cmpd="sng" algn="ctr">
       <a:noFill/>
+      <a:round/>
     </a:ln>
     <a:effectLst/>
   </c:spPr>
@@ -3575,7 +5682,7 @@
 </c:chartSpace>
 </file>
 
-<file path=ppt/charts/chart7.xml><?xml version="1.0" encoding="utf-8"?>
+<file path=ppt/charts/chart9.xml><?xml version="1.0" encoding="utf-8"?>
 <c:chartSpace xmlns:c="http://schemas.openxmlformats.org/drawingml/2006/chart" xmlns:a="http://schemas.openxmlformats.org/drawingml/2006/main" xmlns:r="http://schemas.openxmlformats.org/officeDocument/2006/relationships" xmlns:c16r2="http://schemas.microsoft.com/office/drawing/2015/06/chart">
   <c:date1904 val="0"/>
   <c:lang val="en-US"/>
@@ -3600,11 +5707,11 @@
           <c:order val="0"/>
           <c:tx>
             <c:strRef>
-              <c:f>Hypertension!$B$1</c:f>
+              <c:f>Diabetes!$B$25</c:f>
               <c:strCache>
                 <c:ptCount val="1"/>
                 <c:pt idx="0">
-                  <c:v>Hypertension</c:v>
+                  <c:v>Diabetes</c:v>
                 </c:pt>
               </c:strCache>
             </c:strRef>
@@ -3612,9 +5719,7 @@
           <c:spPr>
             <a:ln w="44450" cap="rnd">
               <a:solidFill>
-                <a:schemeClr val="bg2">
-                  <a:lumMod val="75000"/>
-                </a:schemeClr>
+                <a:schemeClr val="accent1"/>
               </a:solidFill>
               <a:round/>
             </a:ln>
@@ -3625,15 +5730,11 @@
             <c:size val="5"/>
             <c:spPr>
               <a:solidFill>
-                <a:schemeClr val="bg2">
-                  <a:lumMod val="75000"/>
-                </a:schemeClr>
+                <a:schemeClr val="accent1"/>
               </a:solidFill>
               <a:ln w="44450">
                 <a:solidFill>
-                  <a:schemeClr val="bg2">
-                    <a:lumMod val="75000"/>
-                  </a:schemeClr>
+                  <a:schemeClr val="accent1"/>
                 </a:solidFill>
               </a:ln>
               <a:effectLst/>
@@ -3641,7 +5742,7 @@
           </c:marker>
           <c:cat>
             <c:strRef>
-              <c:f>Hypertension!$A$2:$A$6</c:f>
+              <c:f>Diabetes!$A$26:$A$30</c:f>
               <c:strCache>
                 <c:ptCount val="5"/>
                 <c:pt idx="0">
@@ -3664,24 +5765,24 @@
           </c:cat>
           <c:val>
             <c:numRef>
-              <c:f>Hypertension!$B$2:$B$6</c:f>
+              <c:f>Diabetes!$B$26:$B$30</c:f>
               <c:numCache>
                 <c:formatCode>0.0</c:formatCode>
                 <c:ptCount val="5"/>
                 <c:pt idx="0">
-                  <c:v>24.5</c:v>
+                  <c:v>35.4</c:v>
                 </c:pt>
                 <c:pt idx="1">
-                  <c:v>24.2</c:v>
+                  <c:v>34</c:v>
                 </c:pt>
                 <c:pt idx="2">
-                  <c:v>23.4</c:v>
+                  <c:v>28.1</c:v>
                 </c:pt>
                 <c:pt idx="3">
-                  <c:v>24.5</c:v>
+                  <c:v>27.2</c:v>
                 </c:pt>
                 <c:pt idx="4">
-                  <c:v>24.6</c:v>
+                  <c:v>32.700000000000003</c:v>
                 </c:pt>
               </c:numCache>
             </c:numRef>
@@ -3689,7 +5790,7 @@
           <c:smooth val="0"/>
           <c:extLst>
             <c:ext xmlns:c16="http://schemas.microsoft.com/office/drawing/2014/chart" uri="{C3380CC4-5D6E-409C-BE32-E72D297353CC}">
-              <c16:uniqueId val="{00000000-2937-461B-B76E-AC918E728D7A}"/>
+              <c16:uniqueId val="{00000000-E56F-4011-8085-03DC3BB77E6C}"/>
             </c:ext>
           </c:extLst>
         </c:ser>
@@ -3698,11 +5799,11 @@
           <c:order val="1"/>
           <c:tx>
             <c:strRef>
-              <c:f>Hypertension!$C$1</c:f>
+              <c:f>Diabetes!$C$25</c:f>
               <c:strCache>
                 <c:ptCount val="1"/>
                 <c:pt idx="0">
-                  <c:v>No Hypertension</c:v>
+                  <c:v>No Diabetes</c:v>
                 </c:pt>
               </c:strCache>
             </c:strRef>
@@ -3710,7 +5811,7 @@
           <c:spPr>
             <a:ln w="44450" cap="rnd">
               <a:solidFill>
-                <a:srgbClr val="7030A0"/>
+                <a:schemeClr val="accent2"/>
               </a:solidFill>
               <a:round/>
             </a:ln>
@@ -3721,11 +5822,11 @@
             <c:size val="5"/>
             <c:spPr>
               <a:solidFill>
-                <a:srgbClr val="7030A0"/>
+                <a:schemeClr val="accent2"/>
               </a:solidFill>
               <a:ln w="44450">
                 <a:solidFill>
-                  <a:srgbClr val="7030A0"/>
+                  <a:schemeClr val="accent2"/>
                 </a:solidFill>
               </a:ln>
               <a:effectLst/>
@@ -3733,7 +5834,7 @@
           </c:marker>
           <c:cat>
             <c:strRef>
-              <c:f>Hypertension!$A$2:$A$6</c:f>
+              <c:f>Diabetes!$A$26:$A$30</c:f>
               <c:strCache>
                 <c:ptCount val="5"/>
                 <c:pt idx="0">
@@ -3756,24 +5857,24 @@
           </c:cat>
           <c:val>
             <c:numRef>
-              <c:f>Hypertension!$C$2:$C$6</c:f>
+              <c:f>Diabetes!$C$26:$C$30</c:f>
               <c:numCache>
                 <c:formatCode>0.0</c:formatCode>
                 <c:ptCount val="5"/>
                 <c:pt idx="0">
-                  <c:v>7.1</c:v>
+                  <c:v>11.7</c:v>
                 </c:pt>
                 <c:pt idx="1">
-                  <c:v>7.4</c:v>
+                  <c:v>11.6</c:v>
                 </c:pt>
                 <c:pt idx="2">
-                  <c:v>6.7</c:v>
+                  <c:v>10.6</c:v>
                 </c:pt>
                 <c:pt idx="3">
-                  <c:v>7.4</c:v>
+                  <c:v>11.6</c:v>
                 </c:pt>
                 <c:pt idx="4">
-                  <c:v>7.3</c:v>
+                  <c:v>10.4</c:v>
                 </c:pt>
               </c:numCache>
             </c:numRef>
@@ -3781,7 +5882,7 @@
           <c:smooth val="0"/>
           <c:extLst>
             <c:ext xmlns:c16="http://schemas.microsoft.com/office/drawing/2014/chart" uri="{C3380CC4-5D6E-409C-BE32-E72D297353CC}">
-              <c16:uniqueId val="{00000001-2937-461B-B76E-AC918E728D7A}"/>
+              <c16:uniqueId val="{00000001-E56F-4011-8085-03DC3BB77E6C}"/>
             </c:ext>
           </c:extLst>
         </c:ser>
@@ -3790,7 +5891,7 @@
           <c:order val="2"/>
           <c:tx>
             <c:strRef>
-              <c:f>Hypertension!$D$1</c:f>
+              <c:f>Diabetes!$D$25</c:f>
               <c:strCache>
                 <c:ptCount val="1"/>
                 <c:pt idx="0">
@@ -3824,49 +5925,26 @@
               <a:effectLst/>
             </c:spPr>
           </c:marker>
-          <c:cat>
-            <c:strRef>
-              <c:f>Hypertension!$A$2:$A$6</c:f>
-              <c:strCache>
+          <c:val>
+            <c:numRef>
+              <c:f>Diabetes!$D$26:$D$30</c:f>
+              <c:numCache>
+                <c:formatCode>0.0</c:formatCode>
                 <c:ptCount val="5"/>
                 <c:pt idx="0">
-                  <c:v>2001–2004</c:v>
+                  <c:v>13.9</c:v>
                 </c:pt>
                 <c:pt idx="1">
-                  <c:v>2005–2008</c:v>
+                  <c:v>13.7</c:v>
                 </c:pt>
                 <c:pt idx="2">
-                  <c:v>2009–2012</c:v>
+                  <c:v>12.7</c:v>
                 </c:pt>
                 <c:pt idx="3">
-                  <c:v>2013–2016</c:v>
+                  <c:v>13.7</c:v>
                 </c:pt>
                 <c:pt idx="4">
-                  <c:v>2017–2020</c:v>
-                </c:pt>
-              </c:strCache>
-            </c:strRef>
-          </c:cat>
-          <c:val>
-            <c:numRef>
-              <c:f>Hypertension!$D$2:$D$6</c:f>
-              <c:numCache>
-                <c:formatCode>General</c:formatCode>
-                <c:ptCount val="5"/>
-                <c:pt idx="0">
-                  <c:v>12.9</c:v>
-                </c:pt>
-                <c:pt idx="1">
                   <c:v>13.3</c:v>
-                </c:pt>
-                <c:pt idx="2">
-                  <c:v>12.5</c:v>
-                </c:pt>
-                <c:pt idx="3">
-                  <c:v>13.8</c:v>
-                </c:pt>
-                <c:pt idx="4">
-                  <c:v>13.9</c:v>
                 </c:pt>
               </c:numCache>
             </c:numRef>
@@ -3874,7 +5952,7 @@
           <c:smooth val="0"/>
           <c:extLst>
             <c:ext xmlns:c16="http://schemas.microsoft.com/office/drawing/2014/chart" uri="{C3380CC4-5D6E-409C-BE32-E72D297353CC}">
-              <c16:uniqueId val="{00000002-2937-461B-B76E-AC918E728D7A}"/>
+              <c16:uniqueId val="{00000002-E56F-4011-8085-03DC3BB77E6C}"/>
             </c:ext>
           </c:extLst>
         </c:ser>
@@ -3888,11 +5966,11 @@
         </c:dLbls>
         <c:marker val="1"/>
         <c:smooth val="0"/>
-        <c:axId val="691937583"/>
-        <c:axId val="691935503"/>
+        <c:axId val="1063733552"/>
+        <c:axId val="1063730640"/>
       </c:lineChart>
       <c:catAx>
-        <c:axId val="691937583"/>
+        <c:axId val="1063733552"/>
         <c:scaling>
           <c:orientation val="minMax"/>
         </c:scaling>
@@ -3922,7 +6000,7 @@
             <a:pPr>
               <a:defRPr sz="2400" b="0" i="0" u="none" strike="noStrike" kern="1200" baseline="0">
                 <a:solidFill>
-                  <a:schemeClr val="tx1"/>
+                  <a:sysClr val="windowText" lastClr="000000"/>
                 </a:solidFill>
                 <a:latin typeface="+mn-lt"/>
                 <a:ea typeface="+mn-ea"/>
@@ -3932,7 +6010,7 @@
             <a:endParaRPr lang="en-US"/>
           </a:p>
         </c:txPr>
-        <c:crossAx val="691935503"/>
+        <c:crossAx val="1063730640"/>
         <c:crosses val="autoZero"/>
         <c:auto val="1"/>
         <c:lblAlgn val="ctr"/>
@@ -3940,10 +6018,10 @@
         <c:noMultiLvlLbl val="0"/>
       </c:catAx>
       <c:valAx>
-        <c:axId val="691935503"/>
+        <c:axId val="1063730640"/>
         <c:scaling>
           <c:orientation val="minMax"/>
-          <c:max val="25"/>
+          <c:max val="45"/>
         </c:scaling>
         <c:delete val="0"/>
         <c:axPos val="l"/>
@@ -3968,9 +6046,9 @@
               <a:lstStyle/>
               <a:p>
                 <a:pPr>
-                  <a:defRPr sz="2800" b="0" i="0" u="none" strike="noStrike" kern="1200" baseline="0">
+                  <a:defRPr sz="2400" b="0" i="0" u="none" strike="noStrike" kern="1200" baseline="0">
                     <a:solidFill>
-                      <a:schemeClr val="tx1"/>
+                      <a:sysClr val="windowText" lastClr="000000"/>
                     </a:solidFill>
                     <a:latin typeface="+mn-lt"/>
                     <a:ea typeface="+mn-ea"/>
@@ -3978,24 +6056,24 @@
                   </a:defRPr>
                 </a:pPr>
                 <a:r>
-                  <a:rPr lang="en-US" sz="2800">
+                  <a:rPr lang="en-US" sz="2400">
                     <a:solidFill>
-                      <a:schemeClr val="tx1"/>
+                      <a:sysClr val="windowText" lastClr="000000"/>
                     </a:solidFill>
                   </a:rPr>
                   <a:t>CKD</a:t>
                 </a:r>
                 <a:r>
-                  <a:rPr lang="en-US" sz="2800" baseline="0">
+                  <a:rPr lang="en-US" sz="2400" baseline="0">
                     <a:solidFill>
-                      <a:schemeClr val="tx1"/>
+                      <a:sysClr val="windowText" lastClr="000000"/>
                     </a:solidFill>
                   </a:rPr>
                   <a:t> (%)</a:t>
                 </a:r>
-                <a:endParaRPr lang="en-US" sz="2800">
+                <a:endParaRPr lang="en-US" sz="2400">
                   <a:solidFill>
-                    <a:schemeClr val="tx1"/>
+                    <a:sysClr val="windowText" lastClr="000000"/>
                   </a:solidFill>
                 </a:endParaRPr>
               </a:p>
@@ -4005,8 +6083,8 @@
             <c:manualLayout>
               <c:xMode val="edge"/>
               <c:yMode val="edge"/>
-              <c:x val="7.6491825054505807E-3"/>
-              <c:y val="0.27532362247179026"/>
+              <c:x val="0"/>
+              <c:y val="0.3403787423386086"/>
             </c:manualLayout>
           </c:layout>
           <c:overlay val="0"/>
@@ -4022,9 +6100,9 @@
             <a:lstStyle/>
             <a:p>
               <a:pPr>
-                <a:defRPr sz="2800" b="0" i="0" u="none" strike="noStrike" kern="1200" baseline="0">
+                <a:defRPr sz="2400" b="0" i="0" u="none" strike="noStrike" kern="1200" baseline="0">
                   <a:solidFill>
-                    <a:schemeClr val="tx1"/>
+                    <a:sysClr val="windowText" lastClr="000000"/>
                   </a:solidFill>
                   <a:latin typeface="+mn-lt"/>
                   <a:ea typeface="+mn-ea"/>
@@ -4051,9 +6129,9 @@
           <a:lstStyle/>
           <a:p>
             <a:pPr>
-              <a:defRPr sz="2400" b="0" i="0" u="none" strike="noStrike" kern="1200" baseline="0">
+              <a:defRPr sz="2250" b="0" i="0" u="none" strike="noStrike" kern="1200" baseline="0">
                 <a:solidFill>
-                  <a:schemeClr val="tx1"/>
+                  <a:sysClr val="windowText" lastClr="000000"/>
                 </a:solidFill>
                 <a:latin typeface="+mn-lt"/>
                 <a:ea typeface="+mn-ea"/>
@@ -4063,7 +6141,7 @@
             <a:endParaRPr lang="en-US"/>
           </a:p>
         </c:txPr>
-        <c:crossAx val="691937583"/>
+        <c:crossAx val="1063733552"/>
         <c:crosses val="autoZero"/>
         <c:crossBetween val="between"/>
       </c:valAx>
@@ -4077,16 +6155,6 @@
     </c:plotArea>
     <c:legend>
       <c:legendPos val="b"/>
-      <c:layout>
-        <c:manualLayout>
-          <c:xMode val="edge"/>
-          <c:yMode val="edge"/>
-          <c:x val="0.19801642672698364"/>
-          <c:y val="0.88796420885853999"/>
-          <c:w val="0.60396706050348481"/>
-          <c:h val="9.5641128142149048E-2"/>
-        </c:manualLayout>
-      </c:layout>
       <c:overlay val="0"/>
       <c:spPr>
         <a:noFill/>
@@ -4100,9 +6168,9 @@
         <a:lstStyle/>
         <a:p>
           <a:pPr>
-            <a:defRPr sz="2400" b="0" i="0" u="none" strike="noStrike" kern="1200" baseline="0">
+            <a:defRPr sz="2200" b="0" i="0" u="none" strike="noStrike" kern="1200" baseline="0">
               <a:solidFill>
-                <a:schemeClr val="tx1"/>
+                <a:sysClr val="windowText" lastClr="000000"/>
               </a:solidFill>
               <a:latin typeface="+mn-lt"/>
               <a:ea typeface="+mn-ea"/>
@@ -4125,9 +6193,12 @@
     <c:showDLblsOverMax val="0"/>
   </c:chart>
   <c:spPr>
-    <a:noFill/>
-    <a:ln>
+    <a:solidFill>
+      <a:schemeClr val="bg1"/>
+    </a:solidFill>
+    <a:ln w="9525" cap="flat" cmpd="sng" algn="ctr">
       <a:noFill/>
+      <a:round/>
     </a:ln>
     <a:effectLst/>
   </c:spPr>
@@ -4148,6 +6219,86 @@
 </file>
 
 <file path=ppt/charts/colors1.xml><?xml version="1.0" encoding="utf-8"?>
+<cs:colorStyle xmlns:cs="http://schemas.microsoft.com/office/drawing/2012/chartStyle" xmlns:a="http://schemas.openxmlformats.org/drawingml/2006/main" meth="cycle" id="10">
+  <a:schemeClr val="accent1"/>
+  <a:schemeClr val="accent2"/>
+  <a:schemeClr val="accent3"/>
+  <a:schemeClr val="accent4"/>
+  <a:schemeClr val="accent5"/>
+  <a:schemeClr val="accent6"/>
+  <cs:variation/>
+  <cs:variation>
+    <a:lumMod val="60000"/>
+  </cs:variation>
+  <cs:variation>
+    <a:lumMod val="80000"/>
+    <a:lumOff val="20000"/>
+  </cs:variation>
+  <cs:variation>
+    <a:lumMod val="80000"/>
+  </cs:variation>
+  <cs:variation>
+    <a:lumMod val="60000"/>
+    <a:lumOff val="40000"/>
+  </cs:variation>
+  <cs:variation>
+    <a:lumMod val="50000"/>
+  </cs:variation>
+  <cs:variation>
+    <a:lumMod val="70000"/>
+    <a:lumOff val="30000"/>
+  </cs:variation>
+  <cs:variation>
+    <a:lumMod val="70000"/>
+  </cs:variation>
+  <cs:variation>
+    <a:lumMod val="50000"/>
+    <a:lumOff val="50000"/>
+  </cs:variation>
+</cs:colorStyle>
+</file>
+
+<file path=ppt/charts/colors10.xml><?xml version="1.0" encoding="utf-8"?>
+<cs:colorStyle xmlns:cs="http://schemas.microsoft.com/office/drawing/2012/chartStyle" xmlns:a="http://schemas.openxmlformats.org/drawingml/2006/main" meth="cycle" id="10">
+  <a:schemeClr val="accent1"/>
+  <a:schemeClr val="accent2"/>
+  <a:schemeClr val="accent3"/>
+  <a:schemeClr val="accent4"/>
+  <a:schemeClr val="accent5"/>
+  <a:schemeClr val="accent6"/>
+  <cs:variation/>
+  <cs:variation>
+    <a:lumMod val="60000"/>
+  </cs:variation>
+  <cs:variation>
+    <a:lumMod val="80000"/>
+    <a:lumOff val="20000"/>
+  </cs:variation>
+  <cs:variation>
+    <a:lumMod val="80000"/>
+  </cs:variation>
+  <cs:variation>
+    <a:lumMod val="60000"/>
+    <a:lumOff val="40000"/>
+  </cs:variation>
+  <cs:variation>
+    <a:lumMod val="50000"/>
+  </cs:variation>
+  <cs:variation>
+    <a:lumMod val="70000"/>
+    <a:lumOff val="30000"/>
+  </cs:variation>
+  <cs:variation>
+    <a:lumMod val="70000"/>
+  </cs:variation>
+  <cs:variation>
+    <a:lumMod val="50000"/>
+    <a:lumOff val="50000"/>
+  </cs:variation>
+</cs:colorStyle>
+</file>
+
+<file path=ppt/charts/colors11.xml><?xml version="1.0" encoding="utf-8"?>
 <cs:colorStyle xmlns:cs="http://schemas.microsoft.com/office/drawing/2012/chartStyle" xmlns:a="http://schemas.openxmlformats.org/drawingml/2006/main" meth="cycle" id="10">
   <a:schemeClr val="accent1"/>
   <a:schemeClr val="accent2"/>
@@ -4427,6 +6578,86 @@
 </cs:colorStyle>
 </file>
 
+<file path=ppt/charts/colors8.xml><?xml version="1.0" encoding="utf-8"?>
+<cs:colorStyle xmlns:cs="http://schemas.microsoft.com/office/drawing/2012/chartStyle" xmlns:a="http://schemas.openxmlformats.org/drawingml/2006/main" meth="cycle" id="10">
+  <a:schemeClr val="accent1"/>
+  <a:schemeClr val="accent2"/>
+  <a:schemeClr val="accent3"/>
+  <a:schemeClr val="accent4"/>
+  <a:schemeClr val="accent5"/>
+  <a:schemeClr val="accent6"/>
+  <cs:variation/>
+  <cs:variation>
+    <a:lumMod val="60000"/>
+  </cs:variation>
+  <cs:variation>
+    <a:lumMod val="80000"/>
+    <a:lumOff val="20000"/>
+  </cs:variation>
+  <cs:variation>
+    <a:lumMod val="80000"/>
+  </cs:variation>
+  <cs:variation>
+    <a:lumMod val="60000"/>
+    <a:lumOff val="40000"/>
+  </cs:variation>
+  <cs:variation>
+    <a:lumMod val="50000"/>
+  </cs:variation>
+  <cs:variation>
+    <a:lumMod val="70000"/>
+    <a:lumOff val="30000"/>
+  </cs:variation>
+  <cs:variation>
+    <a:lumMod val="70000"/>
+  </cs:variation>
+  <cs:variation>
+    <a:lumMod val="50000"/>
+    <a:lumOff val="50000"/>
+  </cs:variation>
+</cs:colorStyle>
+</file>
+
+<file path=ppt/charts/colors9.xml><?xml version="1.0" encoding="utf-8"?>
+<cs:colorStyle xmlns:cs="http://schemas.microsoft.com/office/drawing/2012/chartStyle" xmlns:a="http://schemas.openxmlformats.org/drawingml/2006/main" meth="cycle" id="10">
+  <a:schemeClr val="accent1"/>
+  <a:schemeClr val="accent2"/>
+  <a:schemeClr val="accent3"/>
+  <a:schemeClr val="accent4"/>
+  <a:schemeClr val="accent5"/>
+  <a:schemeClr val="accent6"/>
+  <cs:variation/>
+  <cs:variation>
+    <a:lumMod val="60000"/>
+  </cs:variation>
+  <cs:variation>
+    <a:lumMod val="80000"/>
+    <a:lumOff val="20000"/>
+  </cs:variation>
+  <cs:variation>
+    <a:lumMod val="80000"/>
+  </cs:variation>
+  <cs:variation>
+    <a:lumMod val="60000"/>
+    <a:lumOff val="40000"/>
+  </cs:variation>
+  <cs:variation>
+    <a:lumMod val="50000"/>
+  </cs:variation>
+  <cs:variation>
+    <a:lumMod val="70000"/>
+    <a:lumOff val="30000"/>
+  </cs:variation>
+  <cs:variation>
+    <a:lumMod val="70000"/>
+  </cs:variation>
+  <cs:variation>
+    <a:lumMod val="50000"/>
+    <a:lumOff val="50000"/>
+  </cs:variation>
+</cs:colorStyle>
+</file>
+
 <file path=ppt/charts/style1.xml><?xml version="1.0" encoding="utf-8"?>
 <cs:chartStyle xmlns:cs="http://schemas.microsoft.com/office/drawing/2012/chartStyle" xmlns:a="http://schemas.openxmlformats.org/drawingml/2006/main" id="332">
   <cs:axisTitle>
@@ -4930,7 +7161,7 @@
 </cs:chartStyle>
 </file>
 
-<file path=ppt/charts/style2.xml><?xml version="1.0" encoding="utf-8"?>
+<file path=ppt/charts/style10.xml><?xml version="1.0" encoding="utf-8"?>
 <cs:chartStyle xmlns:cs="http://schemas.microsoft.com/office/drawing/2012/chartStyle" xmlns:a="http://schemas.openxmlformats.org/drawingml/2006/main" id="332">
   <cs:axisTitle>
     <cs:lnRef idx="0"/>
@@ -5433,7 +7664,7 @@
 </cs:chartStyle>
 </file>
 
-<file path=ppt/charts/style3.xml><?xml version="1.0" encoding="utf-8"?>
+<file path=ppt/charts/style11.xml><?xml version="1.0" encoding="utf-8"?>
 <cs:chartStyle xmlns:cs="http://schemas.microsoft.com/office/drawing/2012/chartStyle" xmlns:a="http://schemas.openxmlformats.org/drawingml/2006/main" id="332">
   <cs:axisTitle>
     <cs:lnRef idx="0"/>
@@ -5936,7 +8167,7 @@
 </cs:chartStyle>
 </file>
 
-<file path=ppt/charts/style4.xml><?xml version="1.0" encoding="utf-8"?>
+<file path=ppt/charts/style2.xml><?xml version="1.0" encoding="utf-8"?>
 <cs:chartStyle xmlns:cs="http://schemas.microsoft.com/office/drawing/2012/chartStyle" xmlns:a="http://schemas.openxmlformats.org/drawingml/2006/main" id="332">
   <cs:axisTitle>
     <cs:lnRef idx="0"/>
@@ -6439,7 +8670,7 @@
 </cs:chartStyle>
 </file>
 
-<file path=ppt/charts/style5.xml><?xml version="1.0" encoding="utf-8"?>
+<file path=ppt/charts/style3.xml><?xml version="1.0" encoding="utf-8"?>
 <cs:chartStyle xmlns:cs="http://schemas.microsoft.com/office/drawing/2012/chartStyle" xmlns:a="http://schemas.openxmlformats.org/drawingml/2006/main" id="332">
   <cs:axisTitle>
     <cs:lnRef idx="0"/>
@@ -6942,7 +9173,7 @@
 </cs:chartStyle>
 </file>
 
-<file path=ppt/charts/style6.xml><?xml version="1.0" encoding="utf-8"?>
+<file path=ppt/charts/style4.xml><?xml version="1.0" encoding="utf-8"?>
 <cs:chartStyle xmlns:cs="http://schemas.microsoft.com/office/drawing/2012/chartStyle" xmlns:a="http://schemas.openxmlformats.org/drawingml/2006/main" id="332">
   <cs:axisTitle>
     <cs:lnRef idx="0"/>
@@ -7445,7 +9676,2019 @@
 </cs:chartStyle>
 </file>
 
+<file path=ppt/charts/style5.xml><?xml version="1.0" encoding="utf-8"?>
+<cs:chartStyle xmlns:cs="http://schemas.microsoft.com/office/drawing/2012/chartStyle" xmlns:a="http://schemas.openxmlformats.org/drawingml/2006/main" id="332">
+  <cs:axisTitle>
+    <cs:lnRef idx="0"/>
+    <cs:fillRef idx="0"/>
+    <cs:effectRef idx="0"/>
+    <cs:fontRef idx="minor">
+      <a:schemeClr val="tx1">
+        <a:lumMod val="65000"/>
+        <a:lumOff val="35000"/>
+      </a:schemeClr>
+    </cs:fontRef>
+    <cs:defRPr sz="1000" kern="1200"/>
+  </cs:axisTitle>
+  <cs:categoryAxis>
+    <cs:lnRef idx="0"/>
+    <cs:fillRef idx="0"/>
+    <cs:effectRef idx="0"/>
+    <cs:fontRef idx="minor">
+      <a:schemeClr val="tx1">
+        <a:lumMod val="65000"/>
+        <a:lumOff val="35000"/>
+      </a:schemeClr>
+    </cs:fontRef>
+    <cs:spPr>
+      <a:ln w="9525" cap="flat" cmpd="sng" algn="ctr">
+        <a:solidFill>
+          <a:schemeClr val="tx1">
+            <a:lumMod val="15000"/>
+            <a:lumOff val="85000"/>
+          </a:schemeClr>
+        </a:solidFill>
+        <a:round/>
+      </a:ln>
+    </cs:spPr>
+    <cs:defRPr sz="900" kern="1200"/>
+  </cs:categoryAxis>
+  <cs:chartArea mods="allowNoFillOverride allowNoLineOverride">
+    <cs:lnRef idx="0"/>
+    <cs:fillRef idx="0"/>
+    <cs:effectRef idx="0"/>
+    <cs:fontRef idx="minor">
+      <a:schemeClr val="tx1"/>
+    </cs:fontRef>
+    <cs:spPr>
+      <a:solidFill>
+        <a:schemeClr val="bg1"/>
+      </a:solidFill>
+      <a:ln w="9525" cap="flat" cmpd="sng" algn="ctr">
+        <a:solidFill>
+          <a:schemeClr val="tx1">
+            <a:lumMod val="15000"/>
+            <a:lumOff val="85000"/>
+          </a:schemeClr>
+        </a:solidFill>
+        <a:round/>
+      </a:ln>
+    </cs:spPr>
+    <cs:defRPr sz="1000" kern="1200"/>
+  </cs:chartArea>
+  <cs:dataLabel>
+    <cs:lnRef idx="0"/>
+    <cs:fillRef idx="0"/>
+    <cs:effectRef idx="0"/>
+    <cs:fontRef idx="minor">
+      <a:schemeClr val="tx1">
+        <a:lumMod val="75000"/>
+        <a:lumOff val="25000"/>
+      </a:schemeClr>
+    </cs:fontRef>
+    <cs:defRPr sz="900" kern="1200"/>
+  </cs:dataLabel>
+  <cs:dataLabelCallout>
+    <cs:lnRef idx="0"/>
+    <cs:fillRef idx="0"/>
+    <cs:effectRef idx="0"/>
+    <cs:fontRef idx="minor">
+      <a:schemeClr val="dk1">
+        <a:lumMod val="65000"/>
+        <a:lumOff val="35000"/>
+      </a:schemeClr>
+    </cs:fontRef>
+    <cs:spPr>
+      <a:solidFill>
+        <a:schemeClr val="lt1"/>
+      </a:solidFill>
+      <a:ln>
+        <a:solidFill>
+          <a:schemeClr val="dk1">
+            <a:lumMod val="25000"/>
+            <a:lumOff val="75000"/>
+          </a:schemeClr>
+        </a:solidFill>
+      </a:ln>
+    </cs:spPr>
+    <cs:defRPr sz="900" kern="1200"/>
+    <cs:bodyPr rot="0" spcFirstLastPara="1" vertOverflow="clip" horzOverflow="clip" vert="horz" wrap="square" lIns="36576" tIns="18288" rIns="36576" bIns="18288" anchor="ctr" anchorCtr="1">
+      <a:spAutoFit/>
+    </cs:bodyPr>
+  </cs:dataLabelCallout>
+  <cs:dataPoint>
+    <cs:lnRef idx="0"/>
+    <cs:fillRef idx="1">
+      <cs:styleClr val="auto"/>
+    </cs:fillRef>
+    <cs:effectRef idx="0"/>
+    <cs:fontRef idx="minor">
+      <a:schemeClr val="tx1"/>
+    </cs:fontRef>
+  </cs:dataPoint>
+  <cs:dataPoint3D>
+    <cs:lnRef idx="0"/>
+    <cs:fillRef idx="1">
+      <cs:styleClr val="auto"/>
+    </cs:fillRef>
+    <cs:effectRef idx="0"/>
+    <cs:fontRef idx="minor">
+      <a:schemeClr val="tx1"/>
+    </cs:fontRef>
+  </cs:dataPoint3D>
+  <cs:dataPointLine>
+    <cs:lnRef idx="0">
+      <cs:styleClr val="auto"/>
+    </cs:lnRef>
+    <cs:fillRef idx="1"/>
+    <cs:effectRef idx="0"/>
+    <cs:fontRef idx="minor">
+      <a:schemeClr val="tx1"/>
+    </cs:fontRef>
+    <cs:spPr>
+      <a:ln w="28575" cap="rnd">
+        <a:solidFill>
+          <a:schemeClr val="phClr"/>
+        </a:solidFill>
+        <a:round/>
+      </a:ln>
+    </cs:spPr>
+  </cs:dataPointLine>
+  <cs:dataPointMarker>
+    <cs:lnRef idx="0">
+      <cs:styleClr val="auto"/>
+    </cs:lnRef>
+    <cs:fillRef idx="1">
+      <cs:styleClr val="auto"/>
+    </cs:fillRef>
+    <cs:effectRef idx="0"/>
+    <cs:fontRef idx="minor">
+      <a:schemeClr val="tx1"/>
+    </cs:fontRef>
+    <cs:spPr>
+      <a:ln w="9525">
+        <a:solidFill>
+          <a:schemeClr val="phClr"/>
+        </a:solidFill>
+      </a:ln>
+    </cs:spPr>
+  </cs:dataPointMarker>
+  <cs:dataPointMarkerLayout symbol="circle" size="5"/>
+  <cs:dataPointWireframe>
+    <cs:lnRef idx="0">
+      <cs:styleClr val="auto"/>
+    </cs:lnRef>
+    <cs:fillRef idx="1"/>
+    <cs:effectRef idx="0"/>
+    <cs:fontRef idx="minor">
+      <a:schemeClr val="tx1"/>
+    </cs:fontRef>
+    <cs:spPr>
+      <a:ln w="9525" cap="rnd">
+        <a:solidFill>
+          <a:schemeClr val="phClr"/>
+        </a:solidFill>
+        <a:round/>
+      </a:ln>
+    </cs:spPr>
+  </cs:dataPointWireframe>
+  <cs:dataTable>
+    <cs:lnRef idx="0"/>
+    <cs:fillRef idx="0"/>
+    <cs:effectRef idx="0"/>
+    <cs:fontRef idx="minor">
+      <a:schemeClr val="tx1">
+        <a:lumMod val="65000"/>
+        <a:lumOff val="35000"/>
+      </a:schemeClr>
+    </cs:fontRef>
+    <cs:spPr>
+      <a:noFill/>
+      <a:ln w="9525" cap="flat" cmpd="sng" algn="ctr">
+        <a:solidFill>
+          <a:schemeClr val="tx1">
+            <a:lumMod val="15000"/>
+            <a:lumOff val="85000"/>
+          </a:schemeClr>
+        </a:solidFill>
+        <a:round/>
+      </a:ln>
+    </cs:spPr>
+    <cs:defRPr sz="900" kern="1200"/>
+  </cs:dataTable>
+  <cs:downBar>
+    <cs:lnRef idx="0"/>
+    <cs:fillRef idx="0"/>
+    <cs:effectRef idx="0"/>
+    <cs:fontRef idx="minor">
+      <a:schemeClr val="dk1"/>
+    </cs:fontRef>
+    <cs:spPr>
+      <a:solidFill>
+        <a:schemeClr val="dk1">
+          <a:lumMod val="65000"/>
+          <a:lumOff val="35000"/>
+        </a:schemeClr>
+      </a:solidFill>
+      <a:ln w="9525">
+        <a:solidFill>
+          <a:schemeClr val="tx1">
+            <a:lumMod val="65000"/>
+            <a:lumOff val="35000"/>
+          </a:schemeClr>
+        </a:solidFill>
+      </a:ln>
+    </cs:spPr>
+  </cs:downBar>
+  <cs:dropLine>
+    <cs:lnRef idx="0"/>
+    <cs:fillRef idx="0"/>
+    <cs:effectRef idx="0"/>
+    <cs:fontRef idx="minor">
+      <a:schemeClr val="tx1"/>
+    </cs:fontRef>
+    <cs:spPr>
+      <a:ln w="9525" cap="flat" cmpd="sng" algn="ctr">
+        <a:solidFill>
+          <a:schemeClr val="tx1">
+            <a:lumMod val="35000"/>
+            <a:lumOff val="65000"/>
+          </a:schemeClr>
+        </a:solidFill>
+        <a:round/>
+      </a:ln>
+    </cs:spPr>
+  </cs:dropLine>
+  <cs:errorBar>
+    <cs:lnRef idx="0"/>
+    <cs:fillRef idx="0"/>
+    <cs:effectRef idx="0"/>
+    <cs:fontRef idx="minor">
+      <a:schemeClr val="tx1"/>
+    </cs:fontRef>
+    <cs:spPr>
+      <a:ln w="9525" cap="flat" cmpd="sng" algn="ctr">
+        <a:solidFill>
+          <a:schemeClr val="tx1">
+            <a:lumMod val="65000"/>
+            <a:lumOff val="35000"/>
+          </a:schemeClr>
+        </a:solidFill>
+        <a:round/>
+      </a:ln>
+    </cs:spPr>
+  </cs:errorBar>
+  <cs:floor>
+    <cs:lnRef idx="0"/>
+    <cs:fillRef idx="0"/>
+    <cs:effectRef idx="0"/>
+    <cs:fontRef idx="minor">
+      <a:schemeClr val="tx1"/>
+    </cs:fontRef>
+    <cs:spPr>
+      <a:noFill/>
+      <a:ln>
+        <a:noFill/>
+      </a:ln>
+    </cs:spPr>
+  </cs:floor>
+  <cs:gridlineMajor>
+    <cs:lnRef idx="0"/>
+    <cs:fillRef idx="0"/>
+    <cs:effectRef idx="0"/>
+    <cs:fontRef idx="minor">
+      <a:schemeClr val="tx1"/>
+    </cs:fontRef>
+    <cs:spPr>
+      <a:ln w="9525" cap="flat" cmpd="sng" algn="ctr">
+        <a:solidFill>
+          <a:schemeClr val="tx1">
+            <a:lumMod val="15000"/>
+            <a:lumOff val="85000"/>
+          </a:schemeClr>
+        </a:solidFill>
+        <a:round/>
+      </a:ln>
+    </cs:spPr>
+  </cs:gridlineMajor>
+  <cs:gridlineMinor>
+    <cs:lnRef idx="0"/>
+    <cs:fillRef idx="0"/>
+    <cs:effectRef idx="0"/>
+    <cs:fontRef idx="minor">
+      <a:schemeClr val="tx1"/>
+    </cs:fontRef>
+    <cs:spPr>
+      <a:ln w="9525" cap="flat" cmpd="sng" algn="ctr">
+        <a:solidFill>
+          <a:schemeClr val="tx1">
+            <a:lumMod val="5000"/>
+            <a:lumOff val="95000"/>
+          </a:schemeClr>
+        </a:solidFill>
+        <a:round/>
+      </a:ln>
+    </cs:spPr>
+  </cs:gridlineMinor>
+  <cs:hiLoLine>
+    <cs:lnRef idx="0"/>
+    <cs:fillRef idx="0"/>
+    <cs:effectRef idx="0"/>
+    <cs:fontRef idx="minor">
+      <a:schemeClr val="tx1"/>
+    </cs:fontRef>
+    <cs:spPr>
+      <a:ln w="9525" cap="flat" cmpd="sng" algn="ctr">
+        <a:solidFill>
+          <a:schemeClr val="tx1">
+            <a:lumMod val="75000"/>
+            <a:lumOff val="25000"/>
+          </a:schemeClr>
+        </a:solidFill>
+        <a:round/>
+      </a:ln>
+    </cs:spPr>
+  </cs:hiLoLine>
+  <cs:leaderLine>
+    <cs:lnRef idx="0"/>
+    <cs:fillRef idx="0"/>
+    <cs:effectRef idx="0"/>
+    <cs:fontRef idx="minor">
+      <a:schemeClr val="tx1"/>
+    </cs:fontRef>
+    <cs:spPr>
+      <a:ln w="9525" cap="flat" cmpd="sng" algn="ctr">
+        <a:solidFill>
+          <a:schemeClr val="tx1">
+            <a:lumMod val="35000"/>
+            <a:lumOff val="65000"/>
+          </a:schemeClr>
+        </a:solidFill>
+        <a:round/>
+      </a:ln>
+    </cs:spPr>
+  </cs:leaderLine>
+  <cs:legend>
+    <cs:lnRef idx="0"/>
+    <cs:fillRef idx="0"/>
+    <cs:effectRef idx="0"/>
+    <cs:fontRef idx="minor">
+      <a:schemeClr val="tx1">
+        <a:lumMod val="65000"/>
+        <a:lumOff val="35000"/>
+      </a:schemeClr>
+    </cs:fontRef>
+    <cs:defRPr sz="900" kern="1200"/>
+  </cs:legend>
+  <cs:plotArea mods="allowNoFillOverride allowNoLineOverride">
+    <cs:lnRef idx="0"/>
+    <cs:fillRef idx="0"/>
+    <cs:effectRef idx="0"/>
+    <cs:fontRef idx="minor">
+      <a:schemeClr val="tx1"/>
+    </cs:fontRef>
+  </cs:plotArea>
+  <cs:plotArea3D mods="allowNoFillOverride allowNoLineOverride">
+    <cs:lnRef idx="0"/>
+    <cs:fillRef idx="0"/>
+    <cs:effectRef idx="0"/>
+    <cs:fontRef idx="minor">
+      <a:schemeClr val="tx1"/>
+    </cs:fontRef>
+  </cs:plotArea3D>
+  <cs:seriesAxis>
+    <cs:lnRef idx="0"/>
+    <cs:fillRef idx="0"/>
+    <cs:effectRef idx="0"/>
+    <cs:fontRef idx="minor">
+      <a:schemeClr val="tx1">
+        <a:lumMod val="65000"/>
+        <a:lumOff val="35000"/>
+      </a:schemeClr>
+    </cs:fontRef>
+    <cs:defRPr sz="900" kern="1200"/>
+  </cs:seriesAxis>
+  <cs:seriesLine>
+    <cs:lnRef idx="0"/>
+    <cs:fillRef idx="0"/>
+    <cs:effectRef idx="0"/>
+    <cs:fontRef idx="minor">
+      <a:schemeClr val="tx1"/>
+    </cs:fontRef>
+    <cs:spPr>
+      <a:ln w="9525" cap="flat" cmpd="sng" algn="ctr">
+        <a:solidFill>
+          <a:schemeClr val="tx1">
+            <a:lumMod val="35000"/>
+            <a:lumOff val="65000"/>
+          </a:schemeClr>
+        </a:solidFill>
+        <a:round/>
+      </a:ln>
+    </cs:spPr>
+  </cs:seriesLine>
+  <cs:title>
+    <cs:lnRef idx="0"/>
+    <cs:fillRef idx="0"/>
+    <cs:effectRef idx="0"/>
+    <cs:fontRef idx="minor">
+      <a:schemeClr val="tx1">
+        <a:lumMod val="65000"/>
+        <a:lumOff val="35000"/>
+      </a:schemeClr>
+    </cs:fontRef>
+    <cs:defRPr sz="1400" b="0" kern="1200" spc="0" baseline="0"/>
+  </cs:title>
+  <cs:trendline>
+    <cs:lnRef idx="0">
+      <cs:styleClr val="auto"/>
+    </cs:lnRef>
+    <cs:fillRef idx="0"/>
+    <cs:effectRef idx="0"/>
+    <cs:fontRef idx="minor">
+      <a:schemeClr val="tx1"/>
+    </cs:fontRef>
+    <cs:spPr>
+      <a:ln w="19050" cap="rnd">
+        <a:solidFill>
+          <a:schemeClr val="phClr"/>
+        </a:solidFill>
+        <a:prstDash val="sysDot"/>
+      </a:ln>
+    </cs:spPr>
+  </cs:trendline>
+  <cs:trendlineLabel>
+    <cs:lnRef idx="0"/>
+    <cs:fillRef idx="0"/>
+    <cs:effectRef idx="0"/>
+    <cs:fontRef idx="minor">
+      <a:schemeClr val="tx1">
+        <a:lumMod val="65000"/>
+        <a:lumOff val="35000"/>
+      </a:schemeClr>
+    </cs:fontRef>
+    <cs:defRPr sz="900" kern="1200"/>
+  </cs:trendlineLabel>
+  <cs:upBar>
+    <cs:lnRef idx="0"/>
+    <cs:fillRef idx="0"/>
+    <cs:effectRef idx="0"/>
+    <cs:fontRef idx="minor">
+      <a:schemeClr val="dk1"/>
+    </cs:fontRef>
+    <cs:spPr>
+      <a:solidFill>
+        <a:schemeClr val="lt1"/>
+      </a:solidFill>
+      <a:ln w="9525">
+        <a:solidFill>
+          <a:schemeClr val="tx1">
+            <a:lumMod val="15000"/>
+            <a:lumOff val="85000"/>
+          </a:schemeClr>
+        </a:solidFill>
+      </a:ln>
+    </cs:spPr>
+  </cs:upBar>
+  <cs:valueAxis>
+    <cs:lnRef idx="0"/>
+    <cs:fillRef idx="0"/>
+    <cs:effectRef idx="0"/>
+    <cs:fontRef idx="minor">
+      <a:schemeClr val="tx1">
+        <a:lumMod val="65000"/>
+        <a:lumOff val="35000"/>
+      </a:schemeClr>
+    </cs:fontRef>
+    <cs:defRPr sz="900" kern="1200"/>
+  </cs:valueAxis>
+  <cs:wall>
+    <cs:lnRef idx="0"/>
+    <cs:fillRef idx="0"/>
+    <cs:effectRef idx="0"/>
+    <cs:fontRef idx="minor">
+      <a:schemeClr val="tx1"/>
+    </cs:fontRef>
+    <cs:spPr>
+      <a:noFill/>
+      <a:ln>
+        <a:noFill/>
+      </a:ln>
+    </cs:spPr>
+  </cs:wall>
+</cs:chartStyle>
+</file>
+
+<file path=ppt/charts/style6.xml><?xml version="1.0" encoding="utf-8"?>
+<cs:chartStyle xmlns:cs="http://schemas.microsoft.com/office/drawing/2012/chartStyle" xmlns:a="http://schemas.openxmlformats.org/drawingml/2006/main" id="332">
+  <cs:axisTitle>
+    <cs:lnRef idx="0"/>
+    <cs:fillRef idx="0"/>
+    <cs:effectRef idx="0"/>
+    <cs:fontRef idx="minor">
+      <a:schemeClr val="tx1">
+        <a:lumMod val="65000"/>
+        <a:lumOff val="35000"/>
+      </a:schemeClr>
+    </cs:fontRef>
+    <cs:defRPr sz="1000" kern="1200"/>
+  </cs:axisTitle>
+  <cs:categoryAxis>
+    <cs:lnRef idx="0"/>
+    <cs:fillRef idx="0"/>
+    <cs:effectRef idx="0"/>
+    <cs:fontRef idx="minor">
+      <a:schemeClr val="tx1">
+        <a:lumMod val="65000"/>
+        <a:lumOff val="35000"/>
+      </a:schemeClr>
+    </cs:fontRef>
+    <cs:spPr>
+      <a:ln w="9525" cap="flat" cmpd="sng" algn="ctr">
+        <a:solidFill>
+          <a:schemeClr val="tx1">
+            <a:lumMod val="15000"/>
+            <a:lumOff val="85000"/>
+          </a:schemeClr>
+        </a:solidFill>
+        <a:round/>
+      </a:ln>
+    </cs:spPr>
+    <cs:defRPr sz="900" kern="1200"/>
+  </cs:categoryAxis>
+  <cs:chartArea mods="allowNoFillOverride allowNoLineOverride">
+    <cs:lnRef idx="0"/>
+    <cs:fillRef idx="0"/>
+    <cs:effectRef idx="0"/>
+    <cs:fontRef idx="minor">
+      <a:schemeClr val="tx1"/>
+    </cs:fontRef>
+    <cs:spPr>
+      <a:solidFill>
+        <a:schemeClr val="bg1"/>
+      </a:solidFill>
+      <a:ln w="9525" cap="flat" cmpd="sng" algn="ctr">
+        <a:solidFill>
+          <a:schemeClr val="tx1">
+            <a:lumMod val="15000"/>
+            <a:lumOff val="85000"/>
+          </a:schemeClr>
+        </a:solidFill>
+        <a:round/>
+      </a:ln>
+    </cs:spPr>
+    <cs:defRPr sz="1000" kern="1200"/>
+  </cs:chartArea>
+  <cs:dataLabel>
+    <cs:lnRef idx="0"/>
+    <cs:fillRef idx="0"/>
+    <cs:effectRef idx="0"/>
+    <cs:fontRef idx="minor">
+      <a:schemeClr val="tx1">
+        <a:lumMod val="75000"/>
+        <a:lumOff val="25000"/>
+      </a:schemeClr>
+    </cs:fontRef>
+    <cs:defRPr sz="900" kern="1200"/>
+  </cs:dataLabel>
+  <cs:dataLabelCallout>
+    <cs:lnRef idx="0"/>
+    <cs:fillRef idx="0"/>
+    <cs:effectRef idx="0"/>
+    <cs:fontRef idx="minor">
+      <a:schemeClr val="dk1">
+        <a:lumMod val="65000"/>
+        <a:lumOff val="35000"/>
+      </a:schemeClr>
+    </cs:fontRef>
+    <cs:spPr>
+      <a:solidFill>
+        <a:schemeClr val="lt1"/>
+      </a:solidFill>
+      <a:ln>
+        <a:solidFill>
+          <a:schemeClr val="dk1">
+            <a:lumMod val="25000"/>
+            <a:lumOff val="75000"/>
+          </a:schemeClr>
+        </a:solidFill>
+      </a:ln>
+    </cs:spPr>
+    <cs:defRPr sz="900" kern="1200"/>
+    <cs:bodyPr rot="0" spcFirstLastPara="1" vertOverflow="clip" horzOverflow="clip" vert="horz" wrap="square" lIns="36576" tIns="18288" rIns="36576" bIns="18288" anchor="ctr" anchorCtr="1">
+      <a:spAutoFit/>
+    </cs:bodyPr>
+  </cs:dataLabelCallout>
+  <cs:dataPoint>
+    <cs:lnRef idx="0"/>
+    <cs:fillRef idx="1">
+      <cs:styleClr val="auto"/>
+    </cs:fillRef>
+    <cs:effectRef idx="0"/>
+    <cs:fontRef idx="minor">
+      <a:schemeClr val="tx1"/>
+    </cs:fontRef>
+  </cs:dataPoint>
+  <cs:dataPoint3D>
+    <cs:lnRef idx="0"/>
+    <cs:fillRef idx="1">
+      <cs:styleClr val="auto"/>
+    </cs:fillRef>
+    <cs:effectRef idx="0"/>
+    <cs:fontRef idx="minor">
+      <a:schemeClr val="tx1"/>
+    </cs:fontRef>
+  </cs:dataPoint3D>
+  <cs:dataPointLine>
+    <cs:lnRef idx="0">
+      <cs:styleClr val="auto"/>
+    </cs:lnRef>
+    <cs:fillRef idx="1"/>
+    <cs:effectRef idx="0"/>
+    <cs:fontRef idx="minor">
+      <a:schemeClr val="tx1"/>
+    </cs:fontRef>
+    <cs:spPr>
+      <a:ln w="28575" cap="rnd">
+        <a:solidFill>
+          <a:schemeClr val="phClr"/>
+        </a:solidFill>
+        <a:round/>
+      </a:ln>
+    </cs:spPr>
+  </cs:dataPointLine>
+  <cs:dataPointMarker>
+    <cs:lnRef idx="0">
+      <cs:styleClr val="auto"/>
+    </cs:lnRef>
+    <cs:fillRef idx="1">
+      <cs:styleClr val="auto"/>
+    </cs:fillRef>
+    <cs:effectRef idx="0"/>
+    <cs:fontRef idx="minor">
+      <a:schemeClr val="tx1"/>
+    </cs:fontRef>
+    <cs:spPr>
+      <a:ln w="9525">
+        <a:solidFill>
+          <a:schemeClr val="phClr"/>
+        </a:solidFill>
+      </a:ln>
+    </cs:spPr>
+  </cs:dataPointMarker>
+  <cs:dataPointMarkerLayout symbol="circle" size="5"/>
+  <cs:dataPointWireframe>
+    <cs:lnRef idx="0">
+      <cs:styleClr val="auto"/>
+    </cs:lnRef>
+    <cs:fillRef idx="1"/>
+    <cs:effectRef idx="0"/>
+    <cs:fontRef idx="minor">
+      <a:schemeClr val="tx1"/>
+    </cs:fontRef>
+    <cs:spPr>
+      <a:ln w="9525" cap="rnd">
+        <a:solidFill>
+          <a:schemeClr val="phClr"/>
+        </a:solidFill>
+        <a:round/>
+      </a:ln>
+    </cs:spPr>
+  </cs:dataPointWireframe>
+  <cs:dataTable>
+    <cs:lnRef idx="0"/>
+    <cs:fillRef idx="0"/>
+    <cs:effectRef idx="0"/>
+    <cs:fontRef idx="minor">
+      <a:schemeClr val="tx1">
+        <a:lumMod val="65000"/>
+        <a:lumOff val="35000"/>
+      </a:schemeClr>
+    </cs:fontRef>
+    <cs:spPr>
+      <a:noFill/>
+      <a:ln w="9525" cap="flat" cmpd="sng" algn="ctr">
+        <a:solidFill>
+          <a:schemeClr val="tx1">
+            <a:lumMod val="15000"/>
+            <a:lumOff val="85000"/>
+          </a:schemeClr>
+        </a:solidFill>
+        <a:round/>
+      </a:ln>
+    </cs:spPr>
+    <cs:defRPr sz="900" kern="1200"/>
+  </cs:dataTable>
+  <cs:downBar>
+    <cs:lnRef idx="0"/>
+    <cs:fillRef idx="0"/>
+    <cs:effectRef idx="0"/>
+    <cs:fontRef idx="minor">
+      <a:schemeClr val="dk1"/>
+    </cs:fontRef>
+    <cs:spPr>
+      <a:solidFill>
+        <a:schemeClr val="dk1">
+          <a:lumMod val="65000"/>
+          <a:lumOff val="35000"/>
+        </a:schemeClr>
+      </a:solidFill>
+      <a:ln w="9525">
+        <a:solidFill>
+          <a:schemeClr val="tx1">
+            <a:lumMod val="65000"/>
+            <a:lumOff val="35000"/>
+          </a:schemeClr>
+        </a:solidFill>
+      </a:ln>
+    </cs:spPr>
+  </cs:downBar>
+  <cs:dropLine>
+    <cs:lnRef idx="0"/>
+    <cs:fillRef idx="0"/>
+    <cs:effectRef idx="0"/>
+    <cs:fontRef idx="minor">
+      <a:schemeClr val="tx1"/>
+    </cs:fontRef>
+    <cs:spPr>
+      <a:ln w="9525" cap="flat" cmpd="sng" algn="ctr">
+        <a:solidFill>
+          <a:schemeClr val="tx1">
+            <a:lumMod val="35000"/>
+            <a:lumOff val="65000"/>
+          </a:schemeClr>
+        </a:solidFill>
+        <a:round/>
+      </a:ln>
+    </cs:spPr>
+  </cs:dropLine>
+  <cs:errorBar>
+    <cs:lnRef idx="0"/>
+    <cs:fillRef idx="0"/>
+    <cs:effectRef idx="0"/>
+    <cs:fontRef idx="minor">
+      <a:schemeClr val="tx1"/>
+    </cs:fontRef>
+    <cs:spPr>
+      <a:ln w="9525" cap="flat" cmpd="sng" algn="ctr">
+        <a:solidFill>
+          <a:schemeClr val="tx1">
+            <a:lumMod val="65000"/>
+            <a:lumOff val="35000"/>
+          </a:schemeClr>
+        </a:solidFill>
+        <a:round/>
+      </a:ln>
+    </cs:spPr>
+  </cs:errorBar>
+  <cs:floor>
+    <cs:lnRef idx="0"/>
+    <cs:fillRef idx="0"/>
+    <cs:effectRef idx="0"/>
+    <cs:fontRef idx="minor">
+      <a:schemeClr val="tx1"/>
+    </cs:fontRef>
+    <cs:spPr>
+      <a:noFill/>
+      <a:ln>
+        <a:noFill/>
+      </a:ln>
+    </cs:spPr>
+  </cs:floor>
+  <cs:gridlineMajor>
+    <cs:lnRef idx="0"/>
+    <cs:fillRef idx="0"/>
+    <cs:effectRef idx="0"/>
+    <cs:fontRef idx="minor">
+      <a:schemeClr val="tx1"/>
+    </cs:fontRef>
+    <cs:spPr>
+      <a:ln w="9525" cap="flat" cmpd="sng" algn="ctr">
+        <a:solidFill>
+          <a:schemeClr val="tx1">
+            <a:lumMod val="15000"/>
+            <a:lumOff val="85000"/>
+          </a:schemeClr>
+        </a:solidFill>
+        <a:round/>
+      </a:ln>
+    </cs:spPr>
+  </cs:gridlineMajor>
+  <cs:gridlineMinor>
+    <cs:lnRef idx="0"/>
+    <cs:fillRef idx="0"/>
+    <cs:effectRef idx="0"/>
+    <cs:fontRef idx="minor">
+      <a:schemeClr val="tx1"/>
+    </cs:fontRef>
+    <cs:spPr>
+      <a:ln w="9525" cap="flat" cmpd="sng" algn="ctr">
+        <a:solidFill>
+          <a:schemeClr val="tx1">
+            <a:lumMod val="5000"/>
+            <a:lumOff val="95000"/>
+          </a:schemeClr>
+        </a:solidFill>
+        <a:round/>
+      </a:ln>
+    </cs:spPr>
+  </cs:gridlineMinor>
+  <cs:hiLoLine>
+    <cs:lnRef idx="0"/>
+    <cs:fillRef idx="0"/>
+    <cs:effectRef idx="0"/>
+    <cs:fontRef idx="minor">
+      <a:schemeClr val="tx1"/>
+    </cs:fontRef>
+    <cs:spPr>
+      <a:ln w="9525" cap="flat" cmpd="sng" algn="ctr">
+        <a:solidFill>
+          <a:schemeClr val="tx1">
+            <a:lumMod val="75000"/>
+            <a:lumOff val="25000"/>
+          </a:schemeClr>
+        </a:solidFill>
+        <a:round/>
+      </a:ln>
+    </cs:spPr>
+  </cs:hiLoLine>
+  <cs:leaderLine>
+    <cs:lnRef idx="0"/>
+    <cs:fillRef idx="0"/>
+    <cs:effectRef idx="0"/>
+    <cs:fontRef idx="minor">
+      <a:schemeClr val="tx1"/>
+    </cs:fontRef>
+    <cs:spPr>
+      <a:ln w="9525" cap="flat" cmpd="sng" algn="ctr">
+        <a:solidFill>
+          <a:schemeClr val="tx1">
+            <a:lumMod val="35000"/>
+            <a:lumOff val="65000"/>
+          </a:schemeClr>
+        </a:solidFill>
+        <a:round/>
+      </a:ln>
+    </cs:spPr>
+  </cs:leaderLine>
+  <cs:legend>
+    <cs:lnRef idx="0"/>
+    <cs:fillRef idx="0"/>
+    <cs:effectRef idx="0"/>
+    <cs:fontRef idx="minor">
+      <a:schemeClr val="tx1">
+        <a:lumMod val="65000"/>
+        <a:lumOff val="35000"/>
+      </a:schemeClr>
+    </cs:fontRef>
+    <cs:defRPr sz="900" kern="1200"/>
+  </cs:legend>
+  <cs:plotArea mods="allowNoFillOverride allowNoLineOverride">
+    <cs:lnRef idx="0"/>
+    <cs:fillRef idx="0"/>
+    <cs:effectRef idx="0"/>
+    <cs:fontRef idx="minor">
+      <a:schemeClr val="tx1"/>
+    </cs:fontRef>
+  </cs:plotArea>
+  <cs:plotArea3D mods="allowNoFillOverride allowNoLineOverride">
+    <cs:lnRef idx="0"/>
+    <cs:fillRef idx="0"/>
+    <cs:effectRef idx="0"/>
+    <cs:fontRef idx="minor">
+      <a:schemeClr val="tx1"/>
+    </cs:fontRef>
+  </cs:plotArea3D>
+  <cs:seriesAxis>
+    <cs:lnRef idx="0"/>
+    <cs:fillRef idx="0"/>
+    <cs:effectRef idx="0"/>
+    <cs:fontRef idx="minor">
+      <a:schemeClr val="tx1">
+        <a:lumMod val="65000"/>
+        <a:lumOff val="35000"/>
+      </a:schemeClr>
+    </cs:fontRef>
+    <cs:defRPr sz="900" kern="1200"/>
+  </cs:seriesAxis>
+  <cs:seriesLine>
+    <cs:lnRef idx="0"/>
+    <cs:fillRef idx="0"/>
+    <cs:effectRef idx="0"/>
+    <cs:fontRef idx="minor">
+      <a:schemeClr val="tx1"/>
+    </cs:fontRef>
+    <cs:spPr>
+      <a:ln w="9525" cap="flat" cmpd="sng" algn="ctr">
+        <a:solidFill>
+          <a:schemeClr val="tx1">
+            <a:lumMod val="35000"/>
+            <a:lumOff val="65000"/>
+          </a:schemeClr>
+        </a:solidFill>
+        <a:round/>
+      </a:ln>
+    </cs:spPr>
+  </cs:seriesLine>
+  <cs:title>
+    <cs:lnRef idx="0"/>
+    <cs:fillRef idx="0"/>
+    <cs:effectRef idx="0"/>
+    <cs:fontRef idx="minor">
+      <a:schemeClr val="tx1">
+        <a:lumMod val="65000"/>
+        <a:lumOff val="35000"/>
+      </a:schemeClr>
+    </cs:fontRef>
+    <cs:defRPr sz="1400" b="0" kern="1200" spc="0" baseline="0"/>
+  </cs:title>
+  <cs:trendline>
+    <cs:lnRef idx="0">
+      <cs:styleClr val="auto"/>
+    </cs:lnRef>
+    <cs:fillRef idx="0"/>
+    <cs:effectRef idx="0"/>
+    <cs:fontRef idx="minor">
+      <a:schemeClr val="tx1"/>
+    </cs:fontRef>
+    <cs:spPr>
+      <a:ln w="19050" cap="rnd">
+        <a:solidFill>
+          <a:schemeClr val="phClr"/>
+        </a:solidFill>
+        <a:prstDash val="sysDot"/>
+      </a:ln>
+    </cs:spPr>
+  </cs:trendline>
+  <cs:trendlineLabel>
+    <cs:lnRef idx="0"/>
+    <cs:fillRef idx="0"/>
+    <cs:effectRef idx="0"/>
+    <cs:fontRef idx="minor">
+      <a:schemeClr val="tx1">
+        <a:lumMod val="65000"/>
+        <a:lumOff val="35000"/>
+      </a:schemeClr>
+    </cs:fontRef>
+    <cs:defRPr sz="900" kern="1200"/>
+  </cs:trendlineLabel>
+  <cs:upBar>
+    <cs:lnRef idx="0"/>
+    <cs:fillRef idx="0"/>
+    <cs:effectRef idx="0"/>
+    <cs:fontRef idx="minor">
+      <a:schemeClr val="dk1"/>
+    </cs:fontRef>
+    <cs:spPr>
+      <a:solidFill>
+        <a:schemeClr val="lt1"/>
+      </a:solidFill>
+      <a:ln w="9525">
+        <a:solidFill>
+          <a:schemeClr val="tx1">
+            <a:lumMod val="15000"/>
+            <a:lumOff val="85000"/>
+          </a:schemeClr>
+        </a:solidFill>
+      </a:ln>
+    </cs:spPr>
+  </cs:upBar>
+  <cs:valueAxis>
+    <cs:lnRef idx="0"/>
+    <cs:fillRef idx="0"/>
+    <cs:effectRef idx="0"/>
+    <cs:fontRef idx="minor">
+      <a:schemeClr val="tx1">
+        <a:lumMod val="65000"/>
+        <a:lumOff val="35000"/>
+      </a:schemeClr>
+    </cs:fontRef>
+    <cs:defRPr sz="900" kern="1200"/>
+  </cs:valueAxis>
+  <cs:wall>
+    <cs:lnRef idx="0"/>
+    <cs:fillRef idx="0"/>
+    <cs:effectRef idx="0"/>
+    <cs:fontRef idx="minor">
+      <a:schemeClr val="tx1"/>
+    </cs:fontRef>
+    <cs:spPr>
+      <a:noFill/>
+      <a:ln>
+        <a:noFill/>
+      </a:ln>
+    </cs:spPr>
+  </cs:wall>
+</cs:chartStyle>
+</file>
+
 <file path=ppt/charts/style7.xml><?xml version="1.0" encoding="utf-8"?>
+<cs:chartStyle xmlns:cs="http://schemas.microsoft.com/office/drawing/2012/chartStyle" xmlns:a="http://schemas.openxmlformats.org/drawingml/2006/main" id="332">
+  <cs:axisTitle>
+    <cs:lnRef idx="0"/>
+    <cs:fillRef idx="0"/>
+    <cs:effectRef idx="0"/>
+    <cs:fontRef idx="minor">
+      <a:schemeClr val="tx1">
+        <a:lumMod val="65000"/>
+        <a:lumOff val="35000"/>
+      </a:schemeClr>
+    </cs:fontRef>
+    <cs:defRPr sz="1000" kern="1200"/>
+  </cs:axisTitle>
+  <cs:categoryAxis>
+    <cs:lnRef idx="0"/>
+    <cs:fillRef idx="0"/>
+    <cs:effectRef idx="0"/>
+    <cs:fontRef idx="minor">
+      <a:schemeClr val="tx1">
+        <a:lumMod val="65000"/>
+        <a:lumOff val="35000"/>
+      </a:schemeClr>
+    </cs:fontRef>
+    <cs:spPr>
+      <a:ln w="9525" cap="flat" cmpd="sng" algn="ctr">
+        <a:solidFill>
+          <a:schemeClr val="tx1">
+            <a:lumMod val="15000"/>
+            <a:lumOff val="85000"/>
+          </a:schemeClr>
+        </a:solidFill>
+        <a:round/>
+      </a:ln>
+    </cs:spPr>
+    <cs:defRPr sz="900" kern="1200"/>
+  </cs:categoryAxis>
+  <cs:chartArea mods="allowNoFillOverride allowNoLineOverride">
+    <cs:lnRef idx="0"/>
+    <cs:fillRef idx="0"/>
+    <cs:effectRef idx="0"/>
+    <cs:fontRef idx="minor">
+      <a:schemeClr val="tx1"/>
+    </cs:fontRef>
+    <cs:spPr>
+      <a:solidFill>
+        <a:schemeClr val="bg1"/>
+      </a:solidFill>
+      <a:ln w="9525" cap="flat" cmpd="sng" algn="ctr">
+        <a:solidFill>
+          <a:schemeClr val="tx1">
+            <a:lumMod val="15000"/>
+            <a:lumOff val="85000"/>
+          </a:schemeClr>
+        </a:solidFill>
+        <a:round/>
+      </a:ln>
+    </cs:spPr>
+    <cs:defRPr sz="1000" kern="1200"/>
+  </cs:chartArea>
+  <cs:dataLabel>
+    <cs:lnRef idx="0"/>
+    <cs:fillRef idx="0"/>
+    <cs:effectRef idx="0"/>
+    <cs:fontRef idx="minor">
+      <a:schemeClr val="tx1">
+        <a:lumMod val="75000"/>
+        <a:lumOff val="25000"/>
+      </a:schemeClr>
+    </cs:fontRef>
+    <cs:defRPr sz="900" kern="1200"/>
+  </cs:dataLabel>
+  <cs:dataLabelCallout>
+    <cs:lnRef idx="0"/>
+    <cs:fillRef idx="0"/>
+    <cs:effectRef idx="0"/>
+    <cs:fontRef idx="minor">
+      <a:schemeClr val="dk1">
+        <a:lumMod val="65000"/>
+        <a:lumOff val="35000"/>
+      </a:schemeClr>
+    </cs:fontRef>
+    <cs:spPr>
+      <a:solidFill>
+        <a:schemeClr val="lt1"/>
+      </a:solidFill>
+      <a:ln>
+        <a:solidFill>
+          <a:schemeClr val="dk1">
+            <a:lumMod val="25000"/>
+            <a:lumOff val="75000"/>
+          </a:schemeClr>
+        </a:solidFill>
+      </a:ln>
+    </cs:spPr>
+    <cs:defRPr sz="900" kern="1200"/>
+    <cs:bodyPr rot="0" spcFirstLastPara="1" vertOverflow="clip" horzOverflow="clip" vert="horz" wrap="square" lIns="36576" tIns="18288" rIns="36576" bIns="18288" anchor="ctr" anchorCtr="1">
+      <a:spAutoFit/>
+    </cs:bodyPr>
+  </cs:dataLabelCallout>
+  <cs:dataPoint>
+    <cs:lnRef idx="0"/>
+    <cs:fillRef idx="1">
+      <cs:styleClr val="auto"/>
+    </cs:fillRef>
+    <cs:effectRef idx="0"/>
+    <cs:fontRef idx="minor">
+      <a:schemeClr val="tx1"/>
+    </cs:fontRef>
+  </cs:dataPoint>
+  <cs:dataPoint3D>
+    <cs:lnRef idx="0"/>
+    <cs:fillRef idx="1">
+      <cs:styleClr val="auto"/>
+    </cs:fillRef>
+    <cs:effectRef idx="0"/>
+    <cs:fontRef idx="minor">
+      <a:schemeClr val="tx1"/>
+    </cs:fontRef>
+  </cs:dataPoint3D>
+  <cs:dataPointLine>
+    <cs:lnRef idx="0">
+      <cs:styleClr val="auto"/>
+    </cs:lnRef>
+    <cs:fillRef idx="1"/>
+    <cs:effectRef idx="0"/>
+    <cs:fontRef idx="minor">
+      <a:schemeClr val="tx1"/>
+    </cs:fontRef>
+    <cs:spPr>
+      <a:ln w="28575" cap="rnd">
+        <a:solidFill>
+          <a:schemeClr val="phClr"/>
+        </a:solidFill>
+        <a:round/>
+      </a:ln>
+    </cs:spPr>
+  </cs:dataPointLine>
+  <cs:dataPointMarker>
+    <cs:lnRef idx="0">
+      <cs:styleClr val="auto"/>
+    </cs:lnRef>
+    <cs:fillRef idx="1">
+      <cs:styleClr val="auto"/>
+    </cs:fillRef>
+    <cs:effectRef idx="0"/>
+    <cs:fontRef idx="minor">
+      <a:schemeClr val="tx1"/>
+    </cs:fontRef>
+    <cs:spPr>
+      <a:ln w="9525">
+        <a:solidFill>
+          <a:schemeClr val="phClr"/>
+        </a:solidFill>
+      </a:ln>
+    </cs:spPr>
+  </cs:dataPointMarker>
+  <cs:dataPointMarkerLayout symbol="circle" size="5"/>
+  <cs:dataPointWireframe>
+    <cs:lnRef idx="0">
+      <cs:styleClr val="auto"/>
+    </cs:lnRef>
+    <cs:fillRef idx="1"/>
+    <cs:effectRef idx="0"/>
+    <cs:fontRef idx="minor">
+      <a:schemeClr val="tx1"/>
+    </cs:fontRef>
+    <cs:spPr>
+      <a:ln w="9525" cap="rnd">
+        <a:solidFill>
+          <a:schemeClr val="phClr"/>
+        </a:solidFill>
+        <a:round/>
+      </a:ln>
+    </cs:spPr>
+  </cs:dataPointWireframe>
+  <cs:dataTable>
+    <cs:lnRef idx="0"/>
+    <cs:fillRef idx="0"/>
+    <cs:effectRef idx="0"/>
+    <cs:fontRef idx="minor">
+      <a:schemeClr val="tx1">
+        <a:lumMod val="65000"/>
+        <a:lumOff val="35000"/>
+      </a:schemeClr>
+    </cs:fontRef>
+    <cs:spPr>
+      <a:noFill/>
+      <a:ln w="9525" cap="flat" cmpd="sng" algn="ctr">
+        <a:solidFill>
+          <a:schemeClr val="tx1">
+            <a:lumMod val="15000"/>
+            <a:lumOff val="85000"/>
+          </a:schemeClr>
+        </a:solidFill>
+        <a:round/>
+      </a:ln>
+    </cs:spPr>
+    <cs:defRPr sz="900" kern="1200"/>
+  </cs:dataTable>
+  <cs:downBar>
+    <cs:lnRef idx="0"/>
+    <cs:fillRef idx="0"/>
+    <cs:effectRef idx="0"/>
+    <cs:fontRef idx="minor">
+      <a:schemeClr val="dk1"/>
+    </cs:fontRef>
+    <cs:spPr>
+      <a:solidFill>
+        <a:schemeClr val="dk1">
+          <a:lumMod val="65000"/>
+          <a:lumOff val="35000"/>
+        </a:schemeClr>
+      </a:solidFill>
+      <a:ln w="9525">
+        <a:solidFill>
+          <a:schemeClr val="tx1">
+            <a:lumMod val="65000"/>
+            <a:lumOff val="35000"/>
+          </a:schemeClr>
+        </a:solidFill>
+      </a:ln>
+    </cs:spPr>
+  </cs:downBar>
+  <cs:dropLine>
+    <cs:lnRef idx="0"/>
+    <cs:fillRef idx="0"/>
+    <cs:effectRef idx="0"/>
+    <cs:fontRef idx="minor">
+      <a:schemeClr val="tx1"/>
+    </cs:fontRef>
+    <cs:spPr>
+      <a:ln w="9525" cap="flat" cmpd="sng" algn="ctr">
+        <a:solidFill>
+          <a:schemeClr val="tx1">
+            <a:lumMod val="35000"/>
+            <a:lumOff val="65000"/>
+          </a:schemeClr>
+        </a:solidFill>
+        <a:round/>
+      </a:ln>
+    </cs:spPr>
+  </cs:dropLine>
+  <cs:errorBar>
+    <cs:lnRef idx="0"/>
+    <cs:fillRef idx="0"/>
+    <cs:effectRef idx="0"/>
+    <cs:fontRef idx="minor">
+      <a:schemeClr val="tx1"/>
+    </cs:fontRef>
+    <cs:spPr>
+      <a:ln w="9525" cap="flat" cmpd="sng" algn="ctr">
+        <a:solidFill>
+          <a:schemeClr val="tx1">
+            <a:lumMod val="65000"/>
+            <a:lumOff val="35000"/>
+          </a:schemeClr>
+        </a:solidFill>
+        <a:round/>
+      </a:ln>
+    </cs:spPr>
+  </cs:errorBar>
+  <cs:floor>
+    <cs:lnRef idx="0"/>
+    <cs:fillRef idx="0"/>
+    <cs:effectRef idx="0"/>
+    <cs:fontRef idx="minor">
+      <a:schemeClr val="tx1"/>
+    </cs:fontRef>
+    <cs:spPr>
+      <a:noFill/>
+      <a:ln>
+        <a:noFill/>
+      </a:ln>
+    </cs:spPr>
+  </cs:floor>
+  <cs:gridlineMajor>
+    <cs:lnRef idx="0"/>
+    <cs:fillRef idx="0"/>
+    <cs:effectRef idx="0"/>
+    <cs:fontRef idx="minor">
+      <a:schemeClr val="tx1"/>
+    </cs:fontRef>
+    <cs:spPr>
+      <a:ln w="9525" cap="flat" cmpd="sng" algn="ctr">
+        <a:solidFill>
+          <a:schemeClr val="tx1">
+            <a:lumMod val="15000"/>
+            <a:lumOff val="85000"/>
+          </a:schemeClr>
+        </a:solidFill>
+        <a:round/>
+      </a:ln>
+    </cs:spPr>
+  </cs:gridlineMajor>
+  <cs:gridlineMinor>
+    <cs:lnRef idx="0"/>
+    <cs:fillRef idx="0"/>
+    <cs:effectRef idx="0"/>
+    <cs:fontRef idx="minor">
+      <a:schemeClr val="tx1"/>
+    </cs:fontRef>
+    <cs:spPr>
+      <a:ln w="9525" cap="flat" cmpd="sng" algn="ctr">
+        <a:solidFill>
+          <a:schemeClr val="tx1">
+            <a:lumMod val="5000"/>
+            <a:lumOff val="95000"/>
+          </a:schemeClr>
+        </a:solidFill>
+        <a:round/>
+      </a:ln>
+    </cs:spPr>
+  </cs:gridlineMinor>
+  <cs:hiLoLine>
+    <cs:lnRef idx="0"/>
+    <cs:fillRef idx="0"/>
+    <cs:effectRef idx="0"/>
+    <cs:fontRef idx="minor">
+      <a:schemeClr val="tx1"/>
+    </cs:fontRef>
+    <cs:spPr>
+      <a:ln w="9525" cap="flat" cmpd="sng" algn="ctr">
+        <a:solidFill>
+          <a:schemeClr val="tx1">
+            <a:lumMod val="75000"/>
+            <a:lumOff val="25000"/>
+          </a:schemeClr>
+        </a:solidFill>
+        <a:round/>
+      </a:ln>
+    </cs:spPr>
+  </cs:hiLoLine>
+  <cs:leaderLine>
+    <cs:lnRef idx="0"/>
+    <cs:fillRef idx="0"/>
+    <cs:effectRef idx="0"/>
+    <cs:fontRef idx="minor">
+      <a:schemeClr val="tx1"/>
+    </cs:fontRef>
+    <cs:spPr>
+      <a:ln w="9525" cap="flat" cmpd="sng" algn="ctr">
+        <a:solidFill>
+          <a:schemeClr val="tx1">
+            <a:lumMod val="35000"/>
+            <a:lumOff val="65000"/>
+          </a:schemeClr>
+        </a:solidFill>
+        <a:round/>
+      </a:ln>
+    </cs:spPr>
+  </cs:leaderLine>
+  <cs:legend>
+    <cs:lnRef idx="0"/>
+    <cs:fillRef idx="0"/>
+    <cs:effectRef idx="0"/>
+    <cs:fontRef idx="minor">
+      <a:schemeClr val="tx1">
+        <a:lumMod val="65000"/>
+        <a:lumOff val="35000"/>
+      </a:schemeClr>
+    </cs:fontRef>
+    <cs:defRPr sz="900" kern="1200"/>
+  </cs:legend>
+  <cs:plotArea mods="allowNoFillOverride allowNoLineOverride">
+    <cs:lnRef idx="0"/>
+    <cs:fillRef idx="0"/>
+    <cs:effectRef idx="0"/>
+    <cs:fontRef idx="minor">
+      <a:schemeClr val="tx1"/>
+    </cs:fontRef>
+  </cs:plotArea>
+  <cs:plotArea3D mods="allowNoFillOverride allowNoLineOverride">
+    <cs:lnRef idx="0"/>
+    <cs:fillRef idx="0"/>
+    <cs:effectRef idx="0"/>
+    <cs:fontRef idx="minor">
+      <a:schemeClr val="tx1"/>
+    </cs:fontRef>
+  </cs:plotArea3D>
+  <cs:seriesAxis>
+    <cs:lnRef idx="0"/>
+    <cs:fillRef idx="0"/>
+    <cs:effectRef idx="0"/>
+    <cs:fontRef idx="minor">
+      <a:schemeClr val="tx1">
+        <a:lumMod val="65000"/>
+        <a:lumOff val="35000"/>
+      </a:schemeClr>
+    </cs:fontRef>
+    <cs:defRPr sz="900" kern="1200"/>
+  </cs:seriesAxis>
+  <cs:seriesLine>
+    <cs:lnRef idx="0"/>
+    <cs:fillRef idx="0"/>
+    <cs:effectRef idx="0"/>
+    <cs:fontRef idx="minor">
+      <a:schemeClr val="tx1"/>
+    </cs:fontRef>
+    <cs:spPr>
+      <a:ln w="9525" cap="flat" cmpd="sng" algn="ctr">
+        <a:solidFill>
+          <a:schemeClr val="tx1">
+            <a:lumMod val="35000"/>
+            <a:lumOff val="65000"/>
+          </a:schemeClr>
+        </a:solidFill>
+        <a:round/>
+      </a:ln>
+    </cs:spPr>
+  </cs:seriesLine>
+  <cs:title>
+    <cs:lnRef idx="0"/>
+    <cs:fillRef idx="0"/>
+    <cs:effectRef idx="0"/>
+    <cs:fontRef idx="minor">
+      <a:schemeClr val="tx1">
+        <a:lumMod val="65000"/>
+        <a:lumOff val="35000"/>
+      </a:schemeClr>
+    </cs:fontRef>
+    <cs:defRPr sz="1400" b="0" kern="1200" spc="0" baseline="0"/>
+  </cs:title>
+  <cs:trendline>
+    <cs:lnRef idx="0">
+      <cs:styleClr val="auto"/>
+    </cs:lnRef>
+    <cs:fillRef idx="0"/>
+    <cs:effectRef idx="0"/>
+    <cs:fontRef idx="minor">
+      <a:schemeClr val="tx1"/>
+    </cs:fontRef>
+    <cs:spPr>
+      <a:ln w="19050" cap="rnd">
+        <a:solidFill>
+          <a:schemeClr val="phClr"/>
+        </a:solidFill>
+        <a:prstDash val="sysDot"/>
+      </a:ln>
+    </cs:spPr>
+  </cs:trendline>
+  <cs:trendlineLabel>
+    <cs:lnRef idx="0"/>
+    <cs:fillRef idx="0"/>
+    <cs:effectRef idx="0"/>
+    <cs:fontRef idx="minor">
+      <a:schemeClr val="tx1">
+        <a:lumMod val="65000"/>
+        <a:lumOff val="35000"/>
+      </a:schemeClr>
+    </cs:fontRef>
+    <cs:defRPr sz="900" kern="1200"/>
+  </cs:trendlineLabel>
+  <cs:upBar>
+    <cs:lnRef idx="0"/>
+    <cs:fillRef idx="0"/>
+    <cs:effectRef idx="0"/>
+    <cs:fontRef idx="minor">
+      <a:schemeClr val="dk1"/>
+    </cs:fontRef>
+    <cs:spPr>
+      <a:solidFill>
+        <a:schemeClr val="lt1"/>
+      </a:solidFill>
+      <a:ln w="9525">
+        <a:solidFill>
+          <a:schemeClr val="tx1">
+            <a:lumMod val="15000"/>
+            <a:lumOff val="85000"/>
+          </a:schemeClr>
+        </a:solidFill>
+      </a:ln>
+    </cs:spPr>
+  </cs:upBar>
+  <cs:valueAxis>
+    <cs:lnRef idx="0"/>
+    <cs:fillRef idx="0"/>
+    <cs:effectRef idx="0"/>
+    <cs:fontRef idx="minor">
+      <a:schemeClr val="tx1">
+        <a:lumMod val="65000"/>
+        <a:lumOff val="35000"/>
+      </a:schemeClr>
+    </cs:fontRef>
+    <cs:defRPr sz="900" kern="1200"/>
+  </cs:valueAxis>
+  <cs:wall>
+    <cs:lnRef idx="0"/>
+    <cs:fillRef idx="0"/>
+    <cs:effectRef idx="0"/>
+    <cs:fontRef idx="minor">
+      <a:schemeClr val="tx1"/>
+    </cs:fontRef>
+    <cs:spPr>
+      <a:noFill/>
+      <a:ln>
+        <a:noFill/>
+      </a:ln>
+    </cs:spPr>
+  </cs:wall>
+</cs:chartStyle>
+</file>
+
+<file path=ppt/charts/style8.xml><?xml version="1.0" encoding="utf-8"?>
+<cs:chartStyle xmlns:cs="http://schemas.microsoft.com/office/drawing/2012/chartStyle" xmlns:a="http://schemas.openxmlformats.org/drawingml/2006/main" id="332">
+  <cs:axisTitle>
+    <cs:lnRef idx="0"/>
+    <cs:fillRef idx="0"/>
+    <cs:effectRef idx="0"/>
+    <cs:fontRef idx="minor">
+      <a:schemeClr val="tx1">
+        <a:lumMod val="65000"/>
+        <a:lumOff val="35000"/>
+      </a:schemeClr>
+    </cs:fontRef>
+    <cs:defRPr sz="1000" kern="1200"/>
+  </cs:axisTitle>
+  <cs:categoryAxis>
+    <cs:lnRef idx="0"/>
+    <cs:fillRef idx="0"/>
+    <cs:effectRef idx="0"/>
+    <cs:fontRef idx="minor">
+      <a:schemeClr val="tx1">
+        <a:lumMod val="65000"/>
+        <a:lumOff val="35000"/>
+      </a:schemeClr>
+    </cs:fontRef>
+    <cs:spPr>
+      <a:ln w="9525" cap="flat" cmpd="sng" algn="ctr">
+        <a:solidFill>
+          <a:schemeClr val="tx1">
+            <a:lumMod val="15000"/>
+            <a:lumOff val="85000"/>
+          </a:schemeClr>
+        </a:solidFill>
+        <a:round/>
+      </a:ln>
+    </cs:spPr>
+    <cs:defRPr sz="900" kern="1200"/>
+  </cs:categoryAxis>
+  <cs:chartArea mods="allowNoFillOverride allowNoLineOverride">
+    <cs:lnRef idx="0"/>
+    <cs:fillRef idx="0"/>
+    <cs:effectRef idx="0"/>
+    <cs:fontRef idx="minor">
+      <a:schemeClr val="tx1"/>
+    </cs:fontRef>
+    <cs:spPr>
+      <a:solidFill>
+        <a:schemeClr val="bg1"/>
+      </a:solidFill>
+      <a:ln w="9525" cap="flat" cmpd="sng" algn="ctr">
+        <a:solidFill>
+          <a:schemeClr val="tx1">
+            <a:lumMod val="15000"/>
+            <a:lumOff val="85000"/>
+          </a:schemeClr>
+        </a:solidFill>
+        <a:round/>
+      </a:ln>
+    </cs:spPr>
+    <cs:defRPr sz="1000" kern="1200"/>
+  </cs:chartArea>
+  <cs:dataLabel>
+    <cs:lnRef idx="0"/>
+    <cs:fillRef idx="0"/>
+    <cs:effectRef idx="0"/>
+    <cs:fontRef idx="minor">
+      <a:schemeClr val="tx1">
+        <a:lumMod val="75000"/>
+        <a:lumOff val="25000"/>
+      </a:schemeClr>
+    </cs:fontRef>
+    <cs:defRPr sz="900" kern="1200"/>
+  </cs:dataLabel>
+  <cs:dataLabelCallout>
+    <cs:lnRef idx="0"/>
+    <cs:fillRef idx="0"/>
+    <cs:effectRef idx="0"/>
+    <cs:fontRef idx="minor">
+      <a:schemeClr val="dk1">
+        <a:lumMod val="65000"/>
+        <a:lumOff val="35000"/>
+      </a:schemeClr>
+    </cs:fontRef>
+    <cs:spPr>
+      <a:solidFill>
+        <a:schemeClr val="lt1"/>
+      </a:solidFill>
+      <a:ln>
+        <a:solidFill>
+          <a:schemeClr val="dk1">
+            <a:lumMod val="25000"/>
+            <a:lumOff val="75000"/>
+          </a:schemeClr>
+        </a:solidFill>
+      </a:ln>
+    </cs:spPr>
+    <cs:defRPr sz="900" kern="1200"/>
+    <cs:bodyPr rot="0" spcFirstLastPara="1" vertOverflow="clip" horzOverflow="clip" vert="horz" wrap="square" lIns="36576" tIns="18288" rIns="36576" bIns="18288" anchor="ctr" anchorCtr="1">
+      <a:spAutoFit/>
+    </cs:bodyPr>
+  </cs:dataLabelCallout>
+  <cs:dataPoint>
+    <cs:lnRef idx="0"/>
+    <cs:fillRef idx="1">
+      <cs:styleClr val="auto"/>
+    </cs:fillRef>
+    <cs:effectRef idx="0"/>
+    <cs:fontRef idx="minor">
+      <a:schemeClr val="tx1"/>
+    </cs:fontRef>
+  </cs:dataPoint>
+  <cs:dataPoint3D>
+    <cs:lnRef idx="0"/>
+    <cs:fillRef idx="1">
+      <cs:styleClr val="auto"/>
+    </cs:fillRef>
+    <cs:effectRef idx="0"/>
+    <cs:fontRef idx="minor">
+      <a:schemeClr val="tx1"/>
+    </cs:fontRef>
+  </cs:dataPoint3D>
+  <cs:dataPointLine>
+    <cs:lnRef idx="0">
+      <cs:styleClr val="auto"/>
+    </cs:lnRef>
+    <cs:fillRef idx="1"/>
+    <cs:effectRef idx="0"/>
+    <cs:fontRef idx="minor">
+      <a:schemeClr val="tx1"/>
+    </cs:fontRef>
+    <cs:spPr>
+      <a:ln w="28575" cap="rnd">
+        <a:solidFill>
+          <a:schemeClr val="phClr"/>
+        </a:solidFill>
+        <a:round/>
+      </a:ln>
+    </cs:spPr>
+  </cs:dataPointLine>
+  <cs:dataPointMarker>
+    <cs:lnRef idx="0">
+      <cs:styleClr val="auto"/>
+    </cs:lnRef>
+    <cs:fillRef idx="1">
+      <cs:styleClr val="auto"/>
+    </cs:fillRef>
+    <cs:effectRef idx="0"/>
+    <cs:fontRef idx="minor">
+      <a:schemeClr val="tx1"/>
+    </cs:fontRef>
+    <cs:spPr>
+      <a:ln w="9525">
+        <a:solidFill>
+          <a:schemeClr val="phClr"/>
+        </a:solidFill>
+      </a:ln>
+    </cs:spPr>
+  </cs:dataPointMarker>
+  <cs:dataPointMarkerLayout symbol="circle" size="5"/>
+  <cs:dataPointWireframe>
+    <cs:lnRef idx="0">
+      <cs:styleClr val="auto"/>
+    </cs:lnRef>
+    <cs:fillRef idx="1"/>
+    <cs:effectRef idx="0"/>
+    <cs:fontRef idx="minor">
+      <a:schemeClr val="tx1"/>
+    </cs:fontRef>
+    <cs:spPr>
+      <a:ln w="9525" cap="rnd">
+        <a:solidFill>
+          <a:schemeClr val="phClr"/>
+        </a:solidFill>
+        <a:round/>
+      </a:ln>
+    </cs:spPr>
+  </cs:dataPointWireframe>
+  <cs:dataTable>
+    <cs:lnRef idx="0"/>
+    <cs:fillRef idx="0"/>
+    <cs:effectRef idx="0"/>
+    <cs:fontRef idx="minor">
+      <a:schemeClr val="tx1">
+        <a:lumMod val="65000"/>
+        <a:lumOff val="35000"/>
+      </a:schemeClr>
+    </cs:fontRef>
+    <cs:spPr>
+      <a:noFill/>
+      <a:ln w="9525" cap="flat" cmpd="sng" algn="ctr">
+        <a:solidFill>
+          <a:schemeClr val="tx1">
+            <a:lumMod val="15000"/>
+            <a:lumOff val="85000"/>
+          </a:schemeClr>
+        </a:solidFill>
+        <a:round/>
+      </a:ln>
+    </cs:spPr>
+    <cs:defRPr sz="900" kern="1200"/>
+  </cs:dataTable>
+  <cs:downBar>
+    <cs:lnRef idx="0"/>
+    <cs:fillRef idx="0"/>
+    <cs:effectRef idx="0"/>
+    <cs:fontRef idx="minor">
+      <a:schemeClr val="dk1"/>
+    </cs:fontRef>
+    <cs:spPr>
+      <a:solidFill>
+        <a:schemeClr val="dk1">
+          <a:lumMod val="65000"/>
+          <a:lumOff val="35000"/>
+        </a:schemeClr>
+      </a:solidFill>
+      <a:ln w="9525">
+        <a:solidFill>
+          <a:schemeClr val="tx1">
+            <a:lumMod val="65000"/>
+            <a:lumOff val="35000"/>
+          </a:schemeClr>
+        </a:solidFill>
+      </a:ln>
+    </cs:spPr>
+  </cs:downBar>
+  <cs:dropLine>
+    <cs:lnRef idx="0"/>
+    <cs:fillRef idx="0"/>
+    <cs:effectRef idx="0"/>
+    <cs:fontRef idx="minor">
+      <a:schemeClr val="tx1"/>
+    </cs:fontRef>
+    <cs:spPr>
+      <a:ln w="9525" cap="flat" cmpd="sng" algn="ctr">
+        <a:solidFill>
+          <a:schemeClr val="tx1">
+            <a:lumMod val="35000"/>
+            <a:lumOff val="65000"/>
+          </a:schemeClr>
+        </a:solidFill>
+        <a:round/>
+      </a:ln>
+    </cs:spPr>
+  </cs:dropLine>
+  <cs:errorBar>
+    <cs:lnRef idx="0"/>
+    <cs:fillRef idx="0"/>
+    <cs:effectRef idx="0"/>
+    <cs:fontRef idx="minor">
+      <a:schemeClr val="tx1"/>
+    </cs:fontRef>
+    <cs:spPr>
+      <a:ln w="9525" cap="flat" cmpd="sng" algn="ctr">
+        <a:solidFill>
+          <a:schemeClr val="tx1">
+            <a:lumMod val="65000"/>
+            <a:lumOff val="35000"/>
+          </a:schemeClr>
+        </a:solidFill>
+        <a:round/>
+      </a:ln>
+    </cs:spPr>
+  </cs:errorBar>
+  <cs:floor>
+    <cs:lnRef idx="0"/>
+    <cs:fillRef idx="0"/>
+    <cs:effectRef idx="0"/>
+    <cs:fontRef idx="minor">
+      <a:schemeClr val="tx1"/>
+    </cs:fontRef>
+    <cs:spPr>
+      <a:noFill/>
+      <a:ln>
+        <a:noFill/>
+      </a:ln>
+    </cs:spPr>
+  </cs:floor>
+  <cs:gridlineMajor>
+    <cs:lnRef idx="0"/>
+    <cs:fillRef idx="0"/>
+    <cs:effectRef idx="0"/>
+    <cs:fontRef idx="minor">
+      <a:schemeClr val="tx1"/>
+    </cs:fontRef>
+    <cs:spPr>
+      <a:ln w="9525" cap="flat" cmpd="sng" algn="ctr">
+        <a:solidFill>
+          <a:schemeClr val="tx1">
+            <a:lumMod val="15000"/>
+            <a:lumOff val="85000"/>
+          </a:schemeClr>
+        </a:solidFill>
+        <a:round/>
+      </a:ln>
+    </cs:spPr>
+  </cs:gridlineMajor>
+  <cs:gridlineMinor>
+    <cs:lnRef idx="0"/>
+    <cs:fillRef idx="0"/>
+    <cs:effectRef idx="0"/>
+    <cs:fontRef idx="minor">
+      <a:schemeClr val="tx1"/>
+    </cs:fontRef>
+    <cs:spPr>
+      <a:ln w="9525" cap="flat" cmpd="sng" algn="ctr">
+        <a:solidFill>
+          <a:schemeClr val="tx1">
+            <a:lumMod val="5000"/>
+            <a:lumOff val="95000"/>
+          </a:schemeClr>
+        </a:solidFill>
+        <a:round/>
+      </a:ln>
+    </cs:spPr>
+  </cs:gridlineMinor>
+  <cs:hiLoLine>
+    <cs:lnRef idx="0"/>
+    <cs:fillRef idx="0"/>
+    <cs:effectRef idx="0"/>
+    <cs:fontRef idx="minor">
+      <a:schemeClr val="tx1"/>
+    </cs:fontRef>
+    <cs:spPr>
+      <a:ln w="9525" cap="flat" cmpd="sng" algn="ctr">
+        <a:solidFill>
+          <a:schemeClr val="tx1">
+            <a:lumMod val="75000"/>
+            <a:lumOff val="25000"/>
+          </a:schemeClr>
+        </a:solidFill>
+        <a:round/>
+      </a:ln>
+    </cs:spPr>
+  </cs:hiLoLine>
+  <cs:leaderLine>
+    <cs:lnRef idx="0"/>
+    <cs:fillRef idx="0"/>
+    <cs:effectRef idx="0"/>
+    <cs:fontRef idx="minor">
+      <a:schemeClr val="tx1"/>
+    </cs:fontRef>
+    <cs:spPr>
+      <a:ln w="9525" cap="flat" cmpd="sng" algn="ctr">
+        <a:solidFill>
+          <a:schemeClr val="tx1">
+            <a:lumMod val="35000"/>
+            <a:lumOff val="65000"/>
+          </a:schemeClr>
+        </a:solidFill>
+        <a:round/>
+      </a:ln>
+    </cs:spPr>
+  </cs:leaderLine>
+  <cs:legend>
+    <cs:lnRef idx="0"/>
+    <cs:fillRef idx="0"/>
+    <cs:effectRef idx="0"/>
+    <cs:fontRef idx="minor">
+      <a:schemeClr val="tx1">
+        <a:lumMod val="65000"/>
+        <a:lumOff val="35000"/>
+      </a:schemeClr>
+    </cs:fontRef>
+    <cs:defRPr sz="900" kern="1200"/>
+  </cs:legend>
+  <cs:plotArea mods="allowNoFillOverride allowNoLineOverride">
+    <cs:lnRef idx="0"/>
+    <cs:fillRef idx="0"/>
+    <cs:effectRef idx="0"/>
+    <cs:fontRef idx="minor">
+      <a:schemeClr val="tx1"/>
+    </cs:fontRef>
+  </cs:plotArea>
+  <cs:plotArea3D mods="allowNoFillOverride allowNoLineOverride">
+    <cs:lnRef idx="0"/>
+    <cs:fillRef idx="0"/>
+    <cs:effectRef idx="0"/>
+    <cs:fontRef idx="minor">
+      <a:schemeClr val="tx1"/>
+    </cs:fontRef>
+  </cs:plotArea3D>
+  <cs:seriesAxis>
+    <cs:lnRef idx="0"/>
+    <cs:fillRef idx="0"/>
+    <cs:effectRef idx="0"/>
+    <cs:fontRef idx="minor">
+      <a:schemeClr val="tx1">
+        <a:lumMod val="65000"/>
+        <a:lumOff val="35000"/>
+      </a:schemeClr>
+    </cs:fontRef>
+    <cs:defRPr sz="900" kern="1200"/>
+  </cs:seriesAxis>
+  <cs:seriesLine>
+    <cs:lnRef idx="0"/>
+    <cs:fillRef idx="0"/>
+    <cs:effectRef idx="0"/>
+    <cs:fontRef idx="minor">
+      <a:schemeClr val="tx1"/>
+    </cs:fontRef>
+    <cs:spPr>
+      <a:ln w="9525" cap="flat" cmpd="sng" algn="ctr">
+        <a:solidFill>
+          <a:schemeClr val="tx1">
+            <a:lumMod val="35000"/>
+            <a:lumOff val="65000"/>
+          </a:schemeClr>
+        </a:solidFill>
+        <a:round/>
+      </a:ln>
+    </cs:spPr>
+  </cs:seriesLine>
+  <cs:title>
+    <cs:lnRef idx="0"/>
+    <cs:fillRef idx="0"/>
+    <cs:effectRef idx="0"/>
+    <cs:fontRef idx="minor">
+      <a:schemeClr val="tx1">
+        <a:lumMod val="65000"/>
+        <a:lumOff val="35000"/>
+      </a:schemeClr>
+    </cs:fontRef>
+    <cs:defRPr sz="1400" b="0" kern="1200" spc="0" baseline="0"/>
+  </cs:title>
+  <cs:trendline>
+    <cs:lnRef idx="0">
+      <cs:styleClr val="auto"/>
+    </cs:lnRef>
+    <cs:fillRef idx="0"/>
+    <cs:effectRef idx="0"/>
+    <cs:fontRef idx="minor">
+      <a:schemeClr val="tx1"/>
+    </cs:fontRef>
+    <cs:spPr>
+      <a:ln w="19050" cap="rnd">
+        <a:solidFill>
+          <a:schemeClr val="phClr"/>
+        </a:solidFill>
+        <a:prstDash val="sysDot"/>
+      </a:ln>
+    </cs:spPr>
+  </cs:trendline>
+  <cs:trendlineLabel>
+    <cs:lnRef idx="0"/>
+    <cs:fillRef idx="0"/>
+    <cs:effectRef idx="0"/>
+    <cs:fontRef idx="minor">
+      <a:schemeClr val="tx1">
+        <a:lumMod val="65000"/>
+        <a:lumOff val="35000"/>
+      </a:schemeClr>
+    </cs:fontRef>
+    <cs:defRPr sz="900" kern="1200"/>
+  </cs:trendlineLabel>
+  <cs:upBar>
+    <cs:lnRef idx="0"/>
+    <cs:fillRef idx="0"/>
+    <cs:effectRef idx="0"/>
+    <cs:fontRef idx="minor">
+      <a:schemeClr val="dk1"/>
+    </cs:fontRef>
+    <cs:spPr>
+      <a:solidFill>
+        <a:schemeClr val="lt1"/>
+      </a:solidFill>
+      <a:ln w="9525">
+        <a:solidFill>
+          <a:schemeClr val="tx1">
+            <a:lumMod val="15000"/>
+            <a:lumOff val="85000"/>
+          </a:schemeClr>
+        </a:solidFill>
+      </a:ln>
+    </cs:spPr>
+  </cs:upBar>
+  <cs:valueAxis>
+    <cs:lnRef idx="0"/>
+    <cs:fillRef idx="0"/>
+    <cs:effectRef idx="0"/>
+    <cs:fontRef idx="minor">
+      <a:schemeClr val="tx1">
+        <a:lumMod val="65000"/>
+        <a:lumOff val="35000"/>
+      </a:schemeClr>
+    </cs:fontRef>
+    <cs:defRPr sz="900" kern="1200"/>
+  </cs:valueAxis>
+  <cs:wall>
+    <cs:lnRef idx="0"/>
+    <cs:fillRef idx="0"/>
+    <cs:effectRef idx="0"/>
+    <cs:fontRef idx="minor">
+      <a:schemeClr val="tx1"/>
+    </cs:fontRef>
+    <cs:spPr>
+      <a:noFill/>
+      <a:ln>
+        <a:noFill/>
+      </a:ln>
+    </cs:spPr>
+  </cs:wall>
+</cs:chartStyle>
+</file>
+
+<file path=ppt/charts/style9.xml><?xml version="1.0" encoding="utf-8"?>
 <cs:chartStyle xmlns:cs="http://schemas.microsoft.com/office/drawing/2012/chartStyle" xmlns:a="http://schemas.openxmlformats.org/drawingml/2006/main" id="332">
   <cs:axisTitle>
     <cs:lnRef idx="0"/>
@@ -8077,7 +12320,7 @@
           <a:p>
             <a:fld id="{FEC8F623-83FF-45D9-9165-1796CF17F145}" type="datetimeFigureOut">
               <a:rPr lang="en-US" smtClean="0"/>
-              <a:t>10/19/2023</a:t>
+              <a:t>7/15/2024</a:t>
             </a:fld>
             <a:endParaRPr lang="en-US"/>
           </a:p>
@@ -8245,7 +12488,7 @@
           <a:p>
             <a:fld id="{FEC8F623-83FF-45D9-9165-1796CF17F145}" type="datetimeFigureOut">
               <a:rPr lang="en-US" smtClean="0"/>
-              <a:t>10/19/2023</a:t>
+              <a:t>7/15/2024</a:t>
             </a:fld>
             <a:endParaRPr lang="en-US"/>
           </a:p>
@@ -8423,7 +12666,7 @@
           <a:p>
             <a:fld id="{FEC8F623-83FF-45D9-9165-1796CF17F145}" type="datetimeFigureOut">
               <a:rPr lang="en-US" smtClean="0"/>
-              <a:t>10/19/2023</a:t>
+              <a:t>7/15/2024</a:t>
             </a:fld>
             <a:endParaRPr lang="en-US"/>
           </a:p>
@@ -8591,7 +12834,7 @@
           <a:p>
             <a:fld id="{FEC8F623-83FF-45D9-9165-1796CF17F145}" type="datetimeFigureOut">
               <a:rPr lang="en-US" smtClean="0"/>
-              <a:t>10/19/2023</a:t>
+              <a:t>7/15/2024</a:t>
             </a:fld>
             <a:endParaRPr lang="en-US"/>
           </a:p>
@@ -8871,7 +13114,7 @@
           <a:p>
             <a:fld id="{FEC8F623-83FF-45D9-9165-1796CF17F145}" type="datetimeFigureOut">
               <a:rPr lang="en-US" smtClean="0"/>
-              <a:t>10/19/2023</a:t>
+              <a:t>7/15/2024</a:t>
             </a:fld>
             <a:endParaRPr lang="en-US"/>
           </a:p>
@@ -9124,7 +13367,7 @@
           <a:p>
             <a:fld id="{FEC8F623-83FF-45D9-9165-1796CF17F145}" type="datetimeFigureOut">
               <a:rPr lang="en-US" smtClean="0"/>
-              <a:t>10/19/2023</a:t>
+              <a:t>7/15/2024</a:t>
             </a:fld>
             <a:endParaRPr lang="en-US"/>
           </a:p>
@@ -9512,7 +13755,7 @@
           <a:p>
             <a:fld id="{FEC8F623-83FF-45D9-9165-1796CF17F145}" type="datetimeFigureOut">
               <a:rPr lang="en-US" smtClean="0"/>
-              <a:t>10/19/2023</a:t>
+              <a:t>7/15/2024</a:t>
             </a:fld>
             <a:endParaRPr lang="en-US"/>
           </a:p>
@@ -9653,7 +13896,7 @@
           <a:p>
             <a:fld id="{FEC8F623-83FF-45D9-9165-1796CF17F145}" type="datetimeFigureOut">
               <a:rPr lang="en-US" smtClean="0"/>
-              <a:t>10/19/2023</a:t>
+              <a:t>7/15/2024</a:t>
             </a:fld>
             <a:endParaRPr lang="en-US"/>
           </a:p>
@@ -9748,7 +13991,7 @@
           <a:p>
             <a:fld id="{FEC8F623-83FF-45D9-9165-1796CF17F145}" type="datetimeFigureOut">
               <a:rPr lang="en-US" smtClean="0"/>
-              <a:t>10/19/2023</a:t>
+              <a:t>7/15/2024</a:t>
             </a:fld>
             <a:endParaRPr lang="en-US"/>
           </a:p>
@@ -10023,7 +14266,7 @@
           <a:p>
             <a:fld id="{FEC8F623-83FF-45D9-9165-1796CF17F145}" type="datetimeFigureOut">
               <a:rPr lang="en-US" smtClean="0"/>
-              <a:t>10/19/2023</a:t>
+              <a:t>7/15/2024</a:t>
             </a:fld>
             <a:endParaRPr lang="en-US"/>
           </a:p>
@@ -10275,7 +14518,7 @@
           <a:p>
             <a:fld id="{FEC8F623-83FF-45D9-9165-1796CF17F145}" type="datetimeFigureOut">
               <a:rPr lang="en-US" smtClean="0"/>
-              <a:t>10/19/2023</a:t>
+              <a:t>7/15/2024</a:t>
             </a:fld>
             <a:endParaRPr lang="en-US"/>
           </a:p>
@@ -10486,7 +14729,7 @@
           <a:p>
             <a:fld id="{FEC8F623-83FF-45D9-9165-1796CF17F145}" type="datetimeFigureOut">
               <a:rPr lang="en-US" smtClean="0"/>
-              <a:t>10/19/2023</a:t>
+              <a:t>7/15/2024</a:t>
             </a:fld>
             <a:endParaRPr lang="en-US"/>
           </a:p>
@@ -10976,8 +15219,8 @@
         </p:nvSpPr>
         <p:spPr>
           <a:xfrm>
-            <a:off x="995846" y="3257760"/>
-            <a:ext cx="10200289" cy="3139321"/>
+            <a:off x="324666" y="3256900"/>
+            <a:ext cx="11542644" cy="3139321"/>
           </a:xfrm>
           <a:prstGeom prst="rect">
             <a:avLst/>
@@ -10999,7 +15242,7 @@
                 <a:effectLst/>
                 <a:latin typeface="Open Sans" panose="020B0606030504020204" pitchFamily="34" charset="0"/>
               </a:rPr>
-              <a:t>Crude prevalence of chronic kidney disease (CKD) among adults aged ≥ 18 years was 13.9% during 2017–March 2020 compared to 12.9% during 2001–2004. Crude prevalence was higher in adults aged ≥ 70 years, women, non-Hispanic Black adults, and adults with diabetes or hypertension than that in their counterparts. Crude prevalence of CKD was 38.4% among adults aged ≥ 70 years during 2017–March 2020 and 47.1% during 2001–2004. Non-Hispanic Black adults show the highest crude prevalence of CKD over time compared with other racial and ethnic groups. Crude prevalence of CKD showed a downward trend until March 2017–2020 among adults with diabetes while it remained constant among adults with hypertension.</a:t>
+              <a:t>Crude prevalence of chronic kidney disease (CKD) among adults aged ≥ 18 years was 13.9% during 2017–March 2020 compared to 12.9% during 2001–2004. Crude prevalence was higher in adults aged ≥ 70 years, women, non-Hispanic Black adults, and adults with diabetes or hypertension than that in their counterparts. Crude prevalence of CKD was 38.0% among adults aged ≥ 70 years during 2017–March 2020 and 47.1% during 2001–2004. Non-Hispanic Black adults show the highest crude prevalence of CKD over time compared with other racial and ethnic groups. Crude prevalence of CKD showed a downward trend until March 2017–2020 among adults with diabetes while it remained constant among adults with hypertension.</a:t>
             </a:r>
             <a:endParaRPr lang="en-US" b="1" dirty="0">
               <a:solidFill>
@@ -11068,7 +15311,7 @@
         </p:nvSpPr>
         <p:spPr>
           <a:xfrm>
-            <a:off x="3584704" y="6397941"/>
+            <a:off x="3584701" y="6211555"/>
             <a:ext cx="5022575" cy="369332"/>
           </a:xfrm>
           <a:prstGeom prst="rect">
@@ -11091,8 +15334,20 @@
                     <a:lumOff val="35000"/>
                   </a:schemeClr>
                 </a:solidFill>
+                <a:hlinkClick r:id="rId3"/>
               </a:rPr>
               <a:t>https://nccd.cdc.gov/CKD/detail.aspx?Qnum=Q9</a:t>
+            </a:r>
+            <a:r>
+              <a:rPr lang="en-US" dirty="0">
+                <a:solidFill>
+                  <a:schemeClr val="tx1">
+                    <a:lumMod val="65000"/>
+                    <a:lumOff val="35000"/>
+                  </a:schemeClr>
+                </a:solidFill>
+              </a:rPr>
+              <a:t> </a:t>
             </a:r>
           </a:p>
         </p:txBody>
@@ -11110,7 +15365,7 @@
 </p:sld>
 </file>
 
-<file path=ppt/slides/slide2.xml><?xml version="1.0" encoding="utf-8"?>
+<file path=ppt/slides/slide10.xml><?xml version="1.0" encoding="utf-8"?>
 <p:sld xmlns:a="http://schemas.openxmlformats.org/drawingml/2006/main" xmlns:r="http://schemas.openxmlformats.org/officeDocument/2006/relationships" xmlns:p="http://schemas.openxmlformats.org/presentationml/2006/main">
   <p:cSld>
     <p:spTree>
@@ -11129,7 +15384,13 @@
       </p:grpSpPr>
       <p:sp>
         <p:nvSpPr>
-          <p:cNvPr id="2" name="Title 1"/>
+          <p:cNvPr id="4" name="Title 1">
+            <a:extLst>
+              <a:ext uri="{FF2B5EF4-FFF2-40B4-BE49-F238E27FC236}">
+                <a16:creationId xmlns:a16="http://schemas.microsoft.com/office/drawing/2014/main" id="{653823EE-25A6-4581-B77D-8507AEA3DCD3}"/>
+              </a:ext>
+            </a:extLst>
+          </p:cNvPr>
           <p:cNvSpPr>
             <a:spLocks noGrp="1"/>
           </p:cNvSpPr>
@@ -11139,8 +15400,8 @@
         </p:nvSpPr>
         <p:spPr>
           <a:xfrm>
-            <a:off x="838200" y="215348"/>
-            <a:ext cx="10515600" cy="1325563"/>
+            <a:off x="172278" y="215348"/>
+            <a:ext cx="11847444" cy="1325563"/>
           </a:xfrm>
         </p:spPr>
         <p:txBody>
@@ -11150,7 +15411,100 @@
             <a:pPr algn="ctr"/>
             <a:r>
               <a:rPr lang="en-US" sz="4400" b="1" dirty="0"/>
-              <a:t>Trends in Prevalence of CKD among U.S. Adults, Overall</a:t>
+              <a:t>Trends in Prevalence of CKD among U.S. Adults, by Diabetes (age-standardized)</a:t>
+            </a:r>
+            <a:endParaRPr lang="en-US" b="1" dirty="0"/>
+          </a:p>
+        </p:txBody>
+      </p:sp>
+      <p:graphicFrame>
+        <p:nvGraphicFramePr>
+          <p:cNvPr id="5" name="Chart 4">
+            <a:extLst>
+              <a:ext uri="{FF2B5EF4-FFF2-40B4-BE49-F238E27FC236}">
+                <a16:creationId xmlns:a16="http://schemas.microsoft.com/office/drawing/2014/main" id="{66C165BC-EA3C-4DDF-9B82-B74496853F01}"/>
+              </a:ext>
+            </a:extLst>
+          </p:cNvPr>
+          <p:cNvGraphicFramePr/>
+          <p:nvPr>
+            <p:extLst>
+              <p:ext uri="{D42A27DB-BD31-4B8C-83A1-F6EECF244321}">
+                <p14:modId xmlns:p14="http://schemas.microsoft.com/office/powerpoint/2010/main" val="2672541669"/>
+              </p:ext>
+            </p:extLst>
+          </p:nvPr>
+        </p:nvGraphicFramePr>
+        <p:xfrm>
+          <a:off x="172278" y="1544570"/>
+          <a:ext cx="11847444" cy="4634602"/>
+        </p:xfrm>
+        <a:graphic>
+          <a:graphicData uri="http://schemas.openxmlformats.org/drawingml/2006/chart">
+            <c:chart xmlns:c="http://schemas.openxmlformats.org/drawingml/2006/chart" xmlns:r="http://schemas.openxmlformats.org/officeDocument/2006/relationships" r:id="rId2"/>
+          </a:graphicData>
+        </a:graphic>
+      </p:graphicFrame>
+    </p:spTree>
+    <p:extLst>
+      <p:ext uri="{BB962C8B-B14F-4D97-AF65-F5344CB8AC3E}">
+        <p14:creationId xmlns:p14="http://schemas.microsoft.com/office/powerpoint/2010/main" val="2502007722"/>
+      </p:ext>
+    </p:extLst>
+  </p:cSld>
+  <p:clrMapOvr>
+    <a:masterClrMapping/>
+  </p:clrMapOvr>
+</p:sld>
+</file>
+
+<file path=ppt/slides/slide11.xml><?xml version="1.0" encoding="utf-8"?>
+<p:sld xmlns:a="http://schemas.openxmlformats.org/drawingml/2006/main" xmlns:r="http://schemas.openxmlformats.org/officeDocument/2006/relationships" xmlns:p="http://schemas.openxmlformats.org/presentationml/2006/main">
+  <p:cSld>
+    <p:spTree>
+      <p:nvGrpSpPr>
+        <p:cNvPr id="1" name=""/>
+        <p:cNvGrpSpPr/>
+        <p:nvPr/>
+      </p:nvGrpSpPr>
+      <p:grpSpPr>
+        <a:xfrm>
+          <a:off x="0" y="0"/>
+          <a:ext cx="0" cy="0"/>
+          <a:chOff x="0" y="0"/>
+          <a:chExt cx="0" cy="0"/>
+        </a:xfrm>
+      </p:grpSpPr>
+      <p:sp>
+        <p:nvSpPr>
+          <p:cNvPr id="4" name="Title 1">
+            <a:extLst>
+              <a:ext uri="{FF2B5EF4-FFF2-40B4-BE49-F238E27FC236}">
+                <a16:creationId xmlns:a16="http://schemas.microsoft.com/office/drawing/2014/main" id="{674D1883-A630-4AF2-8897-6EEF73A6DA9F}"/>
+              </a:ext>
+            </a:extLst>
+          </p:cNvPr>
+          <p:cNvSpPr>
+            <a:spLocks noGrp="1"/>
+          </p:cNvSpPr>
+          <p:nvPr>
+            <p:ph type="title"/>
+          </p:nvPr>
+        </p:nvSpPr>
+        <p:spPr>
+          <a:xfrm>
+            <a:off x="152399" y="215348"/>
+            <a:ext cx="11887199" cy="1325563"/>
+          </a:xfrm>
+        </p:spPr>
+        <p:txBody>
+          <a:bodyPr/>
+          <a:lstStyle/>
+          <a:p>
+            <a:pPr algn="ctr"/>
+            <a:r>
+              <a:rPr lang="en-US" sz="4400" b="1" dirty="0"/>
+              <a:t>Trends in Prevalence of CKD among U.S. Adults, by Hypertension (crude)</a:t>
             </a:r>
             <a:endParaRPr lang="en-US" b="1" dirty="0"/>
           </a:p>
@@ -11161,24 +15515,22 @@
           <p:cNvPr id="6" name="Chart 5">
             <a:extLst>
               <a:ext uri="{FF2B5EF4-FFF2-40B4-BE49-F238E27FC236}">
-                <a16:creationId xmlns:a16="http://schemas.microsoft.com/office/drawing/2014/main" id="{CBBAC3A3-7169-4B03-9D98-7758A15D3315}"/>
+                <a16:creationId xmlns:a16="http://schemas.microsoft.com/office/drawing/2014/main" id="{9B88CF1F-80B3-4D1A-A6FC-A11AFAB195B6}"/>
               </a:ext>
             </a:extLst>
           </p:cNvPr>
-          <p:cNvGraphicFramePr>
-            <a:graphicFrameLocks/>
-          </p:cNvGraphicFramePr>
+          <p:cNvGraphicFramePr/>
           <p:nvPr>
             <p:extLst>
               <p:ext uri="{D42A27DB-BD31-4B8C-83A1-F6EECF244321}">
-                <p14:modId xmlns:p14="http://schemas.microsoft.com/office/powerpoint/2010/main" val="3587011171"/>
+                <p14:modId xmlns:p14="http://schemas.microsoft.com/office/powerpoint/2010/main" val="737136849"/>
               </p:ext>
             </p:extLst>
           </p:nvPr>
         </p:nvGraphicFramePr>
         <p:xfrm>
-          <a:off x="238539" y="1540911"/>
-          <a:ext cx="11589026" cy="4581593"/>
+          <a:off x="152400" y="1540911"/>
+          <a:ext cx="11887199" cy="4647854"/>
         </p:xfrm>
         <a:graphic>
           <a:graphicData uri="http://schemas.openxmlformats.org/drawingml/2006/chart">
@@ -11189,7 +15541,7 @@
     </p:spTree>
     <p:extLst>
       <p:ext uri="{BB962C8B-B14F-4D97-AF65-F5344CB8AC3E}">
-        <p14:creationId xmlns:p14="http://schemas.microsoft.com/office/powerpoint/2010/main" val="3236636429"/>
+        <p14:creationId xmlns:p14="http://schemas.microsoft.com/office/powerpoint/2010/main" val="1831526065"/>
       </p:ext>
     </p:extLst>
   </p:cSld>
@@ -11199,7 +15551,100 @@
 </p:sld>
 </file>
 
-<file path=ppt/slides/slide3.xml><?xml version="1.0" encoding="utf-8"?>
+<file path=ppt/slides/slide12.xml><?xml version="1.0" encoding="utf-8"?>
+<p:sld xmlns:a="http://schemas.openxmlformats.org/drawingml/2006/main" xmlns:r="http://schemas.openxmlformats.org/officeDocument/2006/relationships" xmlns:p="http://schemas.openxmlformats.org/presentationml/2006/main">
+  <p:cSld>
+    <p:spTree>
+      <p:nvGrpSpPr>
+        <p:cNvPr id="1" name=""/>
+        <p:cNvGrpSpPr/>
+        <p:nvPr/>
+      </p:nvGrpSpPr>
+      <p:grpSpPr>
+        <a:xfrm>
+          <a:off x="0" y="0"/>
+          <a:ext cx="0" cy="0"/>
+          <a:chOff x="0" y="0"/>
+          <a:chExt cx="0" cy="0"/>
+        </a:xfrm>
+      </p:grpSpPr>
+      <p:sp>
+        <p:nvSpPr>
+          <p:cNvPr id="4" name="Title 1">
+            <a:extLst>
+              <a:ext uri="{FF2B5EF4-FFF2-40B4-BE49-F238E27FC236}">
+                <a16:creationId xmlns:a16="http://schemas.microsoft.com/office/drawing/2014/main" id="{674D1883-A630-4AF2-8897-6EEF73A6DA9F}"/>
+              </a:ext>
+            </a:extLst>
+          </p:cNvPr>
+          <p:cNvSpPr>
+            <a:spLocks noGrp="1"/>
+          </p:cNvSpPr>
+          <p:nvPr>
+            <p:ph type="title"/>
+          </p:nvPr>
+        </p:nvSpPr>
+        <p:spPr>
+          <a:xfrm>
+            <a:off x="152399" y="215348"/>
+            <a:ext cx="11887199" cy="1325563"/>
+          </a:xfrm>
+        </p:spPr>
+        <p:txBody>
+          <a:bodyPr/>
+          <a:lstStyle/>
+          <a:p>
+            <a:pPr algn="ctr"/>
+            <a:r>
+              <a:rPr lang="en-US" sz="4400" b="1" dirty="0"/>
+              <a:t>Trends in Prevalence of CKD among U.S. Adults, by Hypertension (age-standardized)</a:t>
+            </a:r>
+            <a:endParaRPr lang="en-US" b="1" dirty="0"/>
+          </a:p>
+        </p:txBody>
+      </p:sp>
+      <p:graphicFrame>
+        <p:nvGraphicFramePr>
+          <p:cNvPr id="5" name="Chart 4">
+            <a:extLst>
+              <a:ext uri="{FF2B5EF4-FFF2-40B4-BE49-F238E27FC236}">
+                <a16:creationId xmlns:a16="http://schemas.microsoft.com/office/drawing/2014/main" id="{A8F2E897-8B6B-43F2-9CBB-A910ED19BC8F}"/>
+              </a:ext>
+            </a:extLst>
+          </p:cNvPr>
+          <p:cNvGraphicFramePr/>
+          <p:nvPr>
+            <p:extLst>
+              <p:ext uri="{D42A27DB-BD31-4B8C-83A1-F6EECF244321}">
+                <p14:modId xmlns:p14="http://schemas.microsoft.com/office/powerpoint/2010/main" val="3572086063"/>
+              </p:ext>
+            </p:extLst>
+          </p:nvPr>
+        </p:nvGraphicFramePr>
+        <p:xfrm>
+          <a:off x="152399" y="1540911"/>
+          <a:ext cx="11887199" cy="4621349"/>
+        </p:xfrm>
+        <a:graphic>
+          <a:graphicData uri="http://schemas.openxmlformats.org/drawingml/2006/chart">
+            <c:chart xmlns:c="http://schemas.openxmlformats.org/drawingml/2006/chart" xmlns:r="http://schemas.openxmlformats.org/officeDocument/2006/relationships" r:id="rId2"/>
+          </a:graphicData>
+        </a:graphic>
+      </p:graphicFrame>
+    </p:spTree>
+    <p:extLst>
+      <p:ext uri="{BB962C8B-B14F-4D97-AF65-F5344CB8AC3E}">
+        <p14:creationId xmlns:p14="http://schemas.microsoft.com/office/powerpoint/2010/main" val="607248360"/>
+      </p:ext>
+    </p:extLst>
+  </p:cSld>
+  <p:clrMapOvr>
+    <a:masterClrMapping/>
+  </p:clrMapOvr>
+</p:sld>
+</file>
+
+<file path=ppt/slides/slide2.xml><?xml version="1.0" encoding="utf-8"?>
 <p:sld xmlns:a="http://schemas.openxmlformats.org/drawingml/2006/main" xmlns:r="http://schemas.openxmlformats.org/officeDocument/2006/relationships" xmlns:p="http://schemas.openxmlformats.org/presentationml/2006/main">
   <p:cSld>
     <p:spTree>
@@ -11234,8 +15679,8 @@
         </p:nvSpPr>
         <p:spPr>
           <a:xfrm>
-            <a:off x="838200" y="215348"/>
-            <a:ext cx="10515600" cy="1325563"/>
+            <a:off x="132522" y="215348"/>
+            <a:ext cx="11787808" cy="1325563"/>
           </a:xfrm>
         </p:spPr>
         <p:txBody>
@@ -11245,7 +15690,7 @@
             <a:pPr algn="ctr"/>
             <a:r>
               <a:rPr lang="en-US" sz="4400" b="1" dirty="0"/>
-              <a:t>Trends in Prevalence of CKD among U.S. Adults, Overall Age-Standardized</a:t>
+              <a:t>Trends in Prevalence of CKD among U.S. Adults, Overall (crude)</a:t>
             </a:r>
             <a:endParaRPr lang="en-US" b="1" dirty="0"/>
           </a:p>
@@ -11253,27 +15698,25 @@
       </p:sp>
       <p:graphicFrame>
         <p:nvGraphicFramePr>
-          <p:cNvPr id="5" name="Chart 4">
+          <p:cNvPr id="6" name="Chart 5">
             <a:extLst>
               <a:ext uri="{FF2B5EF4-FFF2-40B4-BE49-F238E27FC236}">
-                <a16:creationId xmlns:a16="http://schemas.microsoft.com/office/drawing/2014/main" id="{FC28A1C2-6F86-446A-B3DF-8456753D5488}"/>
+                <a16:creationId xmlns:a16="http://schemas.microsoft.com/office/drawing/2014/main" id="{EA4720CA-3775-4677-BB07-3AF4201F590F}"/>
               </a:ext>
             </a:extLst>
           </p:cNvPr>
-          <p:cNvGraphicFramePr>
-            <a:graphicFrameLocks/>
-          </p:cNvGraphicFramePr>
+          <p:cNvGraphicFramePr/>
           <p:nvPr>
             <p:extLst>
               <p:ext uri="{D42A27DB-BD31-4B8C-83A1-F6EECF244321}">
-                <p14:modId xmlns:p14="http://schemas.microsoft.com/office/powerpoint/2010/main" val="3386315084"/>
+                <p14:modId xmlns:p14="http://schemas.microsoft.com/office/powerpoint/2010/main" val="1906973707"/>
               </p:ext>
             </p:extLst>
           </p:nvPr>
         </p:nvGraphicFramePr>
         <p:xfrm>
-          <a:off x="238539" y="1540910"/>
-          <a:ext cx="11714922" cy="4674359"/>
+          <a:off x="202096" y="1540911"/>
+          <a:ext cx="11787808" cy="4608098"/>
         </p:xfrm>
         <a:graphic>
           <a:graphicData uri="http://schemas.openxmlformats.org/drawingml/2006/chart">
@@ -11285,6 +15728,99 @@
     <p:extLst>
       <p:ext uri="{BB962C8B-B14F-4D97-AF65-F5344CB8AC3E}">
         <p14:creationId xmlns:p14="http://schemas.microsoft.com/office/powerpoint/2010/main" val="3300883599"/>
+      </p:ext>
+    </p:extLst>
+  </p:cSld>
+  <p:clrMapOvr>
+    <a:masterClrMapping/>
+  </p:clrMapOvr>
+</p:sld>
+</file>
+
+<file path=ppt/slides/slide3.xml><?xml version="1.0" encoding="utf-8"?>
+<p:sld xmlns:a="http://schemas.openxmlformats.org/drawingml/2006/main" xmlns:r="http://schemas.openxmlformats.org/officeDocument/2006/relationships" xmlns:p="http://schemas.openxmlformats.org/presentationml/2006/main">
+  <p:cSld>
+    <p:spTree>
+      <p:nvGrpSpPr>
+        <p:cNvPr id="1" name=""/>
+        <p:cNvGrpSpPr/>
+        <p:nvPr/>
+      </p:nvGrpSpPr>
+      <p:grpSpPr>
+        <a:xfrm>
+          <a:off x="0" y="0"/>
+          <a:ext cx="0" cy="0"/>
+          <a:chOff x="0" y="0"/>
+          <a:chExt cx="0" cy="0"/>
+        </a:xfrm>
+      </p:grpSpPr>
+      <p:sp>
+        <p:nvSpPr>
+          <p:cNvPr id="4" name="Title 1">
+            <a:extLst>
+              <a:ext uri="{FF2B5EF4-FFF2-40B4-BE49-F238E27FC236}">
+                <a16:creationId xmlns:a16="http://schemas.microsoft.com/office/drawing/2014/main" id="{97E370A2-FFE1-4D01-AC88-990221B158F2}"/>
+              </a:ext>
+            </a:extLst>
+          </p:cNvPr>
+          <p:cNvSpPr>
+            <a:spLocks noGrp="1"/>
+          </p:cNvSpPr>
+          <p:nvPr>
+            <p:ph type="title"/>
+          </p:nvPr>
+        </p:nvSpPr>
+        <p:spPr>
+          <a:xfrm>
+            <a:off x="132522" y="215348"/>
+            <a:ext cx="11787808" cy="1325563"/>
+          </a:xfrm>
+        </p:spPr>
+        <p:txBody>
+          <a:bodyPr/>
+          <a:lstStyle/>
+          <a:p>
+            <a:pPr algn="ctr"/>
+            <a:r>
+              <a:rPr lang="en-US" sz="4400" b="1" dirty="0"/>
+              <a:t>Trends in Prevalence of CKD among U.S. Adults, Overall (age-standardized)</a:t>
+            </a:r>
+            <a:endParaRPr lang="en-US" b="1" dirty="0"/>
+          </a:p>
+        </p:txBody>
+      </p:sp>
+      <p:graphicFrame>
+        <p:nvGraphicFramePr>
+          <p:cNvPr id="5" name="Chart 4">
+            <a:extLst>
+              <a:ext uri="{FF2B5EF4-FFF2-40B4-BE49-F238E27FC236}">
+                <a16:creationId xmlns:a16="http://schemas.microsoft.com/office/drawing/2014/main" id="{D33B5CEB-4F46-456C-9E66-812FCD340095}"/>
+              </a:ext>
+            </a:extLst>
+          </p:cNvPr>
+          <p:cNvGraphicFramePr/>
+          <p:nvPr>
+            <p:extLst>
+              <p:ext uri="{D42A27DB-BD31-4B8C-83A1-F6EECF244321}">
+                <p14:modId xmlns:p14="http://schemas.microsoft.com/office/powerpoint/2010/main" val="1066699927"/>
+              </p:ext>
+            </p:extLst>
+          </p:nvPr>
+        </p:nvGraphicFramePr>
+        <p:xfrm>
+          <a:off x="132522" y="1540911"/>
+          <a:ext cx="11926955" cy="4594845"/>
+        </p:xfrm>
+        <a:graphic>
+          <a:graphicData uri="http://schemas.openxmlformats.org/drawingml/2006/chart">
+            <c:chart xmlns:c="http://schemas.openxmlformats.org/drawingml/2006/chart" xmlns:r="http://schemas.openxmlformats.org/officeDocument/2006/relationships" r:id="rId2"/>
+          </a:graphicData>
+        </a:graphic>
+      </p:graphicFrame>
+    </p:spTree>
+    <p:extLst>
+      <p:ext uri="{BB962C8B-B14F-4D97-AF65-F5344CB8AC3E}">
+        <p14:creationId xmlns:p14="http://schemas.microsoft.com/office/powerpoint/2010/main" val="4263230479"/>
       </p:ext>
     </p:extLst>
   </p:cSld>
@@ -11329,8 +15865,8 @@
         </p:nvSpPr>
         <p:spPr>
           <a:xfrm>
-            <a:off x="838200" y="215348"/>
-            <a:ext cx="10515600" cy="1325563"/>
+            <a:off x="145775" y="215348"/>
+            <a:ext cx="11847442" cy="1325563"/>
           </a:xfrm>
         </p:spPr>
         <p:txBody>
@@ -11340,7 +15876,7 @@
             <a:pPr algn="ctr"/>
             <a:r>
               <a:rPr lang="en-US" sz="4400" b="1" dirty="0"/>
-              <a:t>Trends in Prevalence of CKD among U.S. Adults, by Age</a:t>
+              <a:t>Trends in Prevalence of CKD among U.S. Adults, by Age (crude only)</a:t>
             </a:r>
             <a:endParaRPr lang="en-US" b="1" dirty="0"/>
           </a:p>
@@ -11348,27 +15884,25 @@
       </p:sp>
       <p:graphicFrame>
         <p:nvGraphicFramePr>
-          <p:cNvPr id="5" name="Chart 4">
+          <p:cNvPr id="6" name="Chart 5">
             <a:extLst>
               <a:ext uri="{FF2B5EF4-FFF2-40B4-BE49-F238E27FC236}">
                 <a16:creationId xmlns:a16="http://schemas.microsoft.com/office/drawing/2014/main" id="{CA39DDDF-C9CD-4B1C-A10D-BC7BEDA1F619}"/>
               </a:ext>
             </a:extLst>
           </p:cNvPr>
-          <p:cNvGraphicFramePr>
-            <a:graphicFrameLocks/>
-          </p:cNvGraphicFramePr>
+          <p:cNvGraphicFramePr/>
           <p:nvPr>
             <p:extLst>
               <p:ext uri="{D42A27DB-BD31-4B8C-83A1-F6EECF244321}">
-                <p14:modId xmlns:p14="http://schemas.microsoft.com/office/powerpoint/2010/main" val="57159545"/>
+                <p14:modId xmlns:p14="http://schemas.microsoft.com/office/powerpoint/2010/main" val="2163841603"/>
               </p:ext>
             </p:extLst>
           </p:nvPr>
         </p:nvGraphicFramePr>
         <p:xfrm>
-          <a:off x="278295" y="1540911"/>
-          <a:ext cx="11635409" cy="4674358"/>
+          <a:off x="145775" y="1540912"/>
+          <a:ext cx="11847442" cy="4568340"/>
         </p:xfrm>
         <a:graphic>
           <a:graphicData uri="http://schemas.openxmlformats.org/drawingml/2006/chart">
@@ -11424,8 +15958,8 @@
         </p:nvSpPr>
         <p:spPr>
           <a:xfrm>
-            <a:off x="838200" y="215348"/>
-            <a:ext cx="10515600" cy="1325563"/>
+            <a:off x="165651" y="215348"/>
+            <a:ext cx="11860695" cy="1325563"/>
           </a:xfrm>
         </p:spPr>
         <p:txBody>
@@ -11435,7 +15969,7 @@
             <a:pPr algn="ctr"/>
             <a:r>
               <a:rPr lang="en-US" sz="4400" b="1" dirty="0"/>
-              <a:t>Trends in Prevalence of CKD among U.S. Adults, by Sex</a:t>
+              <a:t>Trends in Prevalence of CKD among U.S. Adults, by Sex (crude)</a:t>
             </a:r>
             <a:endParaRPr lang="en-US" b="1" dirty="0"/>
           </a:p>
@@ -11443,27 +15977,25 @@
       </p:sp>
       <p:graphicFrame>
         <p:nvGraphicFramePr>
-          <p:cNvPr id="5" name="Chart 4">
+          <p:cNvPr id="6" name="Chart 5">
             <a:extLst>
               <a:ext uri="{FF2B5EF4-FFF2-40B4-BE49-F238E27FC236}">
                 <a16:creationId xmlns:a16="http://schemas.microsoft.com/office/drawing/2014/main" id="{00090607-A5BE-48C1-BE29-E4FC40EBA80D}"/>
               </a:ext>
             </a:extLst>
           </p:cNvPr>
-          <p:cNvGraphicFramePr>
-            <a:graphicFrameLocks/>
-          </p:cNvGraphicFramePr>
+          <p:cNvGraphicFramePr/>
           <p:nvPr>
             <p:extLst>
               <p:ext uri="{D42A27DB-BD31-4B8C-83A1-F6EECF244321}">
-                <p14:modId xmlns:p14="http://schemas.microsoft.com/office/powerpoint/2010/main" val="674610861"/>
+                <p14:modId xmlns:p14="http://schemas.microsoft.com/office/powerpoint/2010/main" val="1408305635"/>
               </p:ext>
             </p:extLst>
           </p:nvPr>
         </p:nvGraphicFramePr>
         <p:xfrm>
-          <a:off x="298174" y="1540911"/>
-          <a:ext cx="11595652" cy="4647854"/>
+          <a:off x="165652" y="1540911"/>
+          <a:ext cx="11860695" cy="4647853"/>
         </p:xfrm>
         <a:graphic>
           <a:graphicData uri="http://schemas.openxmlformats.org/drawingml/2006/chart">
@@ -11506,6 +16038,99 @@
           <p:cNvPr id="4" name="Title 1">
             <a:extLst>
               <a:ext uri="{FF2B5EF4-FFF2-40B4-BE49-F238E27FC236}">
+                <a16:creationId xmlns:a16="http://schemas.microsoft.com/office/drawing/2014/main" id="{01299609-388D-40F4-8FD2-10944AAF1530}"/>
+              </a:ext>
+            </a:extLst>
+          </p:cNvPr>
+          <p:cNvSpPr>
+            <a:spLocks noGrp="1"/>
+          </p:cNvSpPr>
+          <p:nvPr>
+            <p:ph type="title"/>
+          </p:nvPr>
+        </p:nvSpPr>
+        <p:spPr>
+          <a:xfrm>
+            <a:off x="172277" y="215348"/>
+            <a:ext cx="11847443" cy="1325563"/>
+          </a:xfrm>
+        </p:spPr>
+        <p:txBody>
+          <a:bodyPr/>
+          <a:lstStyle/>
+          <a:p>
+            <a:pPr algn="ctr"/>
+            <a:r>
+              <a:rPr lang="en-US" sz="4400" b="1" dirty="0"/>
+              <a:t>Trends in Prevalence of CKD among U.S. Adults, by Sex (age-standardized)</a:t>
+            </a:r>
+            <a:endParaRPr lang="en-US" b="1" dirty="0"/>
+          </a:p>
+        </p:txBody>
+      </p:sp>
+      <p:graphicFrame>
+        <p:nvGraphicFramePr>
+          <p:cNvPr id="5" name="Chart 4">
+            <a:extLst>
+              <a:ext uri="{FF2B5EF4-FFF2-40B4-BE49-F238E27FC236}">
+                <a16:creationId xmlns:a16="http://schemas.microsoft.com/office/drawing/2014/main" id="{C71EF1D7-580C-4808-A167-BCA441EBE39E}"/>
+              </a:ext>
+            </a:extLst>
+          </p:cNvPr>
+          <p:cNvGraphicFramePr/>
+          <p:nvPr>
+            <p:extLst>
+              <p:ext uri="{D42A27DB-BD31-4B8C-83A1-F6EECF244321}">
+                <p14:modId xmlns:p14="http://schemas.microsoft.com/office/powerpoint/2010/main" val="2965144168"/>
+              </p:ext>
+            </p:extLst>
+          </p:nvPr>
+        </p:nvGraphicFramePr>
+        <p:xfrm>
+          <a:off x="172276" y="1540911"/>
+          <a:ext cx="11847444" cy="4647854"/>
+        </p:xfrm>
+        <a:graphic>
+          <a:graphicData uri="http://schemas.openxmlformats.org/drawingml/2006/chart">
+            <c:chart xmlns:c="http://schemas.openxmlformats.org/drawingml/2006/chart" xmlns:r="http://schemas.openxmlformats.org/officeDocument/2006/relationships" r:id="rId2"/>
+          </a:graphicData>
+        </a:graphic>
+      </p:graphicFrame>
+    </p:spTree>
+    <p:extLst>
+      <p:ext uri="{BB962C8B-B14F-4D97-AF65-F5344CB8AC3E}">
+        <p14:creationId xmlns:p14="http://schemas.microsoft.com/office/powerpoint/2010/main" val="1199577749"/>
+      </p:ext>
+    </p:extLst>
+  </p:cSld>
+  <p:clrMapOvr>
+    <a:masterClrMapping/>
+  </p:clrMapOvr>
+</p:sld>
+</file>
+
+<file path=ppt/slides/slide7.xml><?xml version="1.0" encoding="utf-8"?>
+<p:sld xmlns:a="http://schemas.openxmlformats.org/drawingml/2006/main" xmlns:r="http://schemas.openxmlformats.org/officeDocument/2006/relationships" xmlns:p="http://schemas.openxmlformats.org/presentationml/2006/main">
+  <p:cSld>
+    <p:spTree>
+      <p:nvGrpSpPr>
+        <p:cNvPr id="1" name=""/>
+        <p:cNvGrpSpPr/>
+        <p:nvPr/>
+      </p:nvGrpSpPr>
+      <p:grpSpPr>
+        <a:xfrm>
+          <a:off x="0" y="0"/>
+          <a:ext cx="0" cy="0"/>
+          <a:chOff x="0" y="0"/>
+          <a:chExt cx="0" cy="0"/>
+        </a:xfrm>
+      </p:grpSpPr>
+      <p:sp>
+        <p:nvSpPr>
+          <p:cNvPr id="4" name="Title 1">
+            <a:extLst>
+              <a:ext uri="{FF2B5EF4-FFF2-40B4-BE49-F238E27FC236}">
                 <a16:creationId xmlns:a16="http://schemas.microsoft.com/office/drawing/2014/main" id="{C0E4F957-7018-4576-B0D7-609F2CAC636F}"/>
               </a:ext>
             </a:extLst>
@@ -11519,8 +16144,8 @@
         </p:nvSpPr>
         <p:spPr>
           <a:xfrm>
-            <a:off x="838200" y="215348"/>
-            <a:ext cx="10515600" cy="1325563"/>
+            <a:off x="145773" y="215348"/>
+            <a:ext cx="11900451" cy="1325563"/>
           </a:xfrm>
         </p:spPr>
         <p:txBody>
@@ -11530,7 +16155,7 @@
             <a:pPr algn="ctr"/>
             <a:r>
               <a:rPr lang="en-US" sz="4400" b="1" dirty="0"/>
-              <a:t>Trends in Prevalence of CKD among U.S. Adults, by Race/Ethnicity</a:t>
+              <a:t>Trends in Prevalence of CKD among U.S. Adults, by Race/Ethnicity (crude)</a:t>
             </a:r>
             <a:endParaRPr lang="en-US" b="1" dirty="0"/>
           </a:p>
@@ -11538,27 +16163,25 @@
       </p:sp>
       <p:graphicFrame>
         <p:nvGraphicFramePr>
-          <p:cNvPr id="5" name="Chart 4">
+          <p:cNvPr id="6" name="Chart 5">
             <a:extLst>
               <a:ext uri="{FF2B5EF4-FFF2-40B4-BE49-F238E27FC236}">
                 <a16:creationId xmlns:a16="http://schemas.microsoft.com/office/drawing/2014/main" id="{2D910CC6-2710-42C5-ABA8-8876589C4D46}"/>
               </a:ext>
             </a:extLst>
           </p:cNvPr>
-          <p:cNvGraphicFramePr>
-            <a:graphicFrameLocks/>
-          </p:cNvGraphicFramePr>
+          <p:cNvGraphicFramePr/>
           <p:nvPr>
             <p:extLst>
               <p:ext uri="{D42A27DB-BD31-4B8C-83A1-F6EECF244321}">
-                <p14:modId xmlns:p14="http://schemas.microsoft.com/office/powerpoint/2010/main" val="3383355660"/>
+                <p14:modId xmlns:p14="http://schemas.microsoft.com/office/powerpoint/2010/main" val="4084446654"/>
               </p:ext>
             </p:extLst>
           </p:nvPr>
         </p:nvGraphicFramePr>
         <p:xfrm>
-          <a:off x="344556" y="1540911"/>
-          <a:ext cx="11502887" cy="4621350"/>
+          <a:off x="145774" y="1540911"/>
+          <a:ext cx="11900452" cy="4634602"/>
         </p:xfrm>
         <a:graphic>
           <a:graphicData uri="http://schemas.openxmlformats.org/drawingml/2006/chart">
@@ -11579,7 +16202,100 @@
 </p:sld>
 </file>
 
-<file path=ppt/slides/slide7.xml><?xml version="1.0" encoding="utf-8"?>
+<file path=ppt/slides/slide8.xml><?xml version="1.0" encoding="utf-8"?>
+<p:sld xmlns:a="http://schemas.openxmlformats.org/drawingml/2006/main" xmlns:r="http://schemas.openxmlformats.org/officeDocument/2006/relationships" xmlns:p="http://schemas.openxmlformats.org/presentationml/2006/main">
+  <p:cSld>
+    <p:spTree>
+      <p:nvGrpSpPr>
+        <p:cNvPr id="1" name=""/>
+        <p:cNvGrpSpPr/>
+        <p:nvPr/>
+      </p:nvGrpSpPr>
+      <p:grpSpPr>
+        <a:xfrm>
+          <a:off x="0" y="0"/>
+          <a:ext cx="0" cy="0"/>
+          <a:chOff x="0" y="0"/>
+          <a:chExt cx="0" cy="0"/>
+        </a:xfrm>
+      </p:grpSpPr>
+      <p:sp>
+        <p:nvSpPr>
+          <p:cNvPr id="4" name="Title 1">
+            <a:extLst>
+              <a:ext uri="{FF2B5EF4-FFF2-40B4-BE49-F238E27FC236}">
+                <a16:creationId xmlns:a16="http://schemas.microsoft.com/office/drawing/2014/main" id="{C0E4F957-7018-4576-B0D7-609F2CAC636F}"/>
+              </a:ext>
+            </a:extLst>
+          </p:cNvPr>
+          <p:cNvSpPr>
+            <a:spLocks noGrp="1"/>
+          </p:cNvSpPr>
+          <p:nvPr>
+            <p:ph type="title"/>
+          </p:nvPr>
+        </p:nvSpPr>
+        <p:spPr>
+          <a:xfrm>
+            <a:off x="165651" y="215348"/>
+            <a:ext cx="11860695" cy="1325563"/>
+          </a:xfrm>
+        </p:spPr>
+        <p:txBody>
+          <a:bodyPr/>
+          <a:lstStyle/>
+          <a:p>
+            <a:pPr algn="ctr"/>
+            <a:r>
+              <a:rPr lang="en-US" sz="4400" b="1" dirty="0"/>
+              <a:t>Trends in Prevalence of CKD among U.S. Adults, by Race/Ethnicity (age-standardized)</a:t>
+            </a:r>
+            <a:endParaRPr lang="en-US" b="1" dirty="0"/>
+          </a:p>
+        </p:txBody>
+      </p:sp>
+      <p:graphicFrame>
+        <p:nvGraphicFramePr>
+          <p:cNvPr id="5" name="Chart 4">
+            <a:extLst>
+              <a:ext uri="{FF2B5EF4-FFF2-40B4-BE49-F238E27FC236}">
+                <a16:creationId xmlns:a16="http://schemas.microsoft.com/office/drawing/2014/main" id="{43C6DEFC-A27D-4867-BB06-D454D2A0EA2C}"/>
+              </a:ext>
+            </a:extLst>
+          </p:cNvPr>
+          <p:cNvGraphicFramePr/>
+          <p:nvPr>
+            <p:extLst>
+              <p:ext uri="{D42A27DB-BD31-4B8C-83A1-F6EECF244321}">
+                <p14:modId xmlns:p14="http://schemas.microsoft.com/office/powerpoint/2010/main" val="4206860113"/>
+              </p:ext>
+            </p:extLst>
+          </p:nvPr>
+        </p:nvGraphicFramePr>
+        <p:xfrm>
+          <a:off x="165652" y="1540911"/>
+          <a:ext cx="11860696" cy="4634602"/>
+        </p:xfrm>
+        <a:graphic>
+          <a:graphicData uri="http://schemas.openxmlformats.org/drawingml/2006/chart">
+            <c:chart xmlns:c="http://schemas.openxmlformats.org/drawingml/2006/chart" xmlns:r="http://schemas.openxmlformats.org/officeDocument/2006/relationships" r:id="rId2"/>
+          </a:graphicData>
+        </a:graphic>
+      </p:graphicFrame>
+    </p:spTree>
+    <p:extLst>
+      <p:ext uri="{BB962C8B-B14F-4D97-AF65-F5344CB8AC3E}">
+        <p14:creationId xmlns:p14="http://schemas.microsoft.com/office/powerpoint/2010/main" val="2544717872"/>
+      </p:ext>
+    </p:extLst>
+  </p:cSld>
+  <p:clrMapOvr>
+    <a:masterClrMapping/>
+  </p:clrMapOvr>
+</p:sld>
+</file>
+
+<file path=ppt/slides/slide9.xml><?xml version="1.0" encoding="utf-8"?>
 <p:sld xmlns:a="http://schemas.openxmlformats.org/drawingml/2006/main" xmlns:r="http://schemas.openxmlformats.org/officeDocument/2006/relationships" xmlns:p="http://schemas.openxmlformats.org/presentationml/2006/main">
   <p:cSld>
     <p:spTree>
@@ -11614,8 +16330,8 @@
         </p:nvSpPr>
         <p:spPr>
           <a:xfrm>
-            <a:off x="838200" y="215348"/>
-            <a:ext cx="10515600" cy="1325563"/>
+            <a:off x="172278" y="215348"/>
+            <a:ext cx="11847444" cy="1325563"/>
           </a:xfrm>
         </p:spPr>
         <p:txBody>
@@ -11625,7 +16341,7 @@
             <a:pPr algn="ctr"/>
             <a:r>
               <a:rPr lang="en-US" sz="4400" b="1" dirty="0"/>
-              <a:t>Trends in Prevalence of CKD among U.S. Adults, by Diabetes</a:t>
+              <a:t>Trends in Prevalence of CKD among U.S. Adults, by Diabetes (crude)</a:t>
             </a:r>
             <a:endParaRPr lang="en-US" b="1" dirty="0"/>
           </a:p>
@@ -11633,27 +16349,25 @@
       </p:sp>
       <p:graphicFrame>
         <p:nvGraphicFramePr>
-          <p:cNvPr id="5" name="Chart 4">
+          <p:cNvPr id="6" name="Chart 5">
             <a:extLst>
               <a:ext uri="{FF2B5EF4-FFF2-40B4-BE49-F238E27FC236}">
                 <a16:creationId xmlns:a16="http://schemas.microsoft.com/office/drawing/2014/main" id="{B9014F2C-4DF2-45B7-ABA7-83B0809A2D1F}"/>
               </a:ext>
             </a:extLst>
           </p:cNvPr>
-          <p:cNvGraphicFramePr>
-            <a:graphicFrameLocks/>
-          </p:cNvGraphicFramePr>
+          <p:cNvGraphicFramePr/>
           <p:nvPr>
             <p:extLst>
               <p:ext uri="{D42A27DB-BD31-4B8C-83A1-F6EECF244321}">
-                <p14:modId xmlns:p14="http://schemas.microsoft.com/office/powerpoint/2010/main" val="1558291633"/>
+                <p14:modId xmlns:p14="http://schemas.microsoft.com/office/powerpoint/2010/main" val="972006852"/>
               </p:ext>
             </p:extLst>
           </p:nvPr>
         </p:nvGraphicFramePr>
         <p:xfrm>
-          <a:off x="311426" y="1540911"/>
-          <a:ext cx="11569148" cy="4608098"/>
+          <a:off x="172278" y="1540911"/>
+          <a:ext cx="11847444" cy="4661106"/>
         </p:xfrm>
         <a:graphic>
           <a:graphicData uri="http://schemas.openxmlformats.org/drawingml/2006/chart">
@@ -11665,101 +16379,6 @@
     <p:extLst>
       <p:ext uri="{BB962C8B-B14F-4D97-AF65-F5344CB8AC3E}">
         <p14:creationId xmlns:p14="http://schemas.microsoft.com/office/powerpoint/2010/main" val="1506859312"/>
-      </p:ext>
-    </p:extLst>
-  </p:cSld>
-  <p:clrMapOvr>
-    <a:masterClrMapping/>
-  </p:clrMapOvr>
-</p:sld>
-</file>
-
-<file path=ppt/slides/slide8.xml><?xml version="1.0" encoding="utf-8"?>
-<p:sld xmlns:a="http://schemas.openxmlformats.org/drawingml/2006/main" xmlns:r="http://schemas.openxmlformats.org/officeDocument/2006/relationships" xmlns:p="http://schemas.openxmlformats.org/presentationml/2006/main">
-  <p:cSld>
-    <p:spTree>
-      <p:nvGrpSpPr>
-        <p:cNvPr id="1" name=""/>
-        <p:cNvGrpSpPr/>
-        <p:nvPr/>
-      </p:nvGrpSpPr>
-      <p:grpSpPr>
-        <a:xfrm>
-          <a:off x="0" y="0"/>
-          <a:ext cx="0" cy="0"/>
-          <a:chOff x="0" y="0"/>
-          <a:chExt cx="0" cy="0"/>
-        </a:xfrm>
-      </p:grpSpPr>
-      <p:sp>
-        <p:nvSpPr>
-          <p:cNvPr id="4" name="Title 1">
-            <a:extLst>
-              <a:ext uri="{FF2B5EF4-FFF2-40B4-BE49-F238E27FC236}">
-                <a16:creationId xmlns:a16="http://schemas.microsoft.com/office/drawing/2014/main" id="{674D1883-A630-4AF2-8897-6EEF73A6DA9F}"/>
-              </a:ext>
-            </a:extLst>
-          </p:cNvPr>
-          <p:cNvSpPr>
-            <a:spLocks noGrp="1"/>
-          </p:cNvSpPr>
-          <p:nvPr>
-            <p:ph type="title"/>
-          </p:nvPr>
-        </p:nvSpPr>
-        <p:spPr>
-          <a:xfrm>
-            <a:off x="838200" y="215348"/>
-            <a:ext cx="10515600" cy="1325563"/>
-          </a:xfrm>
-        </p:spPr>
-        <p:txBody>
-          <a:bodyPr/>
-          <a:lstStyle/>
-          <a:p>
-            <a:pPr algn="ctr"/>
-            <a:r>
-              <a:rPr lang="en-US" sz="4400" b="1" dirty="0"/>
-              <a:t>Trends in Prevalence of CKD among U.S. Adults, by Hypertension</a:t>
-            </a:r>
-            <a:endParaRPr lang="en-US" b="1" dirty="0"/>
-          </a:p>
-        </p:txBody>
-      </p:sp>
-      <p:graphicFrame>
-        <p:nvGraphicFramePr>
-          <p:cNvPr id="5" name="Chart 4">
-            <a:extLst>
-              <a:ext uri="{FF2B5EF4-FFF2-40B4-BE49-F238E27FC236}">
-                <a16:creationId xmlns:a16="http://schemas.microsoft.com/office/drawing/2014/main" id="{9B88CF1F-80B3-4D1A-A6FC-A11AFAB195B6}"/>
-              </a:ext>
-            </a:extLst>
-          </p:cNvPr>
-          <p:cNvGraphicFramePr>
-            <a:graphicFrameLocks/>
-          </p:cNvGraphicFramePr>
-          <p:nvPr>
-            <p:extLst>
-              <p:ext uri="{D42A27DB-BD31-4B8C-83A1-F6EECF244321}">
-                <p14:modId xmlns:p14="http://schemas.microsoft.com/office/powerpoint/2010/main" val="3647069282"/>
-              </p:ext>
-            </p:extLst>
-          </p:nvPr>
-        </p:nvGraphicFramePr>
-        <p:xfrm>
-          <a:off x="284921" y="1540911"/>
-          <a:ext cx="11622157" cy="4647854"/>
-        </p:xfrm>
-        <a:graphic>
-          <a:graphicData uri="http://schemas.openxmlformats.org/drawingml/2006/chart">
-            <c:chart xmlns:c="http://schemas.openxmlformats.org/drawingml/2006/chart" xmlns:r="http://schemas.openxmlformats.org/officeDocument/2006/relationships" r:id="rId2"/>
-          </a:graphicData>
-        </a:graphic>
-      </p:graphicFrame>
-    </p:spTree>
-    <p:extLst>
-      <p:ext uri="{BB962C8B-B14F-4D97-AF65-F5344CB8AC3E}">
-        <p14:creationId xmlns:p14="http://schemas.microsoft.com/office/powerpoint/2010/main" val="1831526065"/>
       </p:ext>
     </p:extLst>
   </p:cSld>

--- a/CKDSurveillance/PPT/Q9.pptx
+++ b/CKDSurveillance/PPT/Q9.pptx
@@ -12320,7 +12320,7 @@
           <a:p>
             <a:fld id="{FEC8F623-83FF-45D9-9165-1796CF17F145}" type="datetimeFigureOut">
               <a:rPr lang="en-US" smtClean="0"/>
-              <a:t>7/15/2024</a:t>
+              <a:t>7/22/2024</a:t>
             </a:fld>
             <a:endParaRPr lang="en-US"/>
           </a:p>
@@ -12488,7 +12488,7 @@
           <a:p>
             <a:fld id="{FEC8F623-83FF-45D9-9165-1796CF17F145}" type="datetimeFigureOut">
               <a:rPr lang="en-US" smtClean="0"/>
-              <a:t>7/15/2024</a:t>
+              <a:t>7/22/2024</a:t>
             </a:fld>
             <a:endParaRPr lang="en-US"/>
           </a:p>
@@ -12666,7 +12666,7 @@
           <a:p>
             <a:fld id="{FEC8F623-83FF-45D9-9165-1796CF17F145}" type="datetimeFigureOut">
               <a:rPr lang="en-US" smtClean="0"/>
-              <a:t>7/15/2024</a:t>
+              <a:t>7/22/2024</a:t>
             </a:fld>
             <a:endParaRPr lang="en-US"/>
           </a:p>
@@ -12834,7 +12834,7 @@
           <a:p>
             <a:fld id="{FEC8F623-83FF-45D9-9165-1796CF17F145}" type="datetimeFigureOut">
               <a:rPr lang="en-US" smtClean="0"/>
-              <a:t>7/15/2024</a:t>
+              <a:t>7/22/2024</a:t>
             </a:fld>
             <a:endParaRPr lang="en-US"/>
           </a:p>
@@ -13114,7 +13114,7 @@
           <a:p>
             <a:fld id="{FEC8F623-83FF-45D9-9165-1796CF17F145}" type="datetimeFigureOut">
               <a:rPr lang="en-US" smtClean="0"/>
-              <a:t>7/15/2024</a:t>
+              <a:t>7/22/2024</a:t>
             </a:fld>
             <a:endParaRPr lang="en-US"/>
           </a:p>
@@ -13367,7 +13367,7 @@
           <a:p>
             <a:fld id="{FEC8F623-83FF-45D9-9165-1796CF17F145}" type="datetimeFigureOut">
               <a:rPr lang="en-US" smtClean="0"/>
-              <a:t>7/15/2024</a:t>
+              <a:t>7/22/2024</a:t>
             </a:fld>
             <a:endParaRPr lang="en-US"/>
           </a:p>
@@ -13755,7 +13755,7 @@
           <a:p>
             <a:fld id="{FEC8F623-83FF-45D9-9165-1796CF17F145}" type="datetimeFigureOut">
               <a:rPr lang="en-US" smtClean="0"/>
-              <a:t>7/15/2024</a:t>
+              <a:t>7/22/2024</a:t>
             </a:fld>
             <a:endParaRPr lang="en-US"/>
           </a:p>
@@ -13896,7 +13896,7 @@
           <a:p>
             <a:fld id="{FEC8F623-83FF-45D9-9165-1796CF17F145}" type="datetimeFigureOut">
               <a:rPr lang="en-US" smtClean="0"/>
-              <a:t>7/15/2024</a:t>
+              <a:t>7/22/2024</a:t>
             </a:fld>
             <a:endParaRPr lang="en-US"/>
           </a:p>
@@ -13991,7 +13991,7 @@
           <a:p>
             <a:fld id="{FEC8F623-83FF-45D9-9165-1796CF17F145}" type="datetimeFigureOut">
               <a:rPr lang="en-US" smtClean="0"/>
-              <a:t>7/15/2024</a:t>
+              <a:t>7/22/2024</a:t>
             </a:fld>
             <a:endParaRPr lang="en-US"/>
           </a:p>
@@ -14266,7 +14266,7 @@
           <a:p>
             <a:fld id="{FEC8F623-83FF-45D9-9165-1796CF17F145}" type="datetimeFigureOut">
               <a:rPr lang="en-US" smtClean="0"/>
-              <a:t>7/15/2024</a:t>
+              <a:t>7/22/2024</a:t>
             </a:fld>
             <a:endParaRPr lang="en-US"/>
           </a:p>
@@ -14518,7 +14518,7 @@
           <a:p>
             <a:fld id="{FEC8F623-83FF-45D9-9165-1796CF17F145}" type="datetimeFigureOut">
               <a:rPr lang="en-US" smtClean="0"/>
-              <a:t>7/15/2024</a:t>
+              <a:t>7/22/2024</a:t>
             </a:fld>
             <a:endParaRPr lang="en-US"/>
           </a:p>
@@ -14729,7 +14729,7 @@
           <a:p>
             <a:fld id="{FEC8F623-83FF-45D9-9165-1796CF17F145}" type="datetimeFigureOut">
               <a:rPr lang="en-US" smtClean="0"/>
-              <a:t>7/15/2024</a:t>
+              <a:t>7/22/2024</a:t>
             </a:fld>
             <a:endParaRPr lang="en-US"/>
           </a:p>
@@ -15411,7 +15411,7 @@
             <a:pPr algn="ctr"/>
             <a:r>
               <a:rPr lang="en-US" sz="4400" b="1" dirty="0"/>
-              <a:t>Trends in Prevalence of CKD among U.S. Adults, by Diabetes (age-standardized)</a:t>
+              <a:t>Age-Standardized Trends in Prevalence of CKD among U.S. Adults, by Diabetes</a:t>
             </a:r>
             <a:endParaRPr lang="en-US" b="1" dirty="0"/>
           </a:p>
@@ -15504,7 +15504,7 @@
             <a:pPr algn="ctr"/>
             <a:r>
               <a:rPr lang="en-US" sz="4400" b="1" dirty="0"/>
-              <a:t>Trends in Prevalence of CKD among U.S. Adults, by Hypertension (crude)</a:t>
+              <a:t>Crude Trends in Prevalence of CKD among U.S. Adults, by Hypertension</a:t>
             </a:r>
             <a:endParaRPr lang="en-US" b="1" dirty="0"/>
           </a:p>
@@ -15591,13 +15591,15 @@
           </a:xfrm>
         </p:spPr>
         <p:txBody>
-          <a:bodyPr/>
+          <a:bodyPr>
+            <a:normAutofit/>
+          </a:bodyPr>
           <a:lstStyle/>
           <a:p>
             <a:pPr algn="ctr"/>
             <a:r>
               <a:rPr lang="en-US" sz="4400" b="1" dirty="0"/>
-              <a:t>Trends in Prevalence of CKD among U.S. Adults, by Hypertension (age-standardized)</a:t>
+              <a:t>Age-Standardized Trends in Prevalence of CKD among U.S. Adults, by Hypertension</a:t>
             </a:r>
             <a:endParaRPr lang="en-US" b="1" dirty="0"/>
           </a:p>
@@ -15690,7 +15692,7 @@
             <a:pPr algn="ctr"/>
             <a:r>
               <a:rPr lang="en-US" sz="4400" b="1" dirty="0"/>
-              <a:t>Trends in Prevalence of CKD among U.S. Adults, Overall (crude)</a:t>
+              <a:t>Crude Trends in Prevalence of CKD among U.S. Adults, Overall</a:t>
             </a:r>
             <a:endParaRPr lang="en-US" b="1" dirty="0"/>
           </a:p>
@@ -15783,7 +15785,7 @@
             <a:pPr algn="ctr"/>
             <a:r>
               <a:rPr lang="en-US" sz="4400" b="1" dirty="0"/>
-              <a:t>Trends in Prevalence of CKD among U.S. Adults, Overall (age-standardized)</a:t>
+              <a:t>Age-Standardized Trends in Prevalence of CKD among U.S. Adults, Overall</a:t>
             </a:r>
             <a:endParaRPr lang="en-US" b="1" dirty="0"/>
           </a:p>
@@ -15876,7 +15878,7 @@
             <a:pPr algn="ctr"/>
             <a:r>
               <a:rPr lang="en-US" sz="4400" b="1" dirty="0"/>
-              <a:t>Trends in Prevalence of CKD among U.S. Adults, by Age (crude only)</a:t>
+              <a:t>Crude Trends in Prevalence of CKD among U.S. Adults, by Age</a:t>
             </a:r>
             <a:endParaRPr lang="en-US" b="1" dirty="0"/>
           </a:p>
@@ -15969,7 +15971,7 @@
             <a:pPr algn="ctr"/>
             <a:r>
               <a:rPr lang="en-US" sz="4400" b="1" dirty="0"/>
-              <a:t>Trends in Prevalence of CKD among U.S. Adults, by Sex (crude)</a:t>
+              <a:t>Crude Trends in Prevalence of CKD among U.S. Adults, by Sex</a:t>
             </a:r>
             <a:endParaRPr lang="en-US" b="1" dirty="0"/>
           </a:p>
@@ -16062,7 +16064,7 @@
             <a:pPr algn="ctr"/>
             <a:r>
               <a:rPr lang="en-US" sz="4400" b="1" dirty="0"/>
-              <a:t>Trends in Prevalence of CKD among U.S. Adults, by Sex (age-standardized)</a:t>
+              <a:t>Age-Standardized Trends in Prevalence of CKD among U.S. Adults, by Sex</a:t>
             </a:r>
             <a:endParaRPr lang="en-US" b="1" dirty="0"/>
           </a:p>
@@ -16155,7 +16157,7 @@
             <a:pPr algn="ctr"/>
             <a:r>
               <a:rPr lang="en-US" sz="4400" b="1" dirty="0"/>
-              <a:t>Trends in Prevalence of CKD among U.S. Adults, by Race/Ethnicity (crude)</a:t>
+              <a:t>Crude Trends in Prevalence of CKD among U.S. Adults, by Race/Ethnicity</a:t>
             </a:r>
             <a:endParaRPr lang="en-US" b="1" dirty="0"/>
           </a:p>
@@ -16242,13 +16244,15 @@
           </a:xfrm>
         </p:spPr>
         <p:txBody>
-          <a:bodyPr/>
+          <a:bodyPr>
+            <a:normAutofit/>
+          </a:bodyPr>
           <a:lstStyle/>
           <a:p>
             <a:pPr algn="ctr"/>
             <a:r>
               <a:rPr lang="en-US" sz="4400" b="1" dirty="0"/>
-              <a:t>Trends in Prevalence of CKD among U.S. Adults, by Race/Ethnicity (age-standardized)</a:t>
+              <a:t>Age-Standardized Trends in Prevalence of CKD among U.S. Adults, by Race/Ethnicity</a:t>
             </a:r>
             <a:endParaRPr lang="en-US" b="1" dirty="0"/>
           </a:p>
@@ -16341,7 +16345,7 @@
             <a:pPr algn="ctr"/>
             <a:r>
               <a:rPr lang="en-US" sz="4400" b="1" dirty="0"/>
-              <a:t>Trends in Prevalence of CKD among U.S. Adults, by Diabetes (crude)</a:t>
+              <a:t>Crude Trends in Prevalence of CKD among U.S. Adults, by Diabetes</a:t>
             </a:r>
             <a:endParaRPr lang="en-US" b="1" dirty="0"/>
           </a:p>
